--- a/1- Designing an HR Database/proposal.pptx
+++ b/1- Designing an HR Database/proposal.pptx
@@ -36006,10 +36006,10 @@
               <a:buNone/>
             </a:pPr>
             <a:r>
-              <a:rPr lang="en-US" sz="1900"/>
+              <a:rPr lang="en-US" sz="1800"/>
               <a:t>Tech ABC Corp Partner has recently experienced subdenly growth. After has been hugely successfull with the IA powered video game console WORD. Their employees has grown suddenly from only 10 staff to 200 in only 6 months. Beside that from an office location at Dalas Texas has increased to 4 other locations nationwide. At Present, HR department is going in significant trouble to keep their bussiness up to firm expands by a shared Excell Sheet dataset.</a:t>
             </a:r>
-            <a:endParaRPr lang="en-US" sz="1900"/>
+            <a:endParaRPr lang="en-US" sz="1800"/>
           </a:p>
           <a:p>
             <a:pPr marL="0" lvl="0" algn="l" rtl="0">
@@ -36025,10 +36025,10 @@
               <a:buNone/>
             </a:pPr>
             <a:r>
-              <a:rPr lang="en-US" sz="1900"/>
-              <a:t>To keep up to the current sistuation. They have the request to design and build up a HR database system to manage their employee  information with the seamless integrity and security. </a:t>
+              <a:rPr lang="en-US" sz="1800"/>
+              <a:t>To keep up to the current sistuation. They have the request to design and build up a HR database system to manage their employee information with the seamless integrity and security. </a:t>
             </a:r>
-            <a:endParaRPr lang="en-US" sz="1900"/>
+            <a:endParaRPr lang="en-US" sz="1800"/>
           </a:p>
           <a:p>
             <a:pPr marL="457200" lvl="0" indent="0" algn="l" rtl="0">
@@ -36092,12 +36092,12 @@
               <a:buNone/>
             </a:pPr>
             <a:r>
-              <a:rPr lang="en-US" sz="1900">
+              <a:rPr lang="en-US" sz="1800">
                 <a:sym typeface="Arial" panose="020B0604020202020204"/>
               </a:rPr>
               <a:t>The dataset currently storaged on a shared Excel Sheet that could be updated with any HR-employees.</a:t>
             </a:r>
-            <a:endParaRPr lang="en-US" sz="1900">
+            <a:endParaRPr lang="en-US" sz="1800">
               <a:sym typeface="Arial" panose="020B0604020202020204"/>
             </a:endParaRPr>
           </a:p>
@@ -36160,10 +36160,10 @@
               <a:buNone/>
             </a:pPr>
             <a:r>
-              <a:rPr lang="en-US" sz="1900"/>
+              <a:rPr lang="en-US" sz="1800"/>
               <a:t>Excell dataset include 205 records with 15 columns that keep the employee information such as: Employee personal Information, Hire|Start|End date, working location and salary ... </a:t>
             </a:r>
-            <a:endParaRPr sz="1900"/>
+            <a:endParaRPr sz="1800"/>
           </a:p>
           <a:p>
             <a:pPr marL="457200" lvl="0" indent="0" algn="l" rtl="0">
@@ -36175,7 +36175,7 @@
               </a:spcAft>
               <a:buNone/>
             </a:pPr>
-            <a:endParaRPr sz="1900"/>
+            <a:endParaRPr sz="1800"/>
           </a:p>
         </p:txBody>
       </p:sp>
@@ -36208,7 +36208,7 @@
         <p:spPr>
           <a:xfrm>
             <a:off x="264795" y="172720"/>
-            <a:ext cx="7242810" cy="6238875"/>
+            <a:ext cx="7242810" cy="7547610"/>
           </a:xfrm>
         </p:spPr>
         <p:txBody>
@@ -36263,12 +36263,12 @@
               <a:buNone/>
             </a:pPr>
             <a:r>
-              <a:rPr lang="en-US" altLang="en-GB" sz="1900">
+              <a:rPr lang="en-US" altLang="en-GB" sz="1800">
                 <a:sym typeface="+mn-ea"/>
               </a:rPr>
               <a:t>1. Be able to connect ro payroll department’s system in the future for intergration.</a:t>
             </a:r>
-            <a:endParaRPr lang="en-US" altLang="en-GB" sz="1900">
+            <a:endParaRPr lang="en-US" altLang="en-GB" sz="1800">
               <a:sym typeface="+mn-ea"/>
             </a:endParaRPr>
           </a:p>
@@ -36285,12 +36285,12 @@
               <a:buNone/>
             </a:pPr>
             <a:r>
-              <a:rPr lang="en-US" altLang="en-GB" sz="1900">
+              <a:rPr lang="en-US" altLang="en-GB" sz="1800">
                 <a:sym typeface="+mn-ea"/>
               </a:rPr>
               <a:t>2. Maintain the employee attendance and paid time off information. </a:t>
             </a:r>
-            <a:endParaRPr lang="en-GB" sz="1900">
+            <a:endParaRPr lang="en-GB" sz="1800">
               <a:sym typeface="+mn-ea"/>
             </a:endParaRPr>
           </a:p>
@@ -36337,10 +36337,10 @@
               <a:buNone/>
             </a:pPr>
             <a:r>
-              <a:rPr lang="en-US" altLang="en-GB" sz="1900"/>
+              <a:rPr lang="en-US" altLang="en-GB" sz="1800"/>
               <a:t> - HR employees.</a:t>
             </a:r>
-            <a:endParaRPr lang="en-US" altLang="en-GB" sz="1900"/>
+            <a:endParaRPr lang="en-US" altLang="en-GB" sz="1800"/>
           </a:p>
           <a:p>
             <a:pPr marL="457200" lvl="0" indent="0" algn="l" rtl="0">
@@ -36400,16 +36400,16 @@
               <a:buNone/>
             </a:pPr>
             <a:r>
-              <a:rPr lang="en-US" altLang="en-GB" sz="1900"/>
+              <a:rPr lang="en-US" altLang="en-GB" sz="1800"/>
               <a:t>- All of </a:t>
             </a:r>
             <a:r>
-              <a:rPr lang="en-US" altLang="en-GB" sz="1900">
+              <a:rPr lang="en-US" altLang="en-GB" sz="1800">
                 <a:sym typeface="Open Sans" panose="020B0306030504020204"/>
               </a:rPr>
               <a:t>Tech ABC Corp employess with domain could login with read only to access to database and restricted to the salary information HR and management level employees only.</a:t>
             </a:r>
-            <a:endParaRPr lang="en-US" altLang="en-GB" sz="1900">
+            <a:endParaRPr lang="en-US" altLang="en-GB" sz="1800">
               <a:sym typeface="Open Sans" panose="020B0306030504020204"/>
             </a:endParaRPr>
           </a:p>
@@ -36428,21 +36428,177 @@
               <a:buNone/>
             </a:pPr>
             <a:r>
-              <a:rPr lang="en-US" altLang="en-GB" sz="1900"/>
+              <a:rPr lang="en-US" altLang="en-GB" sz="1800"/>
               <a:t>- Only </a:t>
             </a:r>
             <a:r>
-              <a:rPr lang="en-US" altLang="en-GB" sz="1900">
+              <a:rPr lang="en-US" altLang="en-GB" sz="1800">
                 <a:sym typeface="Open Sans" panose="020B0306030504020204"/>
               </a:rPr>
               <a:t>HR and management level employees should have write permission.</a:t>
             </a:r>
-            <a:endParaRPr lang="en-US" altLang="en-GB" sz="1900">
+            <a:endParaRPr lang="en-US" altLang="en-GB" sz="1800">
+              <a:sym typeface="Open Sans" panose="020B0306030504020204"/>
+            </a:endParaRPr>
+          </a:p>
+          <a:p>
+            <a:pPr marL="107950" lvl="0" algn="l" rtl="0">
+              <a:lnSpc>
+                <a:spcPct val="115000"/>
+              </a:lnSpc>
+              <a:spcBef>
+                <a:spcPts val="1600"/>
+              </a:spcBef>
+              <a:spcAft>
+                <a:spcPts val="0"/>
+              </a:spcAft>
+              <a:buFont typeface="Open Sans" panose="020B0306030504020204"/>
+              <a:buNone/>
+            </a:pPr>
+            <a:endParaRPr lang="en-US" altLang="en-GB" sz="1800">
               <a:sym typeface="Open Sans" panose="020B0306030504020204"/>
             </a:endParaRPr>
           </a:p>
         </p:txBody>
       </p:sp>
+      <p:graphicFrame>
+        <p:nvGraphicFramePr>
+          <p:cNvPr id="2" name="Table 1"/>
+          <p:cNvGraphicFramePr/>
+          <p:nvPr/>
+        </p:nvGraphicFramePr>
+        <p:xfrm>
+          <a:off x="501650" y="5821680"/>
+          <a:ext cx="5439410" cy="1280160"/>
+        </p:xfrm>
+        <a:graphic>
+          <a:graphicData uri="http://schemas.openxmlformats.org/drawingml/2006/table">
+            <a:tbl>
+              <a:tblPr firstRow="1" bandRow="1">
+                <a:tableStyleId>{5C22544A-7EE6-4342-B048-85BDC9FD1C3A}</a:tableStyleId>
+              </a:tblPr>
+              <a:tblGrid>
+                <a:gridCol w="2719705"/>
+                <a:gridCol w="2719705"/>
+              </a:tblGrid>
+              <a:tr h="381000">
+                <a:tc>
+                  <a:txBody>
+                    <a:bodyPr/>
+                    <a:p>
+                      <a:pPr>
+                        <a:buNone/>
+                      </a:pPr>
+                      <a:r>
+                        <a:rPr lang="en-US"/>
+                        <a:t>User</a:t>
+                      </a:r>
+                      <a:endParaRPr lang="en-US"/>
+                    </a:p>
+                  </a:txBody>
+                  <a:tcPr/>
+                </a:tc>
+                <a:tc>
+                  <a:txBody>
+                    <a:bodyPr/>
+                    <a:p>
+                      <a:pPr>
+                        <a:buNone/>
+                      </a:pPr>
+                      <a:r>
+                        <a:rPr lang="en-US"/>
+                        <a:t>Database Access Right</a:t>
+                      </a:r>
+                      <a:endParaRPr lang="en-US"/>
+                    </a:p>
+                  </a:txBody>
+                  <a:tcPr/>
+                </a:tc>
+              </a:tr>
+              <a:tr h="381000">
+                <a:tc>
+                  <a:txBody>
+                    <a:bodyPr/>
+                    <a:p>
+                      <a:pPr>
+                        <a:buNone/>
+                      </a:pPr>
+                      <a:r>
+                        <a:rPr lang="en-US"/>
+                        <a:t>General employees</a:t>
+                      </a:r>
+                      <a:endParaRPr lang="en-US"/>
+                    </a:p>
+                  </a:txBody>
+                  <a:tcPr/>
+                </a:tc>
+                <a:tc>
+                  <a:txBody>
+                    <a:bodyPr/>
+                    <a:p>
+                      <a:pPr>
+                        <a:buNone/>
+                      </a:pPr>
+                      <a:r>
+                        <a:rPr lang="en-US"/>
+                        <a:t>Read only acess</a:t>
+                      </a:r>
+                      <a:endParaRPr lang="en-US"/>
+                    </a:p>
+                    <a:p>
+                      <a:pPr>
+                        <a:buNone/>
+                      </a:pPr>
+                      <a:r>
+                        <a:rPr lang="en-US"/>
+                        <a:t>Restricted to salary infomation</a:t>
+                      </a:r>
+                      <a:endParaRPr lang="en-US"/>
+                    </a:p>
+                  </a:txBody>
+                  <a:tcPr/>
+                </a:tc>
+              </a:tr>
+              <a:tr h="381000">
+                <a:tc>
+                  <a:txBody>
+                    <a:bodyPr/>
+                    <a:p>
+                      <a:pPr>
+                        <a:buNone/>
+                      </a:pPr>
+                      <a:r>
+                        <a:rPr lang="en-US"/>
+                        <a:t>HR and Managment level employees</a:t>
+                      </a:r>
+                      <a:endParaRPr lang="en-US"/>
+                    </a:p>
+                  </a:txBody>
+                  <a:tcPr/>
+                </a:tc>
+                <a:tc>
+                  <a:txBody>
+                    <a:bodyPr/>
+                    <a:p>
+                      <a:pPr>
+                        <a:buNone/>
+                      </a:pPr>
+                      <a:r>
+                        <a:rPr lang="en-US" sz="1400">
+                          <a:sym typeface="+mn-ea"/>
+                        </a:rPr>
+                        <a:t>Read and Write acess</a:t>
+                      </a:r>
+                      <a:endParaRPr lang="en-US"/>
+                    </a:p>
+                  </a:txBody>
+                  <a:tcPr/>
+                </a:tc>
+              </a:tr>
+            </a:tbl>
+          </a:graphicData>
+        </a:graphic>
+      </p:graphicFrame>
     </p:spTree>
   </p:cSld>
   <p:clrMapOvr>
@@ -36559,12 +36715,9 @@
             </a:endParaRPr>
           </a:p>
           <a:p>
-            <a:pPr marL="457200" lvl="0" indent="0" algn="l" rtl="0">
-              <a:lnSpc>
-                <a:spcPct val="100000"/>
-              </a:lnSpc>
-              <a:spcBef>
-                <a:spcPts val="1600"/>
+            <a:pPr marL="0" lvl="0" indent="457200" algn="l" rtl="0">
+              <a:spcBef>
+                <a:spcPts val="0"/>
               </a:spcBef>
               <a:spcAft>
                 <a:spcPts val="0"/>
@@ -36572,21 +36725,13 @@
               <a:buNone/>
             </a:pPr>
             <a:r>
-              <a:rPr lang="en-GB" sz="1700"/>
-              <a:t>List the size of the database in terms of numbers of rows. Business users often understand row or column size instead of GBs or MBs</a:t>
+              <a:rPr lang="en-US" sz="1800"/>
+              <a:t>- 205 rows and 15 columns</a:t>
             </a:r>
-            <a:endParaRPr sz="1900"/>
-          </a:p>
-          <a:p>
-            <a:pPr marL="0" lvl="0" indent="0" algn="l" rtl="0">
-              <a:spcBef>
-                <a:spcPts val="0"/>
-              </a:spcBef>
-              <a:spcAft>
-                <a:spcPts val="0"/>
-              </a:spcAft>
-              <a:buNone/>
-            </a:pPr>
+            <a:r>
+              <a:rPr lang="en-US" sz="1900"/>
+              <a:t>.</a:t>
+            </a:r>
             <a:endParaRPr sz="1900"/>
           </a:p>
           <a:p>
@@ -36618,12 +36763,9 @@
             </a:endParaRPr>
           </a:p>
           <a:p>
-            <a:pPr marL="457200" lvl="0" indent="0" algn="l" rtl="0">
-              <a:lnSpc>
-                <a:spcPct val="100000"/>
-              </a:lnSpc>
-              <a:spcBef>
-                <a:spcPts val="1600"/>
+            <a:pPr marL="0" lvl="0" indent="457200" algn="l" rtl="0">
+              <a:spcBef>
+                <a:spcPts val="0"/>
               </a:spcBef>
               <a:spcAft>
                 <a:spcPts val="0"/>
@@ -36631,30 +36773,12 @@
               <a:buNone/>
             </a:pPr>
             <a:r>
-              <a:rPr lang="en-GB" sz="1700"/>
-              <a:t>List any expected growth to the data</a:t>
+              <a:rPr lang="en-US" sz="1800">
+                <a:sym typeface="Open Sans" panose="020B0306030504020204"/>
+              </a:rPr>
+              <a:t>- 20% growth a year for the next 5 years.</a:t>
             </a:r>
-            <a:endParaRPr sz="1900" b="1">
-              <a:latin typeface="Open Sans" panose="020B0306030504020204"/>
-              <a:ea typeface="Open Sans" panose="020B0306030504020204"/>
-              <a:cs typeface="Open Sans" panose="020B0306030504020204"/>
-              <a:sym typeface="Open Sans" panose="020B0306030504020204"/>
-            </a:endParaRPr>
-          </a:p>
-          <a:p>
-            <a:pPr marL="0" lvl="0" indent="0" algn="l" rtl="0">
-              <a:spcBef>
-                <a:spcPts val="0"/>
-              </a:spcBef>
-              <a:spcAft>
-                <a:spcPts val="0"/>
-              </a:spcAft>
-              <a:buNone/>
-            </a:pPr>
-            <a:endParaRPr sz="1900" b="1">
-              <a:latin typeface="Open Sans" panose="020B0306030504020204"/>
-              <a:ea typeface="Open Sans" panose="020B0306030504020204"/>
-              <a:cs typeface="Open Sans" panose="020B0306030504020204"/>
+            <a:endParaRPr lang="en-US" sz="1800">
               <a:sym typeface="Open Sans" panose="020B0306030504020204"/>
             </a:endParaRPr>
           </a:p>
@@ -36700,27 +36824,10 @@
               <a:buNone/>
             </a:pPr>
             <a:r>
-              <a:rPr lang="en-GB" sz="1700"/>
-              <a:t>List any data that may be sensitive or restricted from particular users</a:t>
+              <a:rPr lang="en-US" sz="1900"/>
+              <a:t>Resticting access to salary information with the employees that not HR or Managment employee level.</a:t>
             </a:r>
-            <a:endParaRPr sz="1900"/>
-          </a:p>
-          <a:p>
-            <a:pPr marL="0" lvl="0" indent="0" algn="l" rtl="0">
-              <a:spcBef>
-                <a:spcPts val="0"/>
-              </a:spcBef>
-              <a:spcAft>
-                <a:spcPts val="0"/>
-              </a:spcAft>
-              <a:buNone/>
-            </a:pPr>
-            <a:endParaRPr sz="1900" b="1">
-              <a:latin typeface="Open Sans" panose="020B0306030504020204"/>
-              <a:ea typeface="Open Sans" panose="020B0306030504020204"/>
-              <a:cs typeface="Open Sans" panose="020B0306030504020204"/>
-              <a:sym typeface="Open Sans" panose="020B0306030504020204"/>
-            </a:endParaRPr>
+            <a:endParaRPr lang="en-US" sz="1900"/>
           </a:p>
           <a:p>
             <a:pPr marL="457200" lvl="0" indent="0" algn="l" rtl="0">
@@ -36879,12 +36986,9 @@
             </a:endParaRPr>
           </a:p>
           <a:p>
-            <a:pPr marL="457200" lvl="0" indent="0" algn="l" rtl="0">
-              <a:lnSpc>
-                <a:spcPct val="100000"/>
-              </a:lnSpc>
-              <a:spcBef>
-                <a:spcPts val="1600"/>
+            <a:pPr marL="0" lvl="0" indent="457200" algn="l" rtl="0">
+              <a:spcBef>
+                <a:spcPts val="0"/>
               </a:spcBef>
               <a:spcAft>
                 <a:spcPts val="0"/>
@@ -36892,13 +36996,13 @@
               <a:buNone/>
             </a:pPr>
             <a:r>
-              <a:rPr lang="en-GB" sz="1700"/>
-              <a:t>Provide at least two justifications for building a database</a:t>
+              <a:rPr lang="en-US" sz="1900"/>
+              <a:t>- Maintain data integrity and data security</a:t>
             </a:r>
-            <a:endParaRPr sz="1900"/>
+            <a:endParaRPr lang="en-US" sz="1900"/>
           </a:p>
           <a:p>
-            <a:pPr marL="0" lvl="0" indent="0" algn="l" rtl="0">
+            <a:pPr marL="0" lvl="0" indent="457200" algn="l" rtl="0">
               <a:spcBef>
                 <a:spcPts val="0"/>
               </a:spcBef>
@@ -36907,6 +37011,26 @@
               </a:spcAft>
               <a:buNone/>
             </a:pPr>
+            <a:r>
+              <a:rPr lang="en-US" sz="1900"/>
+              <a:t>- Be able to integate with payroll’s system in the futures </a:t>
+            </a:r>
+            <a:endParaRPr lang="en-US" sz="1900"/>
+          </a:p>
+          <a:p>
+            <a:pPr marL="0" lvl="0" indent="457200" algn="l" rtl="0">
+              <a:spcBef>
+                <a:spcPts val="0"/>
+              </a:spcBef>
+              <a:spcAft>
+                <a:spcPts val="0"/>
+              </a:spcAft>
+              <a:buNone/>
+            </a:pPr>
+            <a:r>
+              <a:rPr lang="en-US" sz="1900"/>
+              <a:t>- Maintance employee attendance and paid time off information.</a:t>
+            </a:r>
             <a:endParaRPr sz="1900"/>
           </a:p>
           <a:p>
@@ -36930,6 +37054,15 @@
               </a:rPr>
               <a:t>Database objects</a:t>
             </a:r>
+            <a:r>
+              <a:rPr lang="en-US" altLang="en-GB" sz="1900" b="1">
+                <a:latin typeface="Open Sans" panose="020B0306030504020204"/>
+                <a:ea typeface="Open Sans" panose="020B0306030504020204"/>
+                <a:cs typeface="Open Sans" panose="020B0306030504020204"/>
+                <a:sym typeface="Open Sans" panose="020B0306030504020204"/>
+              </a:rPr>
+              <a:t> (tables, views, special procedures )</a:t>
+            </a:r>
             <a:endParaRPr sz="1900" b="1">
               <a:latin typeface="Open Sans" panose="020B0306030504020204"/>
               <a:ea typeface="Open Sans" panose="020B0306030504020204"/>
@@ -36938,69 +37071,137 @@
             </a:endParaRPr>
           </a:p>
           <a:p>
-            <a:pPr marL="457200" lvl="0" indent="0" algn="l" rtl="0">
-              <a:lnSpc>
-                <a:spcPct val="100000"/>
-              </a:lnSpc>
+            <a:pPr marL="107950" lvl="0" indent="0" algn="l" rtl="0">
               <a:spcBef>
                 <a:spcPts val="1600"/>
               </a:spcBef>
               <a:spcAft>
                 <a:spcPts val="0"/>
               </a:spcAft>
+              <a:buSzPts val="1900"/>
+              <a:buFont typeface="Open Sans" panose="020B0306030504020204"/>
               <a:buNone/>
             </a:pPr>
-            <a:r>
-              <a:rPr lang="en-GB" sz="1700"/>
-              <a:t>List the database objects (tables, views, special procedures)  that will be created for the database. </a:t>
-            </a:r>
-            <a:endParaRPr sz="1700"/>
+            <a:endParaRPr lang="en-GB" sz="1900" b="1">
+              <a:latin typeface="Open Sans" panose="020B0306030504020204"/>
+              <a:ea typeface="Open Sans" panose="020B0306030504020204"/>
+              <a:cs typeface="Open Sans" panose="020B0306030504020204"/>
+              <a:sym typeface="Open Sans" panose="020B0306030504020204"/>
+            </a:endParaRPr>
           </a:p>
           <a:p>
-            <a:pPr marL="457200" lvl="0" indent="0" algn="l" rtl="0">
-              <a:lnSpc>
-                <a:spcPct val="100000"/>
-              </a:lnSpc>
-              <a:spcBef>
-                <a:spcPts val="0"/>
-              </a:spcBef>
-              <a:spcAft>
-                <a:spcPts val="0"/>
-              </a:spcAft>
-              <a:buNone/>
+            <a:pPr marL="457200" lvl="0" indent="-349250" algn="l" rtl="0">
+              <a:spcBef>
+                <a:spcPts val="1600"/>
+              </a:spcBef>
+              <a:spcAft>
+                <a:spcPts val="0"/>
+              </a:spcAft>
+              <a:buSzPts val="1900"/>
+              <a:buFont typeface="Open Sans" panose="020B0306030504020204"/>
+              <a:buChar char="●"/>
             </a:pPr>
-            <a:endParaRPr sz="1700"/>
+            <a:endParaRPr lang="en-GB" sz="1900" b="1">
+              <a:latin typeface="Open Sans" panose="020B0306030504020204"/>
+              <a:ea typeface="Open Sans" panose="020B0306030504020204"/>
+              <a:cs typeface="Open Sans" panose="020B0306030504020204"/>
+              <a:sym typeface="Open Sans" panose="020B0306030504020204"/>
+            </a:endParaRPr>
           </a:p>
           <a:p>
-            <a:pPr marL="457200" lvl="0" indent="0" algn="l" rtl="0">
-              <a:lnSpc>
-                <a:spcPct val="100000"/>
-              </a:lnSpc>
-              <a:spcBef>
-                <a:spcPts val="0"/>
-              </a:spcBef>
-              <a:spcAft>
-                <a:spcPts val="0"/>
-              </a:spcAft>
-              <a:buNone/>
+            <a:pPr marL="457200" lvl="0" indent="-349250" algn="l" rtl="0">
+              <a:spcBef>
+                <a:spcPts val="1600"/>
+              </a:spcBef>
+              <a:spcAft>
+                <a:spcPts val="0"/>
+              </a:spcAft>
+              <a:buSzPts val="1900"/>
+              <a:buFont typeface="Open Sans" panose="020B0306030504020204"/>
+              <a:buChar char="●"/>
             </a:pPr>
-            <a:r>
-              <a:rPr lang="en-GB" sz="1700"/>
-              <a:t>Hint - you may want to circle back to this answer after completing the logical ERD in step 2.</a:t>
-            </a:r>
-            <a:endParaRPr sz="1700"/>
+            <a:endParaRPr lang="en-GB" sz="1900" b="1">
+              <a:latin typeface="Open Sans" panose="020B0306030504020204"/>
+              <a:ea typeface="Open Sans" panose="020B0306030504020204"/>
+              <a:cs typeface="Open Sans" panose="020B0306030504020204"/>
+              <a:sym typeface="Open Sans" panose="020B0306030504020204"/>
+            </a:endParaRPr>
           </a:p>
           <a:p>
-            <a:pPr marL="457200" lvl="0" indent="0" algn="l" rtl="0">
-              <a:spcBef>
-                <a:spcPts val="0"/>
-              </a:spcBef>
-              <a:spcAft>
-                <a:spcPts val="0"/>
-              </a:spcAft>
-              <a:buNone/>
+            <a:pPr marL="457200" lvl="0" indent="-349250" algn="l" rtl="0">
+              <a:spcBef>
+                <a:spcPts val="1600"/>
+              </a:spcBef>
+              <a:spcAft>
+                <a:spcPts val="0"/>
+              </a:spcAft>
+              <a:buSzPts val="1900"/>
+              <a:buFont typeface="Open Sans" panose="020B0306030504020204"/>
+              <a:buChar char="●"/>
             </a:pPr>
-            <a:endParaRPr sz="1900"/>
+            <a:endParaRPr lang="en-GB" sz="1900" b="1">
+              <a:latin typeface="Open Sans" panose="020B0306030504020204"/>
+              <a:ea typeface="Open Sans" panose="020B0306030504020204"/>
+              <a:cs typeface="Open Sans" panose="020B0306030504020204"/>
+              <a:sym typeface="Open Sans" panose="020B0306030504020204"/>
+            </a:endParaRPr>
+          </a:p>
+          <a:p>
+            <a:pPr marL="457200" lvl="0" indent="-349250" algn="l" rtl="0">
+              <a:spcBef>
+                <a:spcPts val="1600"/>
+              </a:spcBef>
+              <a:spcAft>
+                <a:spcPts val="0"/>
+              </a:spcAft>
+              <a:buSzPts val="1900"/>
+              <a:buFont typeface="Open Sans" panose="020B0306030504020204"/>
+              <a:buChar char="●"/>
+            </a:pPr>
+            <a:endParaRPr lang="en-GB" sz="1900" b="1">
+              <a:latin typeface="Open Sans" panose="020B0306030504020204"/>
+              <a:ea typeface="Open Sans" panose="020B0306030504020204"/>
+              <a:cs typeface="Open Sans" panose="020B0306030504020204"/>
+              <a:sym typeface="Open Sans" panose="020B0306030504020204"/>
+            </a:endParaRPr>
+          </a:p>
+          <a:p>
+            <a:pPr marL="457200" lvl="0" indent="-349250" algn="l" rtl="0">
+              <a:spcBef>
+                <a:spcPts val="1600"/>
+              </a:spcBef>
+              <a:spcAft>
+                <a:spcPts val="0"/>
+              </a:spcAft>
+              <a:buSzPts val="1900"/>
+              <a:buFont typeface="Open Sans" panose="020B0306030504020204"/>
+              <a:buChar char="●"/>
+            </a:pPr>
+            <a:endParaRPr lang="en-GB" sz="1900" b="1">
+              <a:latin typeface="Open Sans" panose="020B0306030504020204"/>
+              <a:ea typeface="Open Sans" panose="020B0306030504020204"/>
+              <a:cs typeface="Open Sans" panose="020B0306030504020204"/>
+              <a:sym typeface="Open Sans" panose="020B0306030504020204"/>
+            </a:endParaRPr>
+          </a:p>
+          <a:p>
+            <a:pPr marL="457200" lvl="0" indent="-349250" algn="l" rtl="0">
+              <a:spcBef>
+                <a:spcPts val="1600"/>
+              </a:spcBef>
+              <a:spcAft>
+                <a:spcPts val="0"/>
+              </a:spcAft>
+              <a:buSzPts val="1900"/>
+              <a:buFont typeface="Open Sans" panose="020B0306030504020204"/>
+              <a:buChar char="●"/>
+            </a:pPr>
+            <a:endParaRPr lang="en-GB" sz="1900" b="1">
+              <a:latin typeface="Open Sans" panose="020B0306030504020204"/>
+              <a:ea typeface="Open Sans" panose="020B0306030504020204"/>
+              <a:cs typeface="Open Sans" panose="020B0306030504020204"/>
+              <a:sym typeface="Open Sans" panose="020B0306030504020204"/>
+            </a:endParaRPr>
           </a:p>
           <a:p>
             <a:pPr marL="457200" lvl="0" indent="-349250" algn="l" rtl="0">
@@ -37049,13 +37250,445 @@
               <a:buNone/>
             </a:pPr>
             <a:r>
-              <a:rPr lang="en-GB" sz="1700"/>
-              <a:t>Select a data ingestion method (ETL, Direct feed, API) based on the information provided. </a:t>
+              <a:rPr lang="en-GB" sz="1700">
+                <a:sym typeface="+mn-ea"/>
+              </a:rPr>
+              <a:t>ETL, Direct feed, API</a:t>
             </a:r>
-            <a:endParaRPr sz="1900"/>
+            <a:r>
+              <a:rPr lang="en-US" altLang="en-GB" sz="1700">
+                <a:sym typeface="+mn-ea"/>
+              </a:rPr>
+              <a:t>.</a:t>
+            </a:r>
+            <a:endParaRPr lang="en-US" altLang="en-GB" sz="1700">
+              <a:sym typeface="+mn-ea"/>
+            </a:endParaRPr>
           </a:p>
         </p:txBody>
       </p:sp>
+      <p:graphicFrame>
+        <p:nvGraphicFramePr>
+          <p:cNvPr id="1" name="Table 0"/>
+          <p:cNvGraphicFramePr/>
+          <p:nvPr/>
+        </p:nvGraphicFramePr>
+        <p:xfrm>
+          <a:off x="861695" y="4669155"/>
+          <a:ext cx="4288155" cy="2133600"/>
+        </p:xfrm>
+        <a:graphic>
+          <a:graphicData uri="http://schemas.openxmlformats.org/drawingml/2006/table">
+            <a:tbl>
+              <a:tblPr firstRow="1" bandRow="1">
+                <a:tableStyleId>{5C22544A-7EE6-4342-B048-85BDC9FD1C3A}</a:tableStyleId>
+              </a:tblPr>
+              <a:tblGrid>
+                <a:gridCol w="570865"/>
+                <a:gridCol w="3717290"/>
+              </a:tblGrid>
+              <a:tr h="304800">
+                <a:tc>
+                  <a:txBody>
+                    <a:bodyPr/>
+                    <a:p>
+                      <a:pPr>
+                        <a:buNone/>
+                      </a:pPr>
+                      <a:r>
+                        <a:rPr lang="en-US"/>
+                        <a:t>No</a:t>
+                      </a:r>
+                      <a:endParaRPr lang="en-US"/>
+                    </a:p>
+                  </a:txBody>
+                  <a:tcPr/>
+                </a:tc>
+                <a:tc>
+                  <a:txBody>
+                    <a:bodyPr/>
+                    <a:p>
+                      <a:pPr>
+                        <a:buNone/>
+                      </a:pPr>
+                      <a:r>
+                        <a:rPr lang="en-US"/>
+                        <a:t>Table</a:t>
+                      </a:r>
+                      <a:endParaRPr lang="en-US"/>
+                    </a:p>
+                  </a:txBody>
+                  <a:tcPr/>
+                </a:tc>
+              </a:tr>
+              <a:tr h="304800">
+                <a:tc>
+                  <a:txBody>
+                    <a:bodyPr/>
+                    <a:p>
+                      <a:pPr>
+                        <a:buNone/>
+                      </a:pPr>
+                      <a:r>
+                        <a:rPr lang="en-US"/>
+                        <a:t>1</a:t>
+                      </a:r>
+                      <a:endParaRPr lang="en-US"/>
+                    </a:p>
+                  </a:txBody>
+                  <a:tcPr/>
+                </a:tc>
+                <a:tc>
+                  <a:txBody>
+                    <a:bodyPr/>
+                    <a:p>
+                      <a:pPr>
+                        <a:buNone/>
+                      </a:pPr>
+                      <a:r>
+                        <a:rPr lang="en-US"/>
+                        <a:t>Employee</a:t>
+                      </a:r>
+                      <a:endParaRPr lang="en-US"/>
+                    </a:p>
+                  </a:txBody>
+                  <a:tcPr/>
+                </a:tc>
+              </a:tr>
+              <a:tr h="304800">
+                <a:tc>
+                  <a:txBody>
+                    <a:bodyPr/>
+                    <a:p>
+                      <a:pPr>
+                        <a:buNone/>
+                      </a:pPr>
+                      <a:r>
+                        <a:rPr lang="en-US"/>
+                        <a:t>2</a:t>
+                      </a:r>
+                      <a:endParaRPr lang="en-US"/>
+                    </a:p>
+                  </a:txBody>
+                  <a:tcPr/>
+                </a:tc>
+                <a:tc>
+                  <a:txBody>
+                    <a:bodyPr/>
+                    <a:p>
+                      <a:pPr>
+                        <a:buNone/>
+                      </a:pPr>
+                      <a:r>
+                        <a:rPr lang="en-US"/>
+                        <a:t>Education</a:t>
+                      </a:r>
+                      <a:endParaRPr lang="en-US"/>
+                    </a:p>
+                  </a:txBody>
+                  <a:tcPr/>
+                </a:tc>
+              </a:tr>
+              <a:tr h="304800">
+                <a:tc>
+                  <a:txBody>
+                    <a:bodyPr/>
+                    <a:p>
+                      <a:pPr>
+                        <a:buNone/>
+                      </a:pPr>
+                      <a:r>
+                        <a:rPr lang="en-US"/>
+                        <a:t>3</a:t>
+                      </a:r>
+                      <a:endParaRPr lang="en-US"/>
+                    </a:p>
+                  </a:txBody>
+                  <a:tcPr/>
+                </a:tc>
+                <a:tc>
+                  <a:txBody>
+                    <a:bodyPr/>
+                    <a:p>
+                      <a:pPr>
+                        <a:buNone/>
+                      </a:pPr>
+                      <a:r>
+                        <a:rPr lang="en-US"/>
+                        <a:t>Department</a:t>
+                      </a:r>
+                      <a:endParaRPr lang="en-US"/>
+                    </a:p>
+                  </a:txBody>
+                  <a:tcPr/>
+                </a:tc>
+              </a:tr>
+              <a:tr h="304800">
+                <a:tc>
+                  <a:txBody>
+                    <a:bodyPr/>
+                    <a:p>
+                      <a:pPr>
+                        <a:buNone/>
+                      </a:pPr>
+                      <a:r>
+                        <a:rPr lang="en-US"/>
+                        <a:t>4</a:t>
+                      </a:r>
+                      <a:endParaRPr lang="en-US"/>
+                    </a:p>
+                  </a:txBody>
+                  <a:tcPr/>
+                </a:tc>
+                <a:tc>
+                  <a:txBody>
+                    <a:bodyPr/>
+                    <a:p>
+                      <a:pPr>
+                        <a:buNone/>
+                      </a:pPr>
+                      <a:r>
+                        <a:rPr lang="en-US"/>
+                        <a:t>Location</a:t>
+                      </a:r>
+                      <a:endParaRPr lang="en-US"/>
+                    </a:p>
+                  </a:txBody>
+                  <a:tcPr/>
+                </a:tc>
+              </a:tr>
+              <a:tr h="304800">
+                <a:tc>
+                  <a:txBody>
+                    <a:bodyPr/>
+                    <a:p>
+                      <a:pPr>
+                        <a:buNone/>
+                      </a:pPr>
+                      <a:r>
+                        <a:rPr lang="en-US"/>
+                        <a:t>5</a:t>
+                      </a:r>
+                      <a:endParaRPr lang="en-US"/>
+                    </a:p>
+                  </a:txBody>
+                  <a:tcPr/>
+                </a:tc>
+                <a:tc>
+                  <a:txBody>
+                    <a:bodyPr/>
+                    <a:p>
+                      <a:pPr>
+                        <a:buNone/>
+                      </a:pPr>
+                      <a:r>
+                        <a:rPr lang="en-US"/>
+                        <a:t>Position</a:t>
+                      </a:r>
+                      <a:endParaRPr lang="en-US"/>
+                    </a:p>
+                  </a:txBody>
+                  <a:tcPr/>
+                </a:tc>
+              </a:tr>
+              <a:tr h="304800">
+                <a:tc>
+                  <a:txBody>
+                    <a:bodyPr/>
+                    <a:p>
+                      <a:pPr>
+                        <a:buNone/>
+                      </a:pPr>
+                      <a:r>
+                        <a:rPr lang="en-US"/>
+                        <a:t>6</a:t>
+                      </a:r>
+                      <a:endParaRPr lang="en-US"/>
+                    </a:p>
+                  </a:txBody>
+                  <a:tcPr/>
+                </a:tc>
+                <a:tc>
+                  <a:txBody>
+                    <a:bodyPr/>
+                    <a:p>
+                      <a:pPr>
+                        <a:buNone/>
+                      </a:pPr>
+                      <a:r>
+                        <a:rPr lang="en-US"/>
+                        <a:t>Salary</a:t>
+                      </a:r>
+                      <a:endParaRPr lang="en-US"/>
+                    </a:p>
+                  </a:txBody>
+                  <a:tcPr/>
+                </a:tc>
+              </a:tr>
+            </a:tbl>
+          </a:graphicData>
+        </a:graphic>
+      </p:graphicFrame>
+      <p:graphicFrame>
+        <p:nvGraphicFramePr>
+          <p:cNvPr id="2" name="Table 1"/>
+          <p:cNvGraphicFramePr/>
+          <p:nvPr/>
+        </p:nvGraphicFramePr>
+        <p:xfrm>
+          <a:off x="887095" y="7045325"/>
+          <a:ext cx="4262755" cy="2133600"/>
+        </p:xfrm>
+        <a:graphic>
+          <a:graphicData uri="http://schemas.openxmlformats.org/drawingml/2006/table">
+            <a:tbl>
+              <a:tblPr firstRow="1" bandRow="1">
+                <a:tableStyleId>{5C22544A-7EE6-4342-B048-85BDC9FD1C3A}</a:tableStyleId>
+              </a:tblPr>
+              <a:tblGrid>
+                <a:gridCol w="567690"/>
+                <a:gridCol w="3695065"/>
+              </a:tblGrid>
+              <a:tr h="304800">
+                <a:tc>
+                  <a:txBody>
+                    <a:bodyPr/>
+                    <a:p>
+                      <a:pPr>
+                        <a:buNone/>
+                      </a:pPr>
+                      <a:r>
+                        <a:rPr lang="en-US"/>
+                        <a:t>No</a:t>
+                      </a:r>
+                      <a:endParaRPr lang="en-US"/>
+                    </a:p>
+                  </a:txBody>
+                  <a:tcPr/>
+                </a:tc>
+                <a:tc>
+                  <a:txBody>
+                    <a:bodyPr/>
+                    <a:p>
+                      <a:pPr>
+                        <a:buNone/>
+                      </a:pPr>
+                      <a:r>
+                        <a:rPr lang="en-US"/>
+                        <a:t>View</a:t>
+                      </a:r>
+                      <a:endParaRPr lang="en-US"/>
+                    </a:p>
+                  </a:txBody>
+                  <a:tcPr/>
+                </a:tc>
+              </a:tr>
+              <a:tr h="304800">
+                <a:tc>
+                  <a:txBody>
+                    <a:bodyPr/>
+                    <a:p>
+                      <a:pPr>
+                        <a:buNone/>
+                      </a:pPr>
+                      <a:r>
+                        <a:rPr lang="en-US"/>
+                        <a:t>1</a:t>
+                      </a:r>
+                      <a:endParaRPr lang="en-US"/>
+                    </a:p>
+                  </a:txBody>
+                  <a:tcPr/>
+                </a:tc>
+                <a:tc>
+                  <a:txBody>
+                    <a:bodyPr/>
+                    <a:p>
+                      <a:pPr>
+                        <a:buNone/>
+                      </a:pPr>
+                      <a:r>
+                        <a:rPr lang="en-US"/>
+                        <a:t>HR</a:t>
+                      </a:r>
+                      <a:endParaRPr lang="en-US"/>
+                    </a:p>
+                  </a:txBody>
+                  <a:tcPr/>
+                </a:tc>
+              </a:tr>
+              <a:tr h="304800">
+                <a:tc>
+                  <a:txBody>
+                    <a:bodyPr/>
+                    <a:p>
+                      <a:pPr>
+                        <a:buNone/>
+                      </a:pPr>
+                      <a:r>
+                        <a:rPr lang="en-US"/>
+                        <a:t>2</a:t>
+                      </a:r>
+                      <a:endParaRPr lang="en-US"/>
+                    </a:p>
+                  </a:txBody>
+                  <a:tcPr/>
+                </a:tc>
+                <a:tc>
+                  <a:txBody>
+                    <a:bodyPr/>
+                    <a:p>
+                      <a:pPr>
+                        <a:buNone/>
+                      </a:pPr>
+                      <a:r>
+                        <a:rPr lang="en-US"/>
+                        <a:t>Managment</a:t>
+                      </a:r>
+                      <a:endParaRPr lang="en-US"/>
+                    </a:p>
+                  </a:txBody>
+                  <a:tcPr/>
+                </a:tc>
+              </a:tr>
+              <a:tr h="304800">
+                <a:tc>
+                  <a:txBody>
+                    <a:bodyPr/>
+                    <a:p>
+                      <a:pPr>
+                        <a:buNone/>
+                      </a:pPr>
+                      <a:r>
+                        <a:rPr lang="en-US"/>
+                        <a:t>3</a:t>
+                      </a:r>
+                      <a:endParaRPr lang="en-US"/>
+                    </a:p>
+                  </a:txBody>
+                  <a:tcPr/>
+                </a:tc>
+                <a:tc>
+                  <a:txBody>
+                    <a:bodyPr/>
+                    <a:p>
+                      <a:pPr>
+                        <a:buNone/>
+                      </a:pPr>
+                      <a:r>
+                        <a:rPr lang="en-US"/>
+                        <a:t>Staff</a:t>
+                      </a:r>
+                      <a:endParaRPr lang="en-US"/>
+                    </a:p>
+                  </a:txBody>
+                  <a:tcPr/>
+                </a:tc>
+              </a:tr>
+            </a:tbl>
+          </a:graphicData>
+        </a:graphic>
+      </p:graphicFrame>
     </p:spTree>
   </p:cSld>
   <p:clrMapOvr>

--- a/1- Designing an HR Database/proposal.pptx
+++ b/1- Designing an HR Database/proposal.pptx
@@ -20,50 +20,51 @@
     <p:sldId id="262" r:id="rId13"/>
     <p:sldId id="263" r:id="rId14"/>
     <p:sldId id="264" r:id="rId15"/>
-    <p:sldId id="265" r:id="rId16"/>
-    <p:sldId id="266" r:id="rId17"/>
-    <p:sldId id="267" r:id="rId18"/>
-    <p:sldId id="268" r:id="rId19"/>
-    <p:sldId id="269" r:id="rId20"/>
-    <p:sldId id="270" r:id="rId21"/>
-    <p:sldId id="271" r:id="rId22"/>
-    <p:sldId id="272" r:id="rId23"/>
-    <p:sldId id="273" r:id="rId24"/>
-    <p:sldId id="274" r:id="rId25"/>
-    <p:sldId id="275" r:id="rId26"/>
-    <p:sldId id="276" r:id="rId27"/>
-    <p:sldId id="277" r:id="rId28"/>
-    <p:sldId id="278" r:id="rId29"/>
-    <p:sldId id="279" r:id="rId30"/>
-    <p:sldId id="280" r:id="rId31"/>
-    <p:sldId id="281" r:id="rId32"/>
-    <p:sldId id="282" r:id="rId33"/>
-    <p:sldId id="283" r:id="rId34"/>
-    <p:sldId id="284" r:id="rId35"/>
-    <p:sldId id="285" r:id="rId36"/>
-    <p:sldId id="286" r:id="rId37"/>
+    <p:sldId id="313" r:id="rId16"/>
+    <p:sldId id="265" r:id="rId17"/>
+    <p:sldId id="266" r:id="rId18"/>
+    <p:sldId id="267" r:id="rId19"/>
+    <p:sldId id="268" r:id="rId20"/>
+    <p:sldId id="269" r:id="rId21"/>
+    <p:sldId id="270" r:id="rId22"/>
+    <p:sldId id="271" r:id="rId23"/>
+    <p:sldId id="272" r:id="rId24"/>
+    <p:sldId id="273" r:id="rId25"/>
+    <p:sldId id="274" r:id="rId26"/>
+    <p:sldId id="275" r:id="rId27"/>
+    <p:sldId id="276" r:id="rId28"/>
+    <p:sldId id="277" r:id="rId29"/>
+    <p:sldId id="278" r:id="rId30"/>
+    <p:sldId id="279" r:id="rId31"/>
+    <p:sldId id="280" r:id="rId32"/>
+    <p:sldId id="281" r:id="rId33"/>
+    <p:sldId id="282" r:id="rId34"/>
+    <p:sldId id="283" r:id="rId35"/>
+    <p:sldId id="284" r:id="rId36"/>
+    <p:sldId id="285" r:id="rId37"/>
+    <p:sldId id="286" r:id="rId38"/>
   </p:sldIdLst>
   <p:sldSz cx="7772400" cy="10058400"/>
   <p:notesSz cx="6858000" cy="9144000"/>
   <p:embeddedFontLst>
     <p:embeddedFont>
       <p:font typeface="Open Sans" panose="020B0306030504020204"/>
-      <p:regular r:id="rId41"/>
+      <p:regular r:id="rId42"/>
     </p:embeddedFont>
     <p:embeddedFont>
       <p:font typeface="Helvetica Neue" panose="020B0604020202020204"/>
-      <p:regular r:id="rId42"/>
+      <p:regular r:id="rId43"/>
     </p:embeddedFont>
     <p:embeddedFont>
       <p:font typeface="Open Sans Light" panose="020B0306030504020204"/>
-      <p:regular r:id="rId43"/>
+      <p:regular r:id="rId44"/>
     </p:embeddedFont>
     <p:embeddedFont>
       <p:font typeface="Source Code Pro" panose="020B0509030403020204"/>
-      <p:regular r:id="rId44"/>
-      <p:bold r:id="rId45"/>
-      <p:italic r:id="rId46"/>
-      <p:boldItalic r:id="rId47"/>
+      <p:regular r:id="rId45"/>
+      <p:bold r:id="rId46"/>
+      <p:italic r:id="rId47"/>
+      <p:boldItalic r:id="rId48"/>
     </p:embeddedFont>
   </p:embeddedFontLst>
   <p:defaultTextStyle>
@@ -27363,6 +27364,448 @@
 <file path=ppt/slides/slide10.xml><?xml version="1.0" encoding="utf-8"?>
 <p:sld xmlns:a="http://schemas.openxmlformats.org/drawingml/2006/main" xmlns:r="http://schemas.openxmlformats.org/officeDocument/2006/relationships" xmlns:p="http://schemas.openxmlformats.org/presentationml/2006/main">
   <p:cSld>
+    <p:spTree>
+      <p:nvGrpSpPr>
+        <p:cNvPr id="1" name=""/>
+        <p:cNvGrpSpPr/>
+        <p:nvPr/>
+      </p:nvGrpSpPr>
+      <p:grpSpPr/>
+      <p:sp>
+        <p:nvSpPr>
+          <p:cNvPr id="3" name="Text Placeholder 2"/>
+          <p:cNvSpPr/>
+          <p:nvPr>
+            <p:ph type="body" idx="1"/>
+          </p:nvPr>
+        </p:nvSpPr>
+        <p:spPr>
+          <a:xfrm>
+            <a:off x="264795" y="188595"/>
+            <a:ext cx="7242810" cy="8304530"/>
+          </a:xfrm>
+        </p:spPr>
+        <p:txBody>
+          <a:bodyPr/>
+          <a:p>
+            <a:pPr marL="457200" lvl="0" indent="-349250" algn="l" rtl="0">
+              <a:spcBef>
+                <a:spcPts val="1600"/>
+              </a:spcBef>
+              <a:spcAft>
+                <a:spcPts val="0"/>
+              </a:spcAft>
+              <a:buSzPts val="1900"/>
+              <a:buFont typeface="Open Sans" panose="020B0306030504020204"/>
+              <a:buChar char="●"/>
+            </a:pPr>
+            <a:r>
+              <a:rPr lang="en-GB" sz="1900" b="1">
+                <a:latin typeface="Open Sans" panose="020B0306030504020204"/>
+                <a:ea typeface="Open Sans" panose="020B0306030504020204"/>
+                <a:cs typeface="Open Sans" panose="020B0306030504020204"/>
+                <a:sym typeface="Open Sans" panose="020B0306030504020204"/>
+              </a:rPr>
+              <a:t>Storage &amp; retention</a:t>
+            </a:r>
+            <a:endParaRPr sz="1900" b="1">
+              <a:latin typeface="Open Sans" panose="020B0306030504020204"/>
+              <a:ea typeface="Open Sans" panose="020B0306030504020204"/>
+              <a:cs typeface="Open Sans" panose="020B0306030504020204"/>
+              <a:sym typeface="Open Sans" panose="020B0306030504020204"/>
+            </a:endParaRPr>
+          </a:p>
+          <a:p>
+            <a:pPr marL="457200" lvl="0" indent="0" algn="l" rtl="0">
+              <a:lnSpc>
+                <a:spcPct val="100000"/>
+              </a:lnSpc>
+              <a:spcBef>
+                <a:spcPts val="1600"/>
+              </a:spcBef>
+              <a:spcAft>
+                <a:spcPts val="0"/>
+              </a:spcAft>
+              <a:buNone/>
+            </a:pPr>
+            <a:r>
+              <a:rPr lang="en-GB" sz="1800" b="1">
+                <a:latin typeface="Open Sans" panose="020B0306030504020204"/>
+                <a:ea typeface="Open Sans" panose="020B0306030504020204"/>
+                <a:cs typeface="Open Sans" panose="020B0306030504020204"/>
+                <a:sym typeface="Open Sans" panose="020B0306030504020204"/>
+              </a:rPr>
+              <a:t>Storage (disk or in-memory): </a:t>
+            </a:r>
+            <a:r>
+              <a:rPr lang="en-GB" sz="1800">
+                <a:sym typeface="+mn-ea"/>
+              </a:rPr>
+              <a:t>check </a:t>
+            </a:r>
+            <a:r>
+              <a:rPr lang="en-GB" sz="1800" u="sng">
+                <a:solidFill>
+                  <a:schemeClr val="hlink"/>
+                </a:solidFill>
+                <a:sym typeface="+mn-ea"/>
+                <a:hlinkClick r:id="rId1"/>
+              </a:rPr>
+              <a:t>IT best practices document</a:t>
+            </a:r>
+            <a:endParaRPr sz="1800"/>
+          </a:p>
+          <a:p>
+            <a:pPr marL="457200" lvl="0" indent="0" algn="l" rtl="0">
+              <a:lnSpc>
+                <a:spcPct val="100000"/>
+              </a:lnSpc>
+              <a:spcBef>
+                <a:spcPts val="0"/>
+              </a:spcBef>
+              <a:spcAft>
+                <a:spcPts val="0"/>
+              </a:spcAft>
+              <a:buNone/>
+            </a:pPr>
+            <a:r>
+              <a:rPr lang="en-US" sz="1800"/>
+              <a:t>- The current required was not involve to higher level computations so that databases are stored on disk will be approriately with acceptable performance and costing.</a:t>
+            </a:r>
+          </a:p>
+          <a:p>
+            <a:pPr marL="457200" lvl="0" algn="l" rtl="0">
+              <a:lnSpc>
+                <a:spcPct val="100000"/>
+              </a:lnSpc>
+              <a:spcBef>
+                <a:spcPts val="1600"/>
+              </a:spcBef>
+              <a:spcAft>
+                <a:spcPts val="0"/>
+              </a:spcAft>
+              <a:buNone/>
+            </a:pPr>
+            <a:r>
+              <a:rPr lang="en-US" altLang="en-GB" sz="1800">
+                <a:sym typeface="Open Sans" panose="020B0306030504020204"/>
+              </a:rPr>
+              <a:t>       </a:t>
+            </a:r>
+            <a:r>
+              <a:rPr lang="en-GB" sz="1800" b="1">
+                <a:sym typeface="Open Sans" panose="020B0306030504020204"/>
+              </a:rPr>
+              <a:t>Retention</a:t>
+            </a:r>
+            <a:r>
+              <a:rPr lang="en-GB" sz="1800">
+                <a:sym typeface="Open Sans" panose="020B0306030504020204"/>
+              </a:rPr>
+              <a:t>: </a:t>
+            </a:r>
+            <a:r>
+              <a:rPr lang="en-GB" sz="1800">
+                <a:sym typeface="+mn-ea"/>
+              </a:rPr>
+              <a:t>how long does the data have to be kept for?</a:t>
+            </a:r>
+            <a:endParaRPr lang="en-GB" sz="1800"/>
+          </a:p>
+          <a:p>
+            <a:pPr marL="457200" lvl="0" indent="0" algn="l" rtl="0">
+              <a:lnSpc>
+                <a:spcPct val="100000"/>
+              </a:lnSpc>
+              <a:spcBef>
+                <a:spcPts val="0"/>
+              </a:spcBef>
+              <a:spcAft>
+                <a:spcPts val="0"/>
+              </a:spcAft>
+              <a:buNone/>
+            </a:pPr>
+            <a:r>
+              <a:rPr lang="en-US" altLang="en-GB" sz="1800">
+                <a:solidFill>
+                  <a:srgbClr val="525C65"/>
+                </a:solidFill>
+                <a:highlight>
+                  <a:srgbClr val="FFFFFF"/>
+                </a:highlight>
+                <a:latin typeface="Open Sans" panose="020B0306030504020204"/>
+                <a:ea typeface="Open Sans" panose="020B0306030504020204"/>
+                <a:cs typeface="Open Sans" panose="020B0306030504020204"/>
+                <a:sym typeface="Open Sans" panose="020B0306030504020204"/>
+              </a:rPr>
+              <a:t>- Following the </a:t>
+            </a:r>
+            <a:r>
+              <a:rPr lang="en-GB" sz="1800">
+                <a:solidFill>
+                  <a:srgbClr val="525C65"/>
+                </a:solidFill>
+                <a:highlight>
+                  <a:srgbClr val="FFFFFF"/>
+                </a:highlight>
+                <a:latin typeface="Open Sans" panose="020B0306030504020204"/>
+                <a:ea typeface="Open Sans" panose="020B0306030504020204"/>
+                <a:cs typeface="Open Sans" panose="020B0306030504020204"/>
+                <a:sym typeface="Open Sans" panose="020B0306030504020204"/>
+              </a:rPr>
+              <a:t>federal regulations </a:t>
+            </a:r>
+            <a:r>
+              <a:rPr lang="en-US" altLang="en-GB" sz="1800">
+                <a:solidFill>
+                  <a:srgbClr val="525C65"/>
+                </a:solidFill>
+                <a:highlight>
+                  <a:srgbClr val="FFFFFF"/>
+                </a:highlight>
+                <a:latin typeface="Open Sans" panose="020B0306030504020204"/>
+                <a:ea typeface="Open Sans" panose="020B0306030504020204"/>
+                <a:cs typeface="Open Sans" panose="020B0306030504020204"/>
+                <a:sym typeface="Open Sans" panose="020B0306030504020204"/>
+              </a:rPr>
+              <a:t>the </a:t>
+            </a:r>
+            <a:r>
+              <a:rPr lang="en-GB" sz="1800">
+                <a:solidFill>
+                  <a:srgbClr val="525C65"/>
+                </a:solidFill>
+                <a:highlight>
+                  <a:srgbClr val="FFFFFF"/>
+                </a:highlight>
+                <a:latin typeface="Open Sans" panose="020B0306030504020204"/>
+                <a:ea typeface="Open Sans" panose="020B0306030504020204"/>
+                <a:cs typeface="Open Sans" panose="020B0306030504020204"/>
+                <a:sym typeface="Open Sans" panose="020B0306030504020204"/>
+              </a:rPr>
+              <a:t>data</a:t>
+            </a:r>
+            <a:r>
+              <a:rPr lang="en-US" altLang="en-GB" sz="1800">
+                <a:solidFill>
+                  <a:srgbClr val="525C65"/>
+                </a:solidFill>
+                <a:highlight>
+                  <a:srgbClr val="FFFFFF"/>
+                </a:highlight>
+                <a:latin typeface="Open Sans" panose="020B0306030504020204"/>
+                <a:ea typeface="Open Sans" panose="020B0306030504020204"/>
+                <a:cs typeface="Open Sans" panose="020B0306030504020204"/>
+                <a:sym typeface="Open Sans" panose="020B0306030504020204"/>
+              </a:rPr>
+              <a:t> should be retain</a:t>
+            </a:r>
+            <a:r>
+              <a:rPr lang="en-GB" sz="1800">
+                <a:solidFill>
+                  <a:srgbClr val="525C65"/>
+                </a:solidFill>
+                <a:highlight>
+                  <a:srgbClr val="FFFFFF"/>
+                </a:highlight>
+                <a:latin typeface="Open Sans" panose="020B0306030504020204"/>
+                <a:ea typeface="Open Sans" panose="020B0306030504020204"/>
+                <a:cs typeface="Open Sans" panose="020B0306030504020204"/>
+                <a:sym typeface="Open Sans" panose="020B0306030504020204"/>
+              </a:rPr>
+              <a:t> for at least 7 years</a:t>
+            </a:r>
+            <a:r>
+              <a:rPr lang="en-US" altLang="en-GB" sz="1800">
+                <a:solidFill>
+                  <a:srgbClr val="525C65"/>
+                </a:solidFill>
+                <a:highlight>
+                  <a:srgbClr val="FFFFFF"/>
+                </a:highlight>
+                <a:latin typeface="Open Sans" panose="020B0306030504020204"/>
+                <a:ea typeface="Open Sans" panose="020B0306030504020204"/>
+                <a:cs typeface="Open Sans" panose="020B0306030504020204"/>
+                <a:sym typeface="Open Sans" panose="020B0306030504020204"/>
+              </a:rPr>
+              <a:t>.</a:t>
+            </a:r>
+            <a:endParaRPr sz="1800"/>
+          </a:p>
+          <a:p>
+            <a:pPr marL="457200" lvl="0" indent="0" algn="l" rtl="0">
+              <a:lnSpc>
+                <a:spcPct val="100000"/>
+              </a:lnSpc>
+              <a:spcBef>
+                <a:spcPts val="0"/>
+              </a:spcBef>
+              <a:spcAft>
+                <a:spcPts val="0"/>
+              </a:spcAft>
+              <a:buNone/>
+            </a:pPr>
+          </a:p>
+          <a:p>
+            <a:pPr marL="457200" lvl="0" indent="-349250" algn="l" rtl="0">
+              <a:spcBef>
+                <a:spcPts val="0"/>
+              </a:spcBef>
+              <a:spcAft>
+                <a:spcPts val="0"/>
+              </a:spcAft>
+              <a:buSzPts val="1900"/>
+              <a:buFont typeface="Open Sans" panose="020B0306030504020204"/>
+              <a:buChar char="●"/>
+            </a:pPr>
+            <a:r>
+              <a:rPr lang="en-GB" sz="1900" b="1">
+                <a:latin typeface="Open Sans" panose="020B0306030504020204"/>
+                <a:ea typeface="Open Sans" panose="020B0306030504020204"/>
+                <a:cs typeface="Open Sans" panose="020B0306030504020204"/>
+                <a:sym typeface="Open Sans" panose="020B0306030504020204"/>
+              </a:rPr>
+              <a:t>Backup</a:t>
+            </a:r>
+            <a:endParaRPr sz="1900" b="1">
+              <a:latin typeface="Open Sans" panose="020B0306030504020204"/>
+              <a:ea typeface="Open Sans" panose="020B0306030504020204"/>
+              <a:cs typeface="Open Sans" panose="020B0306030504020204"/>
+              <a:sym typeface="Open Sans" panose="020B0306030504020204"/>
+            </a:endParaRPr>
+          </a:p>
+          <a:p>
+            <a:pPr marL="457200" lvl="0" algn="l" rtl="0">
+              <a:lnSpc>
+                <a:spcPct val="100000"/>
+              </a:lnSpc>
+              <a:spcBef>
+                <a:spcPts val="1600"/>
+              </a:spcBef>
+              <a:spcAft>
+                <a:spcPts val="0"/>
+              </a:spcAft>
+              <a:buNone/>
+            </a:pPr>
+            <a:r>
+              <a:rPr lang="en-GB" sz="1800" b="1">
+                <a:latin typeface="Open Sans" panose="020B0306030504020204"/>
+                <a:ea typeface="Open Sans" panose="020B0306030504020204"/>
+                <a:cs typeface="Open Sans" panose="020B0306030504020204"/>
+                <a:sym typeface="+mn-ea"/>
+              </a:rPr>
+              <a:t> </a:t>
+            </a:r>
+            <a:r>
+              <a:rPr lang="en-US" altLang="en-GB" sz="1800" b="1">
+                <a:latin typeface="Open Sans" panose="020B0306030504020204"/>
+                <a:ea typeface="Open Sans" panose="020B0306030504020204"/>
+                <a:cs typeface="Open Sans" panose="020B0306030504020204"/>
+                <a:sym typeface="+mn-ea"/>
+              </a:rPr>
+              <a:t>	</a:t>
+            </a:r>
+            <a:r>
+              <a:rPr lang="en-GB" sz="1800" b="1">
+                <a:latin typeface="Open Sans" panose="020B0306030504020204"/>
+                <a:ea typeface="Open Sans" panose="020B0306030504020204"/>
+                <a:cs typeface="Open Sans" panose="020B0306030504020204"/>
+                <a:sym typeface="+mn-ea"/>
+                <a:hlinkClick r:id="rId1"/>
+              </a:rPr>
+              <a:t>IT Best Practices document</a:t>
+            </a:r>
+            <a:r>
+              <a:rPr lang="en-GB" sz="1800" b="1">
+                <a:latin typeface="Open Sans" panose="020B0306030504020204"/>
+                <a:ea typeface="Open Sans" panose="020B0306030504020204"/>
+                <a:cs typeface="Open Sans" panose="020B0306030504020204"/>
+                <a:sym typeface="+mn-ea"/>
+              </a:rPr>
+              <a:t> lists Backup schedule requirements</a:t>
+            </a:r>
+            <a:endParaRPr lang="en-GB" sz="1800" b="1">
+              <a:latin typeface="Open Sans" panose="020B0306030504020204"/>
+              <a:ea typeface="Open Sans" panose="020B0306030504020204"/>
+              <a:cs typeface="Open Sans" panose="020B0306030504020204"/>
+            </a:endParaRPr>
+          </a:p>
+          <a:p>
+            <a:pPr indent="0" algn="just">
+              <a:lnSpc>
+                <a:spcPct val="100000"/>
+              </a:lnSpc>
+              <a:buNone/>
+            </a:pPr>
+            <a:r>
+              <a:rPr lang="en-US" altLang="en-GB" sz="1800">
+                <a:solidFill>
+                  <a:srgbClr val="525C65"/>
+                </a:solidFill>
+                <a:highlight>
+                  <a:srgbClr val="FFFFFF"/>
+                </a:highlight>
+                <a:latin typeface="Open Sans" panose="020B0306030504020204"/>
+                <a:ea typeface="Open Sans" panose="020B0306030504020204"/>
+                <a:cs typeface="Open Sans" panose="020B0306030504020204"/>
+              </a:rPr>
+              <a:t>- Base on requirement, the HR data </a:t>
+            </a:r>
+            <a:r>
+              <a:rPr lang="en-GB" sz="1800">
+                <a:solidFill>
+                  <a:srgbClr val="525C65"/>
+                </a:solidFill>
+                <a:highlight>
+                  <a:srgbClr val="FFFFFF"/>
+                </a:highlight>
+                <a:latin typeface="Open Sans" panose="020B0306030504020204"/>
+                <a:ea typeface="Open Sans" panose="020B0306030504020204"/>
+                <a:cs typeface="Open Sans" panose="020B0306030504020204"/>
+                <a:sym typeface="Open Sans" panose="020B0306030504020204"/>
+              </a:rPr>
+              <a:t>considered business critical</a:t>
+            </a:r>
+            <a:r>
+              <a:rPr lang="en-US" altLang="en-GB" sz="1800">
+                <a:solidFill>
+                  <a:srgbClr val="525C65"/>
+                </a:solidFill>
+                <a:highlight>
+                  <a:srgbClr val="FFFFFF"/>
+                </a:highlight>
+                <a:latin typeface="Open Sans" panose="020B0306030504020204"/>
+                <a:ea typeface="Open Sans" panose="020B0306030504020204"/>
+                <a:cs typeface="Open Sans" panose="020B0306030504020204"/>
+                <a:sym typeface="Open Sans" panose="020B0306030504020204"/>
+              </a:rPr>
+              <a:t> so that must to apply critical Backup plan with schedule is full backup 1x per week, incremental backup daily.</a:t>
+            </a:r>
+            <a:endParaRPr lang="en-US" altLang="en-GB" sz="1800">
+              <a:solidFill>
+                <a:srgbClr val="525C65"/>
+              </a:solidFill>
+              <a:highlight>
+                <a:srgbClr val="FFFFFF"/>
+              </a:highlight>
+              <a:latin typeface="Open Sans" panose="020B0306030504020204"/>
+              <a:ea typeface="Open Sans" panose="020B0306030504020204"/>
+              <a:cs typeface="Open Sans" panose="020B0306030504020204"/>
+            </a:endParaRPr>
+          </a:p>
+        </p:txBody>
+      </p:sp>
+    </p:spTree>
+  </p:cSld>
+  <p:clrMapOvr>
+    <a:masterClrMapping/>
+  </p:clrMapOvr>
+</p:sld>
+</file>
+
+<file path=ppt/slides/slide11.xml><?xml version="1.0" encoding="utf-8"?>
+<p:sld xmlns:a="http://schemas.openxmlformats.org/drawingml/2006/main" xmlns:r="http://schemas.openxmlformats.org/officeDocument/2006/relationships" xmlns:p="http://schemas.openxmlformats.org/presentationml/2006/main">
+  <p:cSld>
     <p:bg>
       <p:bgPr>
         <a:solidFill>
@@ -27552,7 +27995,7 @@
 </p:sld>
 </file>
 
-<file path=ppt/slides/slide11.xml><?xml version="1.0" encoding="utf-8"?>
+<file path=ppt/slides/slide12.xml><?xml version="1.0" encoding="utf-8"?>
 <p:sld xmlns:a="http://schemas.openxmlformats.org/drawingml/2006/main" xmlns:r="http://schemas.openxmlformats.org/officeDocument/2006/relationships" xmlns:p="http://schemas.openxmlformats.org/presentationml/2006/main">
   <p:cSld>
     <p:spTree>
@@ -27894,7 +28337,7 @@
 </p:sld>
 </file>
 
-<file path=ppt/slides/slide12.xml><?xml version="1.0" encoding="utf-8"?>
+<file path=ppt/slides/slide13.xml><?xml version="1.0" encoding="utf-8"?>
 <p:sld xmlns:a="http://schemas.openxmlformats.org/drawingml/2006/main" xmlns:r="http://schemas.openxmlformats.org/officeDocument/2006/relationships" xmlns:p="http://schemas.openxmlformats.org/presentationml/2006/main">
   <p:cSld>
     <p:spTree>
@@ -28235,7 +28678,7 @@
 </p:sld>
 </file>
 
-<file path=ppt/slides/slide13.xml><?xml version="1.0" encoding="utf-8"?>
+<file path=ppt/slides/slide14.xml><?xml version="1.0" encoding="utf-8"?>
 <p:sld xmlns:a="http://schemas.openxmlformats.org/drawingml/2006/main" xmlns:r="http://schemas.openxmlformats.org/officeDocument/2006/relationships" xmlns:p="http://schemas.openxmlformats.org/presentationml/2006/main">
   <p:cSld>
     <p:spTree>
@@ -28603,7 +29046,7 @@
 </p:sld>
 </file>
 
-<file path=ppt/slides/slide14.xml><?xml version="1.0" encoding="utf-8"?>
+<file path=ppt/slides/slide15.xml><?xml version="1.0" encoding="utf-8"?>
 <p:sld xmlns:a="http://schemas.openxmlformats.org/drawingml/2006/main" xmlns:r="http://schemas.openxmlformats.org/officeDocument/2006/relationships" xmlns:p="http://schemas.openxmlformats.org/presentationml/2006/main">
   <p:cSld>
     <p:spTree>
@@ -28862,7 +29305,7 @@
 </p:sld>
 </file>
 
-<file path=ppt/slides/slide15.xml><?xml version="1.0" encoding="utf-8"?>
+<file path=ppt/slides/slide16.xml><?xml version="1.0" encoding="utf-8"?>
 <p:sld xmlns:a="http://schemas.openxmlformats.org/drawingml/2006/main" xmlns:r="http://schemas.openxmlformats.org/officeDocument/2006/relationships" xmlns:p="http://schemas.openxmlformats.org/presentationml/2006/main">
   <p:cSld>
     <p:bg>
@@ -29054,7 +29497,7 @@
 </p:sld>
 </file>
 
-<file path=ppt/slides/slide16.xml><?xml version="1.0" encoding="utf-8"?>
+<file path=ppt/slides/slide17.xml><?xml version="1.0" encoding="utf-8"?>
 <p:sld xmlns:a="http://schemas.openxmlformats.org/drawingml/2006/main" xmlns:r="http://schemas.openxmlformats.org/officeDocument/2006/relationships" xmlns:p="http://schemas.openxmlformats.org/presentationml/2006/main">
   <p:cSld>
     <p:spTree>
@@ -29946,7 +30389,7 @@
 </p:sld>
 </file>
 
-<file path=ppt/slides/slide17.xml><?xml version="1.0" encoding="utf-8"?>
+<file path=ppt/slides/slide18.xml><?xml version="1.0" encoding="utf-8"?>
 <p:sld xmlns:a="http://schemas.openxmlformats.org/drawingml/2006/main" xmlns:r="http://schemas.openxmlformats.org/officeDocument/2006/relationships" xmlns:p="http://schemas.openxmlformats.org/presentationml/2006/main">
   <p:cSld>
     <p:spTree>
@@ -30368,7 +30811,7 @@
 </p:sld>
 </file>
 
-<file path=ppt/slides/slide18.xml><?xml version="1.0" encoding="utf-8"?>
+<file path=ppt/slides/slide19.xml><?xml version="1.0" encoding="utf-8"?>
 <p:sld xmlns:a="http://schemas.openxmlformats.org/drawingml/2006/main" xmlns:r="http://schemas.openxmlformats.org/officeDocument/2006/relationships" xmlns:p="http://schemas.openxmlformats.org/presentationml/2006/main">
   <p:cSld>
     <p:spTree>
@@ -30697,406 +31140,6 @@
       <p:pic>
         <p:nvPicPr>
           <p:cNvPr id="290" name="Google Shape;290;p68"/>
-          <p:cNvPicPr preferRelativeResize="0"/>
-          <p:nvPr/>
-        </p:nvPicPr>
-        <p:blipFill>
-          <a:blip r:embed="rId1"/>
-          <a:stretch>
-            <a:fillRect/>
-          </a:stretch>
-        </p:blipFill>
-        <p:spPr>
-          <a:xfrm>
-            <a:off x="1088175" y="4781750"/>
-            <a:ext cx="5036025" cy="3241700"/>
-          </a:xfrm>
-          <a:prstGeom prst="rect">
-            <a:avLst/>
-          </a:prstGeom>
-          <a:noFill/>
-          <a:ln w="9525" cap="flat" cmpd="sng">
-            <a:solidFill>
-              <a:schemeClr val="dk2"/>
-            </a:solidFill>
-            <a:prstDash val="solid"/>
-            <a:round/>
-            <a:headEnd type="none" w="sm" len="sm"/>
-            <a:tailEnd type="none" w="sm" len="sm"/>
-          </a:ln>
-        </p:spPr>
-      </p:pic>
-    </p:spTree>
-  </p:cSld>
-  <p:clrMapOvr>
-    <a:masterClrMapping/>
-  </p:clrMapOvr>
-</p:sld>
-</file>
-
-<file path=ppt/slides/slide19.xml><?xml version="1.0" encoding="utf-8"?>
-<p:sld xmlns:a="http://schemas.openxmlformats.org/drawingml/2006/main" xmlns:r="http://schemas.openxmlformats.org/officeDocument/2006/relationships" xmlns:p="http://schemas.openxmlformats.org/presentationml/2006/main">
-  <p:cSld>
-    <p:spTree>
-      <p:nvGrpSpPr>
-        <p:cNvPr id="294" name="Shape 294"/>
-        <p:cNvGrpSpPr/>
-        <p:nvPr/>
-      </p:nvGrpSpPr>
-      <p:grpSpPr>
-        <a:xfrm>
-          <a:off x="0" y="0"/>
-          <a:ext cx="0" cy="0"/>
-          <a:chOff x="0" y="0"/>
-          <a:chExt cx="0" cy="0"/>
-        </a:xfrm>
-      </p:grpSpPr>
-      <p:sp>
-        <p:nvSpPr>
-          <p:cNvPr id="295" name="Google Shape;295;p69"/>
-          <p:cNvSpPr txBox="1"/>
-          <p:nvPr>
-            <p:ph type="title"/>
-          </p:nvPr>
-        </p:nvSpPr>
-        <p:spPr>
-          <a:xfrm>
-            <a:off x="264945" y="870271"/>
-            <a:ext cx="7242600" cy="1119900"/>
-          </a:xfrm>
-          <a:prstGeom prst="rect">
-            <a:avLst/>
-          </a:prstGeom>
-        </p:spPr>
-        <p:txBody>
-          <a:bodyPr spcFirstLastPara="1" wrap="square" lIns="91425" tIns="91425" rIns="91425" bIns="91425" anchor="ctr" anchorCtr="0">
-            <a:noAutofit/>
-          </a:bodyPr>
-          <a:lstStyle/>
-          <a:p>
-            <a:pPr marL="0" lvl="0" indent="0" algn="l" rtl="0">
-              <a:spcBef>
-                <a:spcPts val="0"/>
-              </a:spcBef>
-              <a:spcAft>
-                <a:spcPts val="0"/>
-              </a:spcAft>
-              <a:buNone/>
-            </a:pPr>
-            <a:r>
-              <a:rPr lang="en-GB"/>
-              <a:t>CRUD</a:t>
-            </a:r>
-            <a:endParaRPr lang="en-GB"/>
-          </a:p>
-        </p:txBody>
-      </p:sp>
-      <p:sp>
-        <p:nvSpPr>
-          <p:cNvPr id="296" name="Google Shape;296;p69"/>
-          <p:cNvSpPr txBox="1"/>
-          <p:nvPr>
-            <p:ph type="body" idx="1"/>
-          </p:nvPr>
-        </p:nvSpPr>
-        <p:spPr>
-          <a:xfrm>
-            <a:off x="264950" y="2118049"/>
-            <a:ext cx="7242600" cy="7731900"/>
-          </a:xfrm>
-          <a:prstGeom prst="rect">
-            <a:avLst/>
-          </a:prstGeom>
-        </p:spPr>
-        <p:txBody>
-          <a:bodyPr spcFirstLastPara="1" wrap="square" lIns="91425" tIns="91425" rIns="91425" bIns="91425" anchor="t" anchorCtr="0">
-            <a:noAutofit/>
-          </a:bodyPr>
-          <a:lstStyle/>
-          <a:p>
-            <a:pPr marL="0" lvl="0" indent="0" algn="l" rtl="0">
-              <a:spcBef>
-                <a:spcPts val="0"/>
-              </a:spcBef>
-              <a:spcAft>
-                <a:spcPts val="0"/>
-              </a:spcAft>
-              <a:buNone/>
-            </a:pPr>
-            <a:endParaRPr sz="1900"/>
-          </a:p>
-          <a:p>
-            <a:pPr marL="457200" lvl="0" indent="-349250" algn="l" rtl="0">
-              <a:spcBef>
-                <a:spcPts val="1600"/>
-              </a:spcBef>
-              <a:spcAft>
-                <a:spcPts val="0"/>
-              </a:spcAft>
-              <a:buSzPts val="1900"/>
-              <a:buFont typeface="Open Sans" panose="020B0306030504020204"/>
-              <a:buChar char="●"/>
-            </a:pPr>
-            <a:r>
-              <a:rPr lang="en-GB" sz="1900" b="1">
-                <a:latin typeface="Open Sans" panose="020B0306030504020204"/>
-                <a:ea typeface="Open Sans" panose="020B0306030504020204"/>
-                <a:cs typeface="Open Sans" panose="020B0306030504020204"/>
-                <a:sym typeface="Open Sans" panose="020B0306030504020204"/>
-              </a:rPr>
-              <a:t>Question 2: Insert Web Programmer as a new job title</a:t>
-            </a:r>
-            <a:endParaRPr sz="1900" b="1">
-              <a:latin typeface="Open Sans" panose="020B0306030504020204"/>
-              <a:ea typeface="Open Sans" panose="020B0306030504020204"/>
-              <a:cs typeface="Open Sans" panose="020B0306030504020204"/>
-              <a:sym typeface="Open Sans" panose="020B0306030504020204"/>
-            </a:endParaRPr>
-          </a:p>
-          <a:p>
-            <a:pPr marL="0" lvl="0" indent="0" algn="l" rtl="0">
-              <a:spcBef>
-                <a:spcPts val="1600"/>
-              </a:spcBef>
-              <a:spcAft>
-                <a:spcPts val="0"/>
-              </a:spcAft>
-              <a:buNone/>
-            </a:pPr>
-            <a:endParaRPr sz="1900" b="1">
-              <a:latin typeface="Open Sans" panose="020B0306030504020204"/>
-              <a:ea typeface="Open Sans" panose="020B0306030504020204"/>
-              <a:cs typeface="Open Sans" panose="020B0306030504020204"/>
-              <a:sym typeface="Open Sans" panose="020B0306030504020204"/>
-            </a:endParaRPr>
-          </a:p>
-          <a:p>
-            <a:pPr marL="0" lvl="0" indent="0" algn="l" rtl="0">
-              <a:lnSpc>
-                <a:spcPct val="170000"/>
-              </a:lnSpc>
-              <a:spcBef>
-                <a:spcPts val="1600"/>
-              </a:spcBef>
-              <a:spcAft>
-                <a:spcPts val="0"/>
-              </a:spcAft>
-              <a:buClr>
-                <a:schemeClr val="dk1"/>
-              </a:buClr>
-              <a:buSzPts val="1100"/>
-              <a:buFont typeface="Arial" panose="020B0604020202020204"/>
-              <a:buNone/>
-            </a:pPr>
-            <a:r>
-              <a:rPr lang="en-GB" sz="1200">
-                <a:solidFill>
-                  <a:srgbClr val="525C65"/>
-                </a:solidFill>
-                <a:highlight>
-                  <a:schemeClr val="lt1"/>
-                </a:highlight>
-                <a:latin typeface="Open Sans" panose="020B0306030504020204"/>
-                <a:ea typeface="Open Sans" panose="020B0306030504020204"/>
-                <a:cs typeface="Open Sans" panose="020B0306030504020204"/>
-                <a:sym typeface="Open Sans" panose="020B0306030504020204"/>
-              </a:rPr>
-              <a:t>    </a:t>
-            </a:r>
-            <a:r>
-              <a:rPr lang="en-GB" sz="1200">
-                <a:solidFill>
-                  <a:srgbClr val="FF0000"/>
-                </a:solidFill>
-                <a:highlight>
-                  <a:schemeClr val="lt1"/>
-                </a:highlight>
-                <a:latin typeface="Open Sans" panose="020B0306030504020204"/>
-                <a:ea typeface="Open Sans" panose="020B0306030504020204"/>
-                <a:cs typeface="Open Sans" panose="020B0306030504020204"/>
-                <a:sym typeface="Open Sans" panose="020B0306030504020204"/>
-              </a:rPr>
-              <a:t>** Replace example screenshot below with your response, and include the query in a SQL file</a:t>
-            </a:r>
-            <a:endParaRPr sz="1900" b="1">
-              <a:latin typeface="Open Sans" panose="020B0306030504020204"/>
-              <a:ea typeface="Open Sans" panose="020B0306030504020204"/>
-              <a:cs typeface="Open Sans" panose="020B0306030504020204"/>
-              <a:sym typeface="Open Sans" panose="020B0306030504020204"/>
-            </a:endParaRPr>
-          </a:p>
-          <a:p>
-            <a:pPr marL="0" lvl="0" indent="0" algn="l" rtl="0">
-              <a:spcBef>
-                <a:spcPts val="0"/>
-              </a:spcBef>
-              <a:spcAft>
-                <a:spcPts val="0"/>
-              </a:spcAft>
-              <a:buNone/>
-            </a:pPr>
-            <a:endParaRPr sz="1900" b="1">
-              <a:latin typeface="Open Sans" panose="020B0306030504020204"/>
-              <a:ea typeface="Open Sans" panose="020B0306030504020204"/>
-              <a:cs typeface="Open Sans" panose="020B0306030504020204"/>
-              <a:sym typeface="Open Sans" panose="020B0306030504020204"/>
-            </a:endParaRPr>
-          </a:p>
-          <a:p>
-            <a:pPr marL="0" lvl="0" indent="0" algn="l" rtl="0">
-              <a:spcBef>
-                <a:spcPts val="1600"/>
-              </a:spcBef>
-              <a:spcAft>
-                <a:spcPts val="0"/>
-              </a:spcAft>
-              <a:buNone/>
-            </a:pPr>
-            <a:endParaRPr sz="1900" b="1">
-              <a:latin typeface="Open Sans" panose="020B0306030504020204"/>
-              <a:ea typeface="Open Sans" panose="020B0306030504020204"/>
-              <a:cs typeface="Open Sans" panose="020B0306030504020204"/>
-              <a:sym typeface="Open Sans" panose="020B0306030504020204"/>
-            </a:endParaRPr>
-          </a:p>
-          <a:p>
-            <a:pPr marL="0" lvl="0" indent="0" algn="l" rtl="0">
-              <a:spcBef>
-                <a:spcPts val="1600"/>
-              </a:spcBef>
-              <a:spcAft>
-                <a:spcPts val="0"/>
-              </a:spcAft>
-              <a:buNone/>
-            </a:pPr>
-            <a:endParaRPr sz="1900" b="1">
-              <a:latin typeface="Open Sans" panose="020B0306030504020204"/>
-              <a:ea typeface="Open Sans" panose="020B0306030504020204"/>
-              <a:cs typeface="Open Sans" panose="020B0306030504020204"/>
-              <a:sym typeface="Open Sans" panose="020B0306030504020204"/>
-            </a:endParaRPr>
-          </a:p>
-          <a:p>
-            <a:pPr marL="0" lvl="0" indent="0" algn="l" rtl="0">
-              <a:spcBef>
-                <a:spcPts val="1600"/>
-              </a:spcBef>
-              <a:spcAft>
-                <a:spcPts val="0"/>
-              </a:spcAft>
-              <a:buNone/>
-            </a:pPr>
-            <a:endParaRPr sz="1900" b="1">
-              <a:latin typeface="Open Sans" panose="020B0306030504020204"/>
-              <a:ea typeface="Open Sans" panose="020B0306030504020204"/>
-              <a:cs typeface="Open Sans" panose="020B0306030504020204"/>
-              <a:sym typeface="Open Sans" panose="020B0306030504020204"/>
-            </a:endParaRPr>
-          </a:p>
-          <a:p>
-            <a:pPr marL="457200" lvl="0" indent="0" algn="l" rtl="0">
-              <a:spcBef>
-                <a:spcPts val="1600"/>
-              </a:spcBef>
-              <a:spcAft>
-                <a:spcPts val="0"/>
-              </a:spcAft>
-              <a:buNone/>
-            </a:pPr>
-            <a:endParaRPr sz="1900" b="1">
-              <a:latin typeface="Open Sans" panose="020B0306030504020204"/>
-              <a:ea typeface="Open Sans" panose="020B0306030504020204"/>
-              <a:cs typeface="Open Sans" panose="020B0306030504020204"/>
-              <a:sym typeface="Open Sans" panose="020B0306030504020204"/>
-            </a:endParaRPr>
-          </a:p>
-          <a:p>
-            <a:pPr marL="0" lvl="0" indent="0" algn="l" rtl="0">
-              <a:spcBef>
-                <a:spcPts val="1600"/>
-              </a:spcBef>
-              <a:spcAft>
-                <a:spcPts val="0"/>
-              </a:spcAft>
-              <a:buNone/>
-            </a:pPr>
-            <a:endParaRPr sz="1900" b="1">
-              <a:latin typeface="Open Sans" panose="020B0306030504020204"/>
-              <a:ea typeface="Open Sans" panose="020B0306030504020204"/>
-              <a:cs typeface="Open Sans" panose="020B0306030504020204"/>
-              <a:sym typeface="Open Sans" panose="020B0306030504020204"/>
-            </a:endParaRPr>
-          </a:p>
-          <a:p>
-            <a:pPr marL="0" lvl="0" indent="0" algn="l" rtl="0">
-              <a:spcBef>
-                <a:spcPts val="1600"/>
-              </a:spcBef>
-              <a:spcAft>
-                <a:spcPts val="0"/>
-              </a:spcAft>
-              <a:buNone/>
-            </a:pPr>
-            <a:endParaRPr sz="1900" b="1">
-              <a:latin typeface="Open Sans" panose="020B0306030504020204"/>
-              <a:ea typeface="Open Sans" panose="020B0306030504020204"/>
-              <a:cs typeface="Open Sans" panose="020B0306030504020204"/>
-              <a:sym typeface="Open Sans" panose="020B0306030504020204"/>
-            </a:endParaRPr>
-          </a:p>
-          <a:p>
-            <a:pPr marL="0" lvl="0" indent="0" algn="l" rtl="0">
-              <a:spcBef>
-                <a:spcPts val="1600"/>
-              </a:spcBef>
-              <a:spcAft>
-                <a:spcPts val="0"/>
-              </a:spcAft>
-              <a:buNone/>
-            </a:pPr>
-            <a:endParaRPr sz="1900"/>
-          </a:p>
-          <a:p>
-            <a:pPr marL="457200" lvl="0" indent="0" algn="l" rtl="0">
-              <a:spcBef>
-                <a:spcPts val="1600"/>
-              </a:spcBef>
-              <a:spcAft>
-                <a:spcPts val="0"/>
-              </a:spcAft>
-              <a:buNone/>
-            </a:pPr>
-            <a:endParaRPr sz="1900"/>
-          </a:p>
-          <a:p>
-            <a:pPr marL="457200" lvl="0" indent="0" algn="l" rtl="0">
-              <a:spcBef>
-                <a:spcPts val="1600"/>
-              </a:spcBef>
-              <a:spcAft>
-                <a:spcPts val="0"/>
-              </a:spcAft>
-              <a:buNone/>
-            </a:pPr>
-            <a:endParaRPr sz="1900"/>
-          </a:p>
-          <a:p>
-            <a:pPr marL="457200" lvl="0" indent="0" algn="l" rtl="0">
-              <a:spcBef>
-                <a:spcPts val="1600"/>
-              </a:spcBef>
-              <a:spcAft>
-                <a:spcPts val="1600"/>
-              </a:spcAft>
-              <a:buNone/>
-            </a:pPr>
-            <a:endParaRPr sz="1900"/>
-          </a:p>
-        </p:txBody>
-      </p:sp>
-      <p:pic>
-        <p:nvPicPr>
-          <p:cNvPr id="297" name="Google Shape;297;p69"/>
           <p:cNvPicPr preferRelativeResize="0"/>
           <p:nvPr/>
         </p:nvPicPr>
@@ -31747,6 +31790,406 @@
   <p:cSld>
     <p:spTree>
       <p:nvGrpSpPr>
+        <p:cNvPr id="294" name="Shape 294"/>
+        <p:cNvGrpSpPr/>
+        <p:nvPr/>
+      </p:nvGrpSpPr>
+      <p:grpSpPr>
+        <a:xfrm>
+          <a:off x="0" y="0"/>
+          <a:ext cx="0" cy="0"/>
+          <a:chOff x="0" y="0"/>
+          <a:chExt cx="0" cy="0"/>
+        </a:xfrm>
+      </p:grpSpPr>
+      <p:sp>
+        <p:nvSpPr>
+          <p:cNvPr id="295" name="Google Shape;295;p69"/>
+          <p:cNvSpPr txBox="1"/>
+          <p:nvPr>
+            <p:ph type="title"/>
+          </p:nvPr>
+        </p:nvSpPr>
+        <p:spPr>
+          <a:xfrm>
+            <a:off x="264945" y="870271"/>
+            <a:ext cx="7242600" cy="1119900"/>
+          </a:xfrm>
+          <a:prstGeom prst="rect">
+            <a:avLst/>
+          </a:prstGeom>
+        </p:spPr>
+        <p:txBody>
+          <a:bodyPr spcFirstLastPara="1" wrap="square" lIns="91425" tIns="91425" rIns="91425" bIns="91425" anchor="ctr" anchorCtr="0">
+            <a:noAutofit/>
+          </a:bodyPr>
+          <a:lstStyle/>
+          <a:p>
+            <a:pPr marL="0" lvl="0" indent="0" algn="l" rtl="0">
+              <a:spcBef>
+                <a:spcPts val="0"/>
+              </a:spcBef>
+              <a:spcAft>
+                <a:spcPts val="0"/>
+              </a:spcAft>
+              <a:buNone/>
+            </a:pPr>
+            <a:r>
+              <a:rPr lang="en-GB"/>
+              <a:t>CRUD</a:t>
+            </a:r>
+            <a:endParaRPr lang="en-GB"/>
+          </a:p>
+        </p:txBody>
+      </p:sp>
+      <p:sp>
+        <p:nvSpPr>
+          <p:cNvPr id="296" name="Google Shape;296;p69"/>
+          <p:cNvSpPr txBox="1"/>
+          <p:nvPr>
+            <p:ph type="body" idx="1"/>
+          </p:nvPr>
+        </p:nvSpPr>
+        <p:spPr>
+          <a:xfrm>
+            <a:off x="264950" y="2118049"/>
+            <a:ext cx="7242600" cy="7731900"/>
+          </a:xfrm>
+          <a:prstGeom prst="rect">
+            <a:avLst/>
+          </a:prstGeom>
+        </p:spPr>
+        <p:txBody>
+          <a:bodyPr spcFirstLastPara="1" wrap="square" lIns="91425" tIns="91425" rIns="91425" bIns="91425" anchor="t" anchorCtr="0">
+            <a:noAutofit/>
+          </a:bodyPr>
+          <a:lstStyle/>
+          <a:p>
+            <a:pPr marL="0" lvl="0" indent="0" algn="l" rtl="0">
+              <a:spcBef>
+                <a:spcPts val="0"/>
+              </a:spcBef>
+              <a:spcAft>
+                <a:spcPts val="0"/>
+              </a:spcAft>
+              <a:buNone/>
+            </a:pPr>
+            <a:endParaRPr sz="1900"/>
+          </a:p>
+          <a:p>
+            <a:pPr marL="457200" lvl="0" indent="-349250" algn="l" rtl="0">
+              <a:spcBef>
+                <a:spcPts val="1600"/>
+              </a:spcBef>
+              <a:spcAft>
+                <a:spcPts val="0"/>
+              </a:spcAft>
+              <a:buSzPts val="1900"/>
+              <a:buFont typeface="Open Sans" panose="020B0306030504020204"/>
+              <a:buChar char="●"/>
+            </a:pPr>
+            <a:r>
+              <a:rPr lang="en-GB" sz="1900" b="1">
+                <a:latin typeface="Open Sans" panose="020B0306030504020204"/>
+                <a:ea typeface="Open Sans" panose="020B0306030504020204"/>
+                <a:cs typeface="Open Sans" panose="020B0306030504020204"/>
+                <a:sym typeface="Open Sans" panose="020B0306030504020204"/>
+              </a:rPr>
+              <a:t>Question 2: Insert Web Programmer as a new job title</a:t>
+            </a:r>
+            <a:endParaRPr sz="1900" b="1">
+              <a:latin typeface="Open Sans" panose="020B0306030504020204"/>
+              <a:ea typeface="Open Sans" panose="020B0306030504020204"/>
+              <a:cs typeface="Open Sans" panose="020B0306030504020204"/>
+              <a:sym typeface="Open Sans" panose="020B0306030504020204"/>
+            </a:endParaRPr>
+          </a:p>
+          <a:p>
+            <a:pPr marL="0" lvl="0" indent="0" algn="l" rtl="0">
+              <a:spcBef>
+                <a:spcPts val="1600"/>
+              </a:spcBef>
+              <a:spcAft>
+                <a:spcPts val="0"/>
+              </a:spcAft>
+              <a:buNone/>
+            </a:pPr>
+            <a:endParaRPr sz="1900" b="1">
+              <a:latin typeface="Open Sans" panose="020B0306030504020204"/>
+              <a:ea typeface="Open Sans" panose="020B0306030504020204"/>
+              <a:cs typeface="Open Sans" panose="020B0306030504020204"/>
+              <a:sym typeface="Open Sans" panose="020B0306030504020204"/>
+            </a:endParaRPr>
+          </a:p>
+          <a:p>
+            <a:pPr marL="0" lvl="0" indent="0" algn="l" rtl="0">
+              <a:lnSpc>
+                <a:spcPct val="170000"/>
+              </a:lnSpc>
+              <a:spcBef>
+                <a:spcPts val="1600"/>
+              </a:spcBef>
+              <a:spcAft>
+                <a:spcPts val="0"/>
+              </a:spcAft>
+              <a:buClr>
+                <a:schemeClr val="dk1"/>
+              </a:buClr>
+              <a:buSzPts val="1100"/>
+              <a:buFont typeface="Arial" panose="020B0604020202020204"/>
+              <a:buNone/>
+            </a:pPr>
+            <a:r>
+              <a:rPr lang="en-GB" sz="1200">
+                <a:solidFill>
+                  <a:srgbClr val="525C65"/>
+                </a:solidFill>
+                <a:highlight>
+                  <a:schemeClr val="lt1"/>
+                </a:highlight>
+                <a:latin typeface="Open Sans" panose="020B0306030504020204"/>
+                <a:ea typeface="Open Sans" panose="020B0306030504020204"/>
+                <a:cs typeface="Open Sans" panose="020B0306030504020204"/>
+                <a:sym typeface="Open Sans" panose="020B0306030504020204"/>
+              </a:rPr>
+              <a:t>    </a:t>
+            </a:r>
+            <a:r>
+              <a:rPr lang="en-GB" sz="1200">
+                <a:solidFill>
+                  <a:srgbClr val="FF0000"/>
+                </a:solidFill>
+                <a:highlight>
+                  <a:schemeClr val="lt1"/>
+                </a:highlight>
+                <a:latin typeface="Open Sans" panose="020B0306030504020204"/>
+                <a:ea typeface="Open Sans" panose="020B0306030504020204"/>
+                <a:cs typeface="Open Sans" panose="020B0306030504020204"/>
+                <a:sym typeface="Open Sans" panose="020B0306030504020204"/>
+              </a:rPr>
+              <a:t>** Replace example screenshot below with your response, and include the query in a SQL file</a:t>
+            </a:r>
+            <a:endParaRPr sz="1900" b="1">
+              <a:latin typeface="Open Sans" panose="020B0306030504020204"/>
+              <a:ea typeface="Open Sans" panose="020B0306030504020204"/>
+              <a:cs typeface="Open Sans" panose="020B0306030504020204"/>
+              <a:sym typeface="Open Sans" panose="020B0306030504020204"/>
+            </a:endParaRPr>
+          </a:p>
+          <a:p>
+            <a:pPr marL="0" lvl="0" indent="0" algn="l" rtl="0">
+              <a:spcBef>
+                <a:spcPts val="0"/>
+              </a:spcBef>
+              <a:spcAft>
+                <a:spcPts val="0"/>
+              </a:spcAft>
+              <a:buNone/>
+            </a:pPr>
+            <a:endParaRPr sz="1900" b="1">
+              <a:latin typeface="Open Sans" panose="020B0306030504020204"/>
+              <a:ea typeface="Open Sans" panose="020B0306030504020204"/>
+              <a:cs typeface="Open Sans" panose="020B0306030504020204"/>
+              <a:sym typeface="Open Sans" panose="020B0306030504020204"/>
+            </a:endParaRPr>
+          </a:p>
+          <a:p>
+            <a:pPr marL="0" lvl="0" indent="0" algn="l" rtl="0">
+              <a:spcBef>
+                <a:spcPts val="1600"/>
+              </a:spcBef>
+              <a:spcAft>
+                <a:spcPts val="0"/>
+              </a:spcAft>
+              <a:buNone/>
+            </a:pPr>
+            <a:endParaRPr sz="1900" b="1">
+              <a:latin typeface="Open Sans" panose="020B0306030504020204"/>
+              <a:ea typeface="Open Sans" panose="020B0306030504020204"/>
+              <a:cs typeface="Open Sans" panose="020B0306030504020204"/>
+              <a:sym typeface="Open Sans" panose="020B0306030504020204"/>
+            </a:endParaRPr>
+          </a:p>
+          <a:p>
+            <a:pPr marL="0" lvl="0" indent="0" algn="l" rtl="0">
+              <a:spcBef>
+                <a:spcPts val="1600"/>
+              </a:spcBef>
+              <a:spcAft>
+                <a:spcPts val="0"/>
+              </a:spcAft>
+              <a:buNone/>
+            </a:pPr>
+            <a:endParaRPr sz="1900" b="1">
+              <a:latin typeface="Open Sans" panose="020B0306030504020204"/>
+              <a:ea typeface="Open Sans" panose="020B0306030504020204"/>
+              <a:cs typeface="Open Sans" panose="020B0306030504020204"/>
+              <a:sym typeface="Open Sans" panose="020B0306030504020204"/>
+            </a:endParaRPr>
+          </a:p>
+          <a:p>
+            <a:pPr marL="0" lvl="0" indent="0" algn="l" rtl="0">
+              <a:spcBef>
+                <a:spcPts val="1600"/>
+              </a:spcBef>
+              <a:spcAft>
+                <a:spcPts val="0"/>
+              </a:spcAft>
+              <a:buNone/>
+            </a:pPr>
+            <a:endParaRPr sz="1900" b="1">
+              <a:latin typeface="Open Sans" panose="020B0306030504020204"/>
+              <a:ea typeface="Open Sans" panose="020B0306030504020204"/>
+              <a:cs typeface="Open Sans" panose="020B0306030504020204"/>
+              <a:sym typeface="Open Sans" panose="020B0306030504020204"/>
+            </a:endParaRPr>
+          </a:p>
+          <a:p>
+            <a:pPr marL="457200" lvl="0" indent="0" algn="l" rtl="0">
+              <a:spcBef>
+                <a:spcPts val="1600"/>
+              </a:spcBef>
+              <a:spcAft>
+                <a:spcPts val="0"/>
+              </a:spcAft>
+              <a:buNone/>
+            </a:pPr>
+            <a:endParaRPr sz="1900" b="1">
+              <a:latin typeface="Open Sans" panose="020B0306030504020204"/>
+              <a:ea typeface="Open Sans" panose="020B0306030504020204"/>
+              <a:cs typeface="Open Sans" panose="020B0306030504020204"/>
+              <a:sym typeface="Open Sans" panose="020B0306030504020204"/>
+            </a:endParaRPr>
+          </a:p>
+          <a:p>
+            <a:pPr marL="0" lvl="0" indent="0" algn="l" rtl="0">
+              <a:spcBef>
+                <a:spcPts val="1600"/>
+              </a:spcBef>
+              <a:spcAft>
+                <a:spcPts val="0"/>
+              </a:spcAft>
+              <a:buNone/>
+            </a:pPr>
+            <a:endParaRPr sz="1900" b="1">
+              <a:latin typeface="Open Sans" panose="020B0306030504020204"/>
+              <a:ea typeface="Open Sans" panose="020B0306030504020204"/>
+              <a:cs typeface="Open Sans" panose="020B0306030504020204"/>
+              <a:sym typeface="Open Sans" panose="020B0306030504020204"/>
+            </a:endParaRPr>
+          </a:p>
+          <a:p>
+            <a:pPr marL="0" lvl="0" indent="0" algn="l" rtl="0">
+              <a:spcBef>
+                <a:spcPts val="1600"/>
+              </a:spcBef>
+              <a:spcAft>
+                <a:spcPts val="0"/>
+              </a:spcAft>
+              <a:buNone/>
+            </a:pPr>
+            <a:endParaRPr sz="1900" b="1">
+              <a:latin typeface="Open Sans" panose="020B0306030504020204"/>
+              <a:ea typeface="Open Sans" panose="020B0306030504020204"/>
+              <a:cs typeface="Open Sans" panose="020B0306030504020204"/>
+              <a:sym typeface="Open Sans" panose="020B0306030504020204"/>
+            </a:endParaRPr>
+          </a:p>
+          <a:p>
+            <a:pPr marL="0" lvl="0" indent="0" algn="l" rtl="0">
+              <a:spcBef>
+                <a:spcPts val="1600"/>
+              </a:spcBef>
+              <a:spcAft>
+                <a:spcPts val="0"/>
+              </a:spcAft>
+              <a:buNone/>
+            </a:pPr>
+            <a:endParaRPr sz="1900"/>
+          </a:p>
+          <a:p>
+            <a:pPr marL="457200" lvl="0" indent="0" algn="l" rtl="0">
+              <a:spcBef>
+                <a:spcPts val="1600"/>
+              </a:spcBef>
+              <a:spcAft>
+                <a:spcPts val="0"/>
+              </a:spcAft>
+              <a:buNone/>
+            </a:pPr>
+            <a:endParaRPr sz="1900"/>
+          </a:p>
+          <a:p>
+            <a:pPr marL="457200" lvl="0" indent="0" algn="l" rtl="0">
+              <a:spcBef>
+                <a:spcPts val="1600"/>
+              </a:spcBef>
+              <a:spcAft>
+                <a:spcPts val="0"/>
+              </a:spcAft>
+              <a:buNone/>
+            </a:pPr>
+            <a:endParaRPr sz="1900"/>
+          </a:p>
+          <a:p>
+            <a:pPr marL="457200" lvl="0" indent="0" algn="l" rtl="0">
+              <a:spcBef>
+                <a:spcPts val="1600"/>
+              </a:spcBef>
+              <a:spcAft>
+                <a:spcPts val="1600"/>
+              </a:spcAft>
+              <a:buNone/>
+            </a:pPr>
+            <a:endParaRPr sz="1900"/>
+          </a:p>
+        </p:txBody>
+      </p:sp>
+      <p:pic>
+        <p:nvPicPr>
+          <p:cNvPr id="297" name="Google Shape;297;p69"/>
+          <p:cNvPicPr preferRelativeResize="0"/>
+          <p:nvPr/>
+        </p:nvPicPr>
+        <p:blipFill>
+          <a:blip r:embed="rId1"/>
+          <a:stretch>
+            <a:fillRect/>
+          </a:stretch>
+        </p:blipFill>
+        <p:spPr>
+          <a:xfrm>
+            <a:off x="1088175" y="4781750"/>
+            <a:ext cx="5036025" cy="3241700"/>
+          </a:xfrm>
+          <a:prstGeom prst="rect">
+            <a:avLst/>
+          </a:prstGeom>
+          <a:noFill/>
+          <a:ln w="9525" cap="flat" cmpd="sng">
+            <a:solidFill>
+              <a:schemeClr val="dk2"/>
+            </a:solidFill>
+            <a:prstDash val="solid"/>
+            <a:round/>
+            <a:headEnd type="none" w="sm" len="sm"/>
+            <a:tailEnd type="none" w="sm" len="sm"/>
+          </a:ln>
+        </p:spPr>
+      </p:pic>
+    </p:spTree>
+  </p:cSld>
+  <p:clrMapOvr>
+    <a:masterClrMapping/>
+  </p:clrMapOvr>
+</p:sld>
+</file>
+
+<file path=ppt/slides/slide21.xml><?xml version="1.0" encoding="utf-8"?>
+<p:sld xmlns:a="http://schemas.openxmlformats.org/drawingml/2006/main" xmlns:r="http://schemas.openxmlformats.org/officeDocument/2006/relationships" xmlns:p="http://schemas.openxmlformats.org/presentationml/2006/main">
+  <p:cSld>
+    <p:spTree>
+      <p:nvGrpSpPr>
         <p:cNvPr id="301" name="Shape 301"/>
         <p:cNvGrpSpPr/>
         <p:nvPr/>
@@ -32176,7 +32619,7 @@
 </p:sld>
 </file>
 
-<file path=ppt/slides/slide21.xml><?xml version="1.0" encoding="utf-8"?>
+<file path=ppt/slides/slide22.xml><?xml version="1.0" encoding="utf-8"?>
 <p:sld xmlns:a="http://schemas.openxmlformats.org/drawingml/2006/main" xmlns:r="http://schemas.openxmlformats.org/officeDocument/2006/relationships" xmlns:p="http://schemas.openxmlformats.org/presentationml/2006/main">
   <p:cSld>
     <p:spTree>
@@ -32610,7 +33053,7 @@
 </p:sld>
 </file>
 
-<file path=ppt/slides/slide22.xml><?xml version="1.0" encoding="utf-8"?>
+<file path=ppt/slides/slide23.xml><?xml version="1.0" encoding="utf-8"?>
 <p:sld xmlns:a="http://schemas.openxmlformats.org/drawingml/2006/main" xmlns:r="http://schemas.openxmlformats.org/officeDocument/2006/relationships" xmlns:p="http://schemas.openxmlformats.org/presentationml/2006/main">
   <p:cSld>
     <p:spTree>
@@ -33005,7 +33448,7 @@
 </p:sld>
 </file>
 
-<file path=ppt/slides/slide23.xml><?xml version="1.0" encoding="utf-8"?>
+<file path=ppt/slides/slide24.xml><?xml version="1.0" encoding="utf-8"?>
 <p:sld xmlns:a="http://schemas.openxmlformats.org/drawingml/2006/main" xmlns:r="http://schemas.openxmlformats.org/officeDocument/2006/relationships" xmlns:p="http://schemas.openxmlformats.org/presentationml/2006/main">
   <p:cSld>
     <p:spTree>
@@ -33398,7 +33841,7 @@
 </p:sld>
 </file>
 
-<file path=ppt/slides/slide24.xml><?xml version="1.0" encoding="utf-8"?>
+<file path=ppt/slides/slide25.xml><?xml version="1.0" encoding="utf-8"?>
 <p:sld xmlns:a="http://schemas.openxmlformats.org/drawingml/2006/main" xmlns:r="http://schemas.openxmlformats.org/officeDocument/2006/relationships" xmlns:p="http://schemas.openxmlformats.org/presentationml/2006/main">
   <p:cSld>
     <p:spTree>
@@ -33621,7 +34064,7 @@
 </p:sld>
 </file>
 
-<file path=ppt/slides/slide25.xml><?xml version="1.0" encoding="utf-8"?>
+<file path=ppt/slides/slide26.xml><?xml version="1.0" encoding="utf-8"?>
 <p:sld xmlns:a="http://schemas.openxmlformats.org/drawingml/2006/main" xmlns:r="http://schemas.openxmlformats.org/officeDocument/2006/relationships" xmlns:p="http://schemas.openxmlformats.org/presentationml/2006/main">
   <p:cSld>
     <p:bg>
@@ -33813,7 +34256,7 @@
 </p:sld>
 </file>
 
-<file path=ppt/slides/slide26.xml><?xml version="1.0" encoding="utf-8"?>
+<file path=ppt/slides/slide27.xml><?xml version="1.0" encoding="utf-8"?>
 <p:sld xmlns:a="http://schemas.openxmlformats.org/drawingml/2006/main" xmlns:r="http://schemas.openxmlformats.org/officeDocument/2006/relationships" xmlns:p="http://schemas.openxmlformats.org/presentationml/2006/main">
   <p:cSld>
     <p:spTree>
@@ -33977,7 +34420,7 @@
 </p:sld>
 </file>
 
-<file path=ppt/slides/slide27.xml><?xml version="1.0" encoding="utf-8"?>
+<file path=ppt/slides/slide28.xml><?xml version="1.0" encoding="utf-8"?>
 <p:sld xmlns:a="http://schemas.openxmlformats.org/drawingml/2006/main" xmlns:r="http://schemas.openxmlformats.org/officeDocument/2006/relationships" xmlns:p="http://schemas.openxmlformats.org/presentationml/2006/main">
   <p:cSld>
     <p:spTree>
@@ -34140,7 +34583,7 @@
 </p:sld>
 </file>
 
-<file path=ppt/slides/slide28.xml><?xml version="1.0" encoding="utf-8"?>
+<file path=ppt/slides/slide29.xml><?xml version="1.0" encoding="utf-8"?>
 <p:sld xmlns:a="http://schemas.openxmlformats.org/drawingml/2006/main" xmlns:r="http://schemas.openxmlformats.org/officeDocument/2006/relationships" xmlns:p="http://schemas.openxmlformats.org/presentationml/2006/main">
   <p:cSld>
     <p:spTree>
@@ -34280,213 +34723,6 @@
               <a:buNone/>
             </a:pPr>
             <a:endParaRPr sz="1900"/>
-          </a:p>
-          <a:p>
-            <a:pPr marL="457200" lvl="0" indent="0" algn="l" rtl="0">
-              <a:spcBef>
-                <a:spcPts val="1600"/>
-              </a:spcBef>
-              <a:spcAft>
-                <a:spcPts val="1600"/>
-              </a:spcAft>
-              <a:buNone/>
-            </a:pPr>
-            <a:endParaRPr sz="1900"/>
-          </a:p>
-        </p:txBody>
-      </p:sp>
-    </p:spTree>
-  </p:cSld>
-  <p:clrMapOvr>
-    <a:masterClrMapping/>
-  </p:clrMapOvr>
-</p:sld>
-</file>
-
-<file path=ppt/slides/slide29.xml><?xml version="1.0" encoding="utf-8"?>
-<p:sld xmlns:a="http://schemas.openxmlformats.org/drawingml/2006/main" xmlns:r="http://schemas.openxmlformats.org/officeDocument/2006/relationships" xmlns:p="http://schemas.openxmlformats.org/presentationml/2006/main">
-  <p:cSld>
-    <p:spTree>
-      <p:nvGrpSpPr>
-        <p:cNvPr id="359" name="Shape 359"/>
-        <p:cNvGrpSpPr/>
-        <p:nvPr/>
-      </p:nvGrpSpPr>
-      <p:grpSpPr>
-        <a:xfrm>
-          <a:off x="0" y="0"/>
-          <a:ext cx="0" cy="0"/>
-          <a:chOff x="0" y="0"/>
-          <a:chExt cx="0" cy="0"/>
-        </a:xfrm>
-      </p:grpSpPr>
-      <p:sp>
-        <p:nvSpPr>
-          <p:cNvPr id="360" name="Google Shape;360;p79"/>
-          <p:cNvSpPr txBox="1"/>
-          <p:nvPr>
-            <p:ph type="title"/>
-          </p:nvPr>
-        </p:nvSpPr>
-        <p:spPr>
-          <a:xfrm>
-            <a:off x="264945" y="870271"/>
-            <a:ext cx="7242600" cy="1119900"/>
-          </a:xfrm>
-          <a:prstGeom prst="rect">
-            <a:avLst/>
-          </a:prstGeom>
-        </p:spPr>
-        <p:txBody>
-          <a:bodyPr spcFirstLastPara="1" wrap="square" lIns="91425" tIns="91425" rIns="91425" bIns="91425" anchor="ctr" anchorCtr="0">
-            <a:noAutofit/>
-          </a:bodyPr>
-          <a:lstStyle/>
-          <a:p>
-            <a:pPr marL="0" lvl="0" indent="0" algn="l" rtl="0">
-              <a:spcBef>
-                <a:spcPts val="0"/>
-              </a:spcBef>
-              <a:spcAft>
-                <a:spcPts val="0"/>
-              </a:spcAft>
-              <a:buNone/>
-            </a:pPr>
-            <a:r>
-              <a:rPr lang="en-GB"/>
-              <a:t>Standout Suggestion 3</a:t>
-            </a:r>
-            <a:endParaRPr lang="en-GB"/>
-          </a:p>
-        </p:txBody>
-      </p:sp>
-      <p:sp>
-        <p:nvSpPr>
-          <p:cNvPr id="361" name="Google Shape;361;p79"/>
-          <p:cNvSpPr txBox="1"/>
-          <p:nvPr>
-            <p:ph type="body" idx="1"/>
-          </p:nvPr>
-        </p:nvSpPr>
-        <p:spPr>
-          <a:xfrm>
-            <a:off x="264950" y="2253724"/>
-            <a:ext cx="7242600" cy="7731900"/>
-          </a:xfrm>
-          <a:prstGeom prst="rect">
-            <a:avLst/>
-          </a:prstGeom>
-        </p:spPr>
-        <p:txBody>
-          <a:bodyPr spcFirstLastPara="1" wrap="square" lIns="91425" tIns="91425" rIns="91425" bIns="91425" anchor="t" anchorCtr="0">
-            <a:noAutofit/>
-          </a:bodyPr>
-          <a:lstStyle/>
-          <a:p>
-            <a:pPr marL="0" lvl="0" indent="0" algn="l" rtl="0">
-              <a:spcBef>
-                <a:spcPts val="0"/>
-              </a:spcBef>
-              <a:spcAft>
-                <a:spcPts val="0"/>
-              </a:spcAft>
-              <a:buNone/>
-            </a:pPr>
-            <a:r>
-              <a:rPr lang="en-GB" sz="2000" b="1">
-                <a:latin typeface="Open Sans" panose="020B0306030504020204"/>
-                <a:ea typeface="Open Sans" panose="020B0306030504020204"/>
-                <a:cs typeface="Open Sans" panose="020B0306030504020204"/>
-                <a:sym typeface="Open Sans" panose="020B0306030504020204"/>
-              </a:rPr>
-              <a:t>Implement user security on the restricted salary attribute.</a:t>
-            </a:r>
-            <a:endParaRPr sz="2000" b="1">
-              <a:latin typeface="Open Sans" panose="020B0306030504020204"/>
-              <a:ea typeface="Open Sans" panose="020B0306030504020204"/>
-              <a:cs typeface="Open Sans" panose="020B0306030504020204"/>
-              <a:sym typeface="Open Sans" panose="020B0306030504020204"/>
-            </a:endParaRPr>
-          </a:p>
-          <a:p>
-            <a:pPr marL="0" lvl="0" indent="0" algn="l" rtl="0">
-              <a:spcBef>
-                <a:spcPts val="1600"/>
-              </a:spcBef>
-              <a:spcAft>
-                <a:spcPts val="0"/>
-              </a:spcAft>
-              <a:buNone/>
-            </a:pPr>
-            <a:r>
-              <a:rPr lang="en-GB" sz="1900">
-                <a:solidFill>
-                  <a:srgbClr val="FF0000"/>
-                </a:solidFill>
-              </a:rPr>
-              <a:t>Create a non-management user named </a:t>
-            </a:r>
-            <a:r>
-              <a:rPr lang="en-GB" sz="1900">
-                <a:solidFill>
-                  <a:srgbClr val="FF0000"/>
-                </a:solidFill>
-                <a:latin typeface="Source Code Pro" panose="020B0509030403020204"/>
-                <a:ea typeface="Source Code Pro" panose="020B0509030403020204"/>
-                <a:cs typeface="Source Code Pro" panose="020B0509030403020204"/>
-                <a:sym typeface="Source Code Pro" panose="020B0509030403020204"/>
-              </a:rPr>
-              <a:t>NoMgr</a:t>
-            </a:r>
-            <a:r>
-              <a:rPr lang="en-GB" sz="1900">
-                <a:solidFill>
-                  <a:srgbClr val="FF0000"/>
-                </a:solidFill>
-                <a:latin typeface="Open Sans" panose="020B0306030504020204"/>
-                <a:ea typeface="Open Sans" panose="020B0306030504020204"/>
-                <a:cs typeface="Open Sans" panose="020B0306030504020204"/>
-                <a:sym typeface="Open Sans" panose="020B0306030504020204"/>
-              </a:rPr>
-              <a:t>.</a:t>
-            </a:r>
-            <a:r>
-              <a:rPr lang="en-GB" sz="1900">
-                <a:solidFill>
-                  <a:srgbClr val="FF0000"/>
-                </a:solidFill>
-              </a:rPr>
-              <a:t> Show the code of how your would grant access to the database, but revoke access to the salary data.</a:t>
-            </a:r>
-            <a:endParaRPr sz="1900">
-              <a:solidFill>
-                <a:srgbClr val="FF0000"/>
-              </a:solidFill>
-            </a:endParaRPr>
-          </a:p>
-          <a:p>
-            <a:pPr marL="0" lvl="0" indent="0" algn="l" rtl="0">
-              <a:spcBef>
-                <a:spcPts val="1600"/>
-              </a:spcBef>
-              <a:spcAft>
-                <a:spcPts val="0"/>
-              </a:spcAft>
-              <a:buNone/>
-            </a:pPr>
-            <a:r>
-              <a:rPr lang="en-GB" sz="1900">
-                <a:solidFill>
-                  <a:srgbClr val="FF0000"/>
-                </a:solidFill>
-              </a:rPr>
-              <a:t>Submit screenshot of code</a:t>
-            </a:r>
-            <a:endParaRPr sz="1900">
-              <a:solidFill>
-                <a:srgbClr val="FF0000"/>
-              </a:solidFill>
-            </a:endParaRPr>
           </a:p>
           <a:p>
             <a:pPr marL="457200" lvl="0" indent="0" algn="l" rtl="0">
@@ -34760,6 +34996,213 @@
 <file path=ppt/slides/slide30.xml><?xml version="1.0" encoding="utf-8"?>
 <p:sld xmlns:a="http://schemas.openxmlformats.org/drawingml/2006/main" xmlns:r="http://schemas.openxmlformats.org/officeDocument/2006/relationships" xmlns:p="http://schemas.openxmlformats.org/presentationml/2006/main">
   <p:cSld>
+    <p:spTree>
+      <p:nvGrpSpPr>
+        <p:cNvPr id="359" name="Shape 359"/>
+        <p:cNvGrpSpPr/>
+        <p:nvPr/>
+      </p:nvGrpSpPr>
+      <p:grpSpPr>
+        <a:xfrm>
+          <a:off x="0" y="0"/>
+          <a:ext cx="0" cy="0"/>
+          <a:chOff x="0" y="0"/>
+          <a:chExt cx="0" cy="0"/>
+        </a:xfrm>
+      </p:grpSpPr>
+      <p:sp>
+        <p:nvSpPr>
+          <p:cNvPr id="360" name="Google Shape;360;p79"/>
+          <p:cNvSpPr txBox="1"/>
+          <p:nvPr>
+            <p:ph type="title"/>
+          </p:nvPr>
+        </p:nvSpPr>
+        <p:spPr>
+          <a:xfrm>
+            <a:off x="264945" y="870271"/>
+            <a:ext cx="7242600" cy="1119900"/>
+          </a:xfrm>
+          <a:prstGeom prst="rect">
+            <a:avLst/>
+          </a:prstGeom>
+        </p:spPr>
+        <p:txBody>
+          <a:bodyPr spcFirstLastPara="1" wrap="square" lIns="91425" tIns="91425" rIns="91425" bIns="91425" anchor="ctr" anchorCtr="0">
+            <a:noAutofit/>
+          </a:bodyPr>
+          <a:lstStyle/>
+          <a:p>
+            <a:pPr marL="0" lvl="0" indent="0" algn="l" rtl="0">
+              <a:spcBef>
+                <a:spcPts val="0"/>
+              </a:spcBef>
+              <a:spcAft>
+                <a:spcPts val="0"/>
+              </a:spcAft>
+              <a:buNone/>
+            </a:pPr>
+            <a:r>
+              <a:rPr lang="en-GB"/>
+              <a:t>Standout Suggestion 3</a:t>
+            </a:r>
+            <a:endParaRPr lang="en-GB"/>
+          </a:p>
+        </p:txBody>
+      </p:sp>
+      <p:sp>
+        <p:nvSpPr>
+          <p:cNvPr id="361" name="Google Shape;361;p79"/>
+          <p:cNvSpPr txBox="1"/>
+          <p:nvPr>
+            <p:ph type="body" idx="1"/>
+          </p:nvPr>
+        </p:nvSpPr>
+        <p:spPr>
+          <a:xfrm>
+            <a:off x="264950" y="2253724"/>
+            <a:ext cx="7242600" cy="7731900"/>
+          </a:xfrm>
+          <a:prstGeom prst="rect">
+            <a:avLst/>
+          </a:prstGeom>
+        </p:spPr>
+        <p:txBody>
+          <a:bodyPr spcFirstLastPara="1" wrap="square" lIns="91425" tIns="91425" rIns="91425" bIns="91425" anchor="t" anchorCtr="0">
+            <a:noAutofit/>
+          </a:bodyPr>
+          <a:lstStyle/>
+          <a:p>
+            <a:pPr marL="0" lvl="0" indent="0" algn="l" rtl="0">
+              <a:spcBef>
+                <a:spcPts val="0"/>
+              </a:spcBef>
+              <a:spcAft>
+                <a:spcPts val="0"/>
+              </a:spcAft>
+              <a:buNone/>
+            </a:pPr>
+            <a:r>
+              <a:rPr lang="en-GB" sz="2000" b="1">
+                <a:latin typeface="Open Sans" panose="020B0306030504020204"/>
+                <a:ea typeface="Open Sans" panose="020B0306030504020204"/>
+                <a:cs typeface="Open Sans" panose="020B0306030504020204"/>
+                <a:sym typeface="Open Sans" panose="020B0306030504020204"/>
+              </a:rPr>
+              <a:t>Implement user security on the restricted salary attribute.</a:t>
+            </a:r>
+            <a:endParaRPr sz="2000" b="1">
+              <a:latin typeface="Open Sans" panose="020B0306030504020204"/>
+              <a:ea typeface="Open Sans" panose="020B0306030504020204"/>
+              <a:cs typeface="Open Sans" panose="020B0306030504020204"/>
+              <a:sym typeface="Open Sans" panose="020B0306030504020204"/>
+            </a:endParaRPr>
+          </a:p>
+          <a:p>
+            <a:pPr marL="0" lvl="0" indent="0" algn="l" rtl="0">
+              <a:spcBef>
+                <a:spcPts val="1600"/>
+              </a:spcBef>
+              <a:spcAft>
+                <a:spcPts val="0"/>
+              </a:spcAft>
+              <a:buNone/>
+            </a:pPr>
+            <a:r>
+              <a:rPr lang="en-GB" sz="1900">
+                <a:solidFill>
+                  <a:srgbClr val="FF0000"/>
+                </a:solidFill>
+              </a:rPr>
+              <a:t>Create a non-management user named </a:t>
+            </a:r>
+            <a:r>
+              <a:rPr lang="en-GB" sz="1900">
+                <a:solidFill>
+                  <a:srgbClr val="FF0000"/>
+                </a:solidFill>
+                <a:latin typeface="Source Code Pro" panose="020B0509030403020204"/>
+                <a:ea typeface="Source Code Pro" panose="020B0509030403020204"/>
+                <a:cs typeface="Source Code Pro" panose="020B0509030403020204"/>
+                <a:sym typeface="Source Code Pro" panose="020B0509030403020204"/>
+              </a:rPr>
+              <a:t>NoMgr</a:t>
+            </a:r>
+            <a:r>
+              <a:rPr lang="en-GB" sz="1900">
+                <a:solidFill>
+                  <a:srgbClr val="FF0000"/>
+                </a:solidFill>
+                <a:latin typeface="Open Sans" panose="020B0306030504020204"/>
+                <a:ea typeface="Open Sans" panose="020B0306030504020204"/>
+                <a:cs typeface="Open Sans" panose="020B0306030504020204"/>
+                <a:sym typeface="Open Sans" panose="020B0306030504020204"/>
+              </a:rPr>
+              <a:t>.</a:t>
+            </a:r>
+            <a:r>
+              <a:rPr lang="en-GB" sz="1900">
+                <a:solidFill>
+                  <a:srgbClr val="FF0000"/>
+                </a:solidFill>
+              </a:rPr>
+              <a:t> Show the code of how your would grant access to the database, but revoke access to the salary data.</a:t>
+            </a:r>
+            <a:endParaRPr sz="1900">
+              <a:solidFill>
+                <a:srgbClr val="FF0000"/>
+              </a:solidFill>
+            </a:endParaRPr>
+          </a:p>
+          <a:p>
+            <a:pPr marL="0" lvl="0" indent="0" algn="l" rtl="0">
+              <a:spcBef>
+                <a:spcPts val="1600"/>
+              </a:spcBef>
+              <a:spcAft>
+                <a:spcPts val="0"/>
+              </a:spcAft>
+              <a:buNone/>
+            </a:pPr>
+            <a:r>
+              <a:rPr lang="en-GB" sz="1900">
+                <a:solidFill>
+                  <a:srgbClr val="FF0000"/>
+                </a:solidFill>
+              </a:rPr>
+              <a:t>Submit screenshot of code</a:t>
+            </a:r>
+            <a:endParaRPr sz="1900">
+              <a:solidFill>
+                <a:srgbClr val="FF0000"/>
+              </a:solidFill>
+            </a:endParaRPr>
+          </a:p>
+          <a:p>
+            <a:pPr marL="457200" lvl="0" indent="0" algn="l" rtl="0">
+              <a:spcBef>
+                <a:spcPts val="1600"/>
+              </a:spcBef>
+              <a:spcAft>
+                <a:spcPts val="1600"/>
+              </a:spcAft>
+              <a:buNone/>
+            </a:pPr>
+            <a:endParaRPr sz="1900"/>
+          </a:p>
+        </p:txBody>
+      </p:sp>
+    </p:spTree>
+  </p:cSld>
+  <p:clrMapOvr>
+    <a:masterClrMapping/>
+  </p:clrMapOvr>
+</p:sld>
+</file>
+
+<file path=ppt/slides/slide31.xml><?xml version="1.0" encoding="utf-8"?>
+<p:sld xmlns:a="http://schemas.openxmlformats.org/drawingml/2006/main" xmlns:r="http://schemas.openxmlformats.org/officeDocument/2006/relationships" xmlns:p="http://schemas.openxmlformats.org/presentationml/2006/main">
+  <p:cSld>
     <p:bg>
       <p:bgPr>
         <a:solidFill>
@@ -34937,7 +35380,7 @@
 </p:sld>
 </file>
 
-<file path=ppt/slides/slide31.xml><?xml version="1.0" encoding="utf-8"?>
+<file path=ppt/slides/slide32.xml><?xml version="1.0" encoding="utf-8"?>
 <p:sld xmlns:a="http://schemas.openxmlformats.org/drawingml/2006/main" xmlns:r="http://schemas.openxmlformats.org/officeDocument/2006/relationships" xmlns:p="http://schemas.openxmlformats.org/presentationml/2006/main">
   <p:cSld>
     <p:spTree>
@@ -36469,7 +36912,7 @@
         </p:nvGraphicFramePr>
         <p:xfrm>
           <a:off x="501650" y="5821680"/>
-          <a:ext cx="5439410" cy="1280160"/>
+          <a:ext cx="5991860" cy="1442085"/>
         </p:xfrm>
         <a:graphic>
           <a:graphicData uri="http://schemas.openxmlformats.org/drawingml/2006/table">
@@ -36478,10 +36921,10 @@
                 <a:tableStyleId>{5C22544A-7EE6-4342-B048-85BDC9FD1C3A}</a:tableStyleId>
               </a:tblPr>
               <a:tblGrid>
-                <a:gridCol w="2719705"/>
-                <a:gridCol w="2719705"/>
+                <a:gridCol w="2995930"/>
+                <a:gridCol w="2995930"/>
               </a:tblGrid>
-              <a:tr h="381000">
+              <a:tr h="387350">
                 <a:tc>
                   <a:txBody>
                     <a:bodyPr/>
@@ -36515,7 +36958,7 @@
                   <a:tcPr/>
                 </a:tc>
               </a:tr>
-              <a:tr h="381000">
+              <a:tr h="527685">
                 <a:tc>
                   <a:txBody>
                     <a:bodyPr/>
@@ -36559,7 +37002,7 @@
                   <a:tcPr/>
                 </a:tc>
               </a:tr>
-              <a:tr h="381000">
+              <a:tr h="527050">
                 <a:tc>
                   <a:txBody>
                     <a:bodyPr/>
@@ -37250,16 +37693,10 @@
               <a:buNone/>
             </a:pPr>
             <a:r>
-              <a:rPr lang="en-GB" sz="1700">
-                <a:sym typeface="+mn-ea"/>
-              </a:rPr>
-              <a:t>ETL, Direct feed, API</a:t>
-            </a:r>
-            <a:r>
               <a:rPr lang="en-US" altLang="en-GB" sz="1700">
                 <a:sym typeface="+mn-ea"/>
               </a:rPr>
-              <a:t>.</a:t>
+              <a:t>ETL would be suitable to ingest flat file to database.</a:t>
             </a:r>
             <a:endParaRPr lang="en-US" altLang="en-GB" sz="1700">
               <a:sym typeface="+mn-ea"/>
@@ -37269,7 +37706,7 @@
       </p:sp>
       <p:graphicFrame>
         <p:nvGraphicFramePr>
-          <p:cNvPr id="1" name="Table 0"/>
+          <p:cNvPr id="3" name="Table 2"/>
           <p:cNvGraphicFramePr/>
           <p:nvPr/>
         </p:nvGraphicFramePr>
@@ -37347,7 +37784,7 @@
                       </a:pPr>
                       <a:r>
                         <a:rPr lang="en-US"/>
-                        <a:t>Employee</a:t>
+                        <a:t>EMPLOYEES</a:t>
                       </a:r>
                       <a:endParaRPr lang="en-US"/>
                     </a:p>
@@ -37381,7 +37818,7 @@
                       </a:pPr>
                       <a:r>
                         <a:rPr lang="en-US"/>
-                        <a:t>Education</a:t>
+                        <a:t>EDUCATIONS</a:t>
                       </a:r>
                       <a:endParaRPr lang="en-US"/>
                     </a:p>
@@ -37415,7 +37852,7 @@
                       </a:pPr>
                       <a:r>
                         <a:rPr lang="en-US"/>
-                        <a:t>Department</a:t>
+                        <a:t>DEPARTMENTS</a:t>
                       </a:r>
                       <a:endParaRPr lang="en-US"/>
                     </a:p>
@@ -37449,7 +37886,7 @@
                       </a:pPr>
                       <a:r>
                         <a:rPr lang="en-US"/>
-                        <a:t>Location</a:t>
+                        <a:t>LOCATIONS</a:t>
                       </a:r>
                       <a:endParaRPr lang="en-US"/>
                     </a:p>
@@ -37483,7 +37920,7 @@
                       </a:pPr>
                       <a:r>
                         <a:rPr lang="en-US"/>
-                        <a:t>Position</a:t>
+                        <a:t>JOBS</a:t>
                       </a:r>
                       <a:endParaRPr lang="en-US"/>
                     </a:p>
@@ -37517,7 +37954,7 @@
                       </a:pPr>
                       <a:r>
                         <a:rPr lang="en-US"/>
-                        <a:t>Salary</a:t>
+                        <a:t>JOB_HISTORY</a:t>
                       </a:r>
                       <a:endParaRPr lang="en-US"/>
                     </a:p>
@@ -37835,10 +38272,20 @@
               <a:t>Ownership: </a:t>
             </a:r>
             <a:r>
-              <a:rPr lang="en-GB" sz="1700"/>
-              <a:t>who will own and maintain the data</a:t>
+              <a:rPr lang="en-US" altLang="en-GB" sz="1700" b="1">
+                <a:latin typeface="Open Sans" panose="020B0306030504020204"/>
+                <a:ea typeface="Open Sans" panose="020B0306030504020204"/>
+                <a:cs typeface="Open Sans" panose="020B0306030504020204"/>
+                <a:sym typeface="Open Sans" panose="020B0306030504020204"/>
+              </a:rPr>
+              <a:t>HR</a:t>
             </a:r>
-            <a:endParaRPr sz="1700"/>
+            <a:endParaRPr lang="en-US" altLang="en-GB" sz="1700" b="1">
+              <a:latin typeface="Open Sans" panose="020B0306030504020204"/>
+              <a:ea typeface="Open Sans" panose="020B0306030504020204"/>
+              <a:cs typeface="Open Sans" panose="020B0306030504020204"/>
+              <a:sym typeface="Open Sans" panose="020B0306030504020204"/>
+            </a:endParaRPr>
           </a:p>
           <a:p>
             <a:pPr marL="457200" lvl="0" indent="0" algn="l" rtl="0">
@@ -37846,22 +38293,7 @@
                 <a:spcPct val="100000"/>
               </a:lnSpc>
               <a:spcBef>
-                <a:spcPts val="0"/>
-              </a:spcBef>
-              <a:spcAft>
-                <a:spcPts val="0"/>
-              </a:spcAft>
-              <a:buNone/>
-            </a:pPr>
-            <a:endParaRPr sz="1700"/>
-          </a:p>
-          <a:p>
-            <a:pPr marL="457200" lvl="0" indent="0" algn="l" rtl="0">
-              <a:lnSpc>
-                <a:spcPct val="100000"/>
-              </a:lnSpc>
-              <a:spcBef>
-                <a:spcPts val="0"/>
+                <a:spcPts val="1600"/>
               </a:spcBef>
               <a:spcAft>
                 <a:spcPts val="0"/>
@@ -37877,10 +38309,66 @@
               </a:rPr>
               <a:t>User Access: </a:t>
             </a:r>
-            <a:r>
-              <a:rPr lang="en-GB" sz="1700"/>
-              <a:t>who will and will not have access to the data</a:t>
-            </a:r>
+            <a:endParaRPr lang="en-GB" sz="1700" b="1">
+              <a:latin typeface="Open Sans" panose="020B0306030504020204"/>
+              <a:ea typeface="Open Sans" panose="020B0306030504020204"/>
+              <a:cs typeface="Open Sans" panose="020B0306030504020204"/>
+              <a:sym typeface="Open Sans" panose="020B0306030504020204"/>
+            </a:endParaRPr>
+          </a:p>
+          <a:p>
+            <a:pPr marL="457200" lvl="0" indent="0" algn="l" rtl="0">
+              <a:lnSpc>
+                <a:spcPct val="100000"/>
+              </a:lnSpc>
+              <a:spcBef>
+                <a:spcPts val="1600"/>
+              </a:spcBef>
+              <a:spcAft>
+                <a:spcPts val="0"/>
+              </a:spcAft>
+              <a:buNone/>
+            </a:pPr>
+            <a:endParaRPr lang="en-GB" sz="1700" b="1">
+              <a:latin typeface="Open Sans" panose="020B0306030504020204"/>
+              <a:ea typeface="Open Sans" panose="020B0306030504020204"/>
+              <a:cs typeface="Open Sans" panose="020B0306030504020204"/>
+              <a:sym typeface="Open Sans" panose="020B0306030504020204"/>
+            </a:endParaRPr>
+          </a:p>
+          <a:p>
+            <a:pPr marL="457200" lvl="0" indent="0" algn="l" rtl="0">
+              <a:lnSpc>
+                <a:spcPct val="100000"/>
+              </a:lnSpc>
+              <a:spcBef>
+                <a:spcPts val="1600"/>
+              </a:spcBef>
+              <a:spcAft>
+                <a:spcPts val="0"/>
+              </a:spcAft>
+              <a:buNone/>
+            </a:pPr>
+            <a:endParaRPr lang="en-GB" sz="1700" b="1">
+              <a:latin typeface="Open Sans" panose="020B0306030504020204"/>
+              <a:ea typeface="Open Sans" panose="020B0306030504020204"/>
+              <a:cs typeface="Open Sans" panose="020B0306030504020204"/>
+              <a:sym typeface="Open Sans" panose="020B0306030504020204"/>
+            </a:endParaRPr>
+          </a:p>
+          <a:p>
+            <a:pPr marL="457200" lvl="0" indent="0" algn="l" rtl="0">
+              <a:lnSpc>
+                <a:spcPct val="100000"/>
+              </a:lnSpc>
+              <a:spcBef>
+                <a:spcPts val="1600"/>
+              </a:spcBef>
+              <a:spcAft>
+                <a:spcPts val="0"/>
+              </a:spcAft>
+              <a:buNone/>
+            </a:pPr>
             <a:endParaRPr sz="1700"/>
           </a:p>
           <a:p>
@@ -37917,9 +38405,9 @@
                 <a:cs typeface="Open Sans" panose="020B0306030504020204"/>
                 <a:sym typeface="Open Sans" panose="020B0306030504020204"/>
               </a:rPr>
-              <a:t>Scalability </a:t>
+              <a:t>Scalability</a:t>
             </a:r>
-            <a:endParaRPr sz="1900" b="1">
+            <a:endParaRPr lang="en-GB" sz="1900" b="1">
               <a:latin typeface="Open Sans" panose="020B0306030504020204"/>
               <a:ea typeface="Open Sans" panose="020B0306030504020204"/>
               <a:cs typeface="Open Sans" panose="020B0306030504020204"/>
@@ -37927,20 +38415,26 @@
             </a:endParaRPr>
           </a:p>
           <a:p>
-            <a:pPr marL="457200" lvl="0" indent="0" algn="l" rtl="0">
+            <a:pPr marL="107950" lvl="0" algn="l" rtl="0">
               <a:spcBef>
                 <a:spcPts val="1600"/>
               </a:spcBef>
               <a:spcAft>
                 <a:spcPts val="0"/>
               </a:spcAft>
+              <a:buSzPts val="1900"/>
+              <a:buFont typeface="Open Sans" panose="020B0306030504020204"/>
               <a:buNone/>
             </a:pPr>
             <a:r>
-              <a:rPr lang="en-GB" sz="1900"/>
-              <a:t>Should replication or sharding be used to ensure scalability based on user needs</a:t>
+              <a:rPr lang="en-US" sz="1700">
+                <a:sym typeface="Open Sans" panose="020B0306030504020204"/>
+              </a:rPr>
+              <a:t>  - Once the compay have a fast growth. The increasing number of employee lead to be overload on reading when a huge of request to server. To keep the performance not degrade we should have replication deployment with read on slave and write on master.  </a:t>
             </a:r>
-            <a:endParaRPr sz="1900"/>
+            <a:endParaRPr lang="en-US" sz="1700">
+              <a:sym typeface="Open Sans" panose="020B0306030504020204"/>
+            </a:endParaRPr>
           </a:p>
           <a:p>
             <a:pPr marL="457200" lvl="0" indent="-349250" algn="l" rtl="0">
@@ -37963,46 +38457,7 @@
               </a:rPr>
               <a:t>Flexibility</a:t>
             </a:r>
-            <a:endParaRPr sz="1900"/>
-          </a:p>
-          <a:p>
-            <a:pPr marL="457200" lvl="0" indent="0" algn="l" rtl="0">
-              <a:spcBef>
-                <a:spcPts val="1600"/>
-              </a:spcBef>
-              <a:spcAft>
-                <a:spcPts val="0"/>
-              </a:spcAft>
-              <a:buNone/>
-            </a:pPr>
-            <a:r>
-              <a:rPr lang="en-GB" sz="1900"/>
-              <a:t>Describe measures taken to ensure future data integration if needed</a:t>
-            </a:r>
-            <a:endParaRPr sz="1900"/>
-          </a:p>
-          <a:p>
-            <a:pPr marL="457200" lvl="0" indent="-349250" algn="l" rtl="0">
-              <a:spcBef>
-                <a:spcPts val="1600"/>
-              </a:spcBef>
-              <a:spcAft>
-                <a:spcPts val="0"/>
-              </a:spcAft>
-              <a:buSzPts val="1900"/>
-              <a:buFont typeface="Open Sans" panose="020B0306030504020204"/>
-              <a:buChar char="●"/>
-            </a:pPr>
-            <a:r>
-              <a:rPr lang="en-GB" sz="1900" b="1">
-                <a:latin typeface="Open Sans" panose="020B0306030504020204"/>
-                <a:ea typeface="Open Sans" panose="020B0306030504020204"/>
-                <a:cs typeface="Open Sans" panose="020B0306030504020204"/>
-                <a:sym typeface="Open Sans" panose="020B0306030504020204"/>
-              </a:rPr>
-              <a:t>Storage &amp; retention</a:t>
-            </a:r>
-            <a:endParaRPr sz="1900" b="1">
+            <a:endParaRPr lang="en-GB" sz="1900" b="1">
               <a:latin typeface="Open Sans" panose="020B0306030504020204"/>
               <a:ea typeface="Open Sans" panose="020B0306030504020204"/>
               <a:cs typeface="Open Sans" panose="020B0306030504020204"/>
@@ -38010,185 +38465,21 @@
             </a:endParaRPr>
           </a:p>
           <a:p>
-            <a:pPr marL="457200" lvl="0" indent="0" algn="l" rtl="0">
-              <a:lnSpc>
-                <a:spcPct val="100000"/>
-              </a:lnSpc>
+            <a:pPr marL="107950" lvl="0" indent="0" algn="l" rtl="0">
               <a:spcBef>
                 <a:spcPts val="1600"/>
               </a:spcBef>
               <a:spcAft>
                 <a:spcPts val="0"/>
               </a:spcAft>
+              <a:buSzPts val="1900"/>
+              <a:buFont typeface="Open Sans" panose="020B0306030504020204"/>
               <a:buNone/>
             </a:pPr>
             <a:r>
-              <a:rPr lang="en-GB" sz="1700" b="1">
-                <a:latin typeface="Open Sans" panose="020B0306030504020204"/>
-                <a:ea typeface="Open Sans" panose="020B0306030504020204"/>
-                <a:cs typeface="Open Sans" panose="020B0306030504020204"/>
-                <a:sym typeface="Open Sans" panose="020B0306030504020204"/>
-              </a:rPr>
-              <a:t>Storage (disk or in-memory): </a:t>
+              <a:rPr lang="en-US" sz="1700"/>
+              <a:t>- The integraion to payroll’s system could be solve by direct feed through dblink connetion.</a:t>
             </a:r>
-            <a:r>
-              <a:rPr lang="en-GB" sz="1700"/>
-              <a:t>check </a:t>
-            </a:r>
-            <a:r>
-              <a:rPr lang="en-GB" sz="1700" u="sng">
-                <a:solidFill>
-                  <a:schemeClr val="hlink"/>
-                </a:solidFill>
-                <a:hlinkClick r:id="rId1"/>
-              </a:rPr>
-              <a:t>IT best practices document</a:t>
-            </a:r>
-            <a:endParaRPr sz="1700"/>
-          </a:p>
-          <a:p>
-            <a:pPr marL="457200" lvl="0" indent="0" algn="l" rtl="0">
-              <a:lnSpc>
-                <a:spcPct val="100000"/>
-              </a:lnSpc>
-              <a:spcBef>
-                <a:spcPts val="0"/>
-              </a:spcBef>
-              <a:spcAft>
-                <a:spcPts val="0"/>
-              </a:spcAft>
-              <a:buNone/>
-            </a:pPr>
-            <a:endParaRPr sz="1700"/>
-          </a:p>
-          <a:p>
-            <a:pPr marL="457200" lvl="0" indent="0" algn="l" rtl="0">
-              <a:lnSpc>
-                <a:spcPct val="100000"/>
-              </a:lnSpc>
-              <a:spcBef>
-                <a:spcPts val="0"/>
-              </a:spcBef>
-              <a:spcAft>
-                <a:spcPts val="0"/>
-              </a:spcAft>
-              <a:buNone/>
-            </a:pPr>
-            <a:r>
-              <a:rPr lang="en-GB" sz="1700" b="1">
-                <a:latin typeface="Open Sans" panose="020B0306030504020204"/>
-                <a:ea typeface="Open Sans" panose="020B0306030504020204"/>
-                <a:cs typeface="Open Sans" panose="020B0306030504020204"/>
-                <a:sym typeface="Open Sans" panose="020B0306030504020204"/>
-              </a:rPr>
-              <a:t>Retention: </a:t>
-            </a:r>
-            <a:r>
-              <a:rPr lang="en-GB" sz="1700"/>
-              <a:t>how long does the data have to be kept for?</a:t>
-            </a:r>
-            <a:endParaRPr sz="1700"/>
-          </a:p>
-          <a:p>
-            <a:pPr marL="457200" lvl="0" indent="0" algn="l" rtl="0">
-              <a:lnSpc>
-                <a:spcPct val="100000"/>
-              </a:lnSpc>
-              <a:spcBef>
-                <a:spcPts val="0"/>
-              </a:spcBef>
-              <a:spcAft>
-                <a:spcPts val="0"/>
-              </a:spcAft>
-              <a:buNone/>
-            </a:pPr>
-            <a:endParaRPr sz="1700"/>
-          </a:p>
-          <a:p>
-            <a:pPr marL="457200" lvl="0" indent="0" algn="l" rtl="0">
-              <a:lnSpc>
-                <a:spcPct val="100000"/>
-              </a:lnSpc>
-              <a:spcBef>
-                <a:spcPts val="0"/>
-              </a:spcBef>
-              <a:spcAft>
-                <a:spcPts val="0"/>
-              </a:spcAft>
-              <a:buNone/>
-            </a:pPr>
-            <a:endParaRPr sz="1700"/>
-          </a:p>
-          <a:p>
-            <a:pPr marL="457200" lvl="0" indent="-349250" algn="l" rtl="0">
-              <a:spcBef>
-                <a:spcPts val="0"/>
-              </a:spcBef>
-              <a:spcAft>
-                <a:spcPts val="0"/>
-              </a:spcAft>
-              <a:buSzPts val="1900"/>
-              <a:buFont typeface="Open Sans" panose="020B0306030504020204"/>
-              <a:buChar char="●"/>
-            </a:pPr>
-            <a:r>
-              <a:rPr lang="en-GB" sz="1900" b="1">
-                <a:latin typeface="Open Sans" panose="020B0306030504020204"/>
-                <a:ea typeface="Open Sans" panose="020B0306030504020204"/>
-                <a:cs typeface="Open Sans" panose="020B0306030504020204"/>
-                <a:sym typeface="Open Sans" panose="020B0306030504020204"/>
-              </a:rPr>
-              <a:t>Backup</a:t>
-            </a:r>
-            <a:endParaRPr sz="1900" b="1">
-              <a:latin typeface="Open Sans" panose="020B0306030504020204"/>
-              <a:ea typeface="Open Sans" panose="020B0306030504020204"/>
-              <a:cs typeface="Open Sans" panose="020B0306030504020204"/>
-              <a:sym typeface="Open Sans" panose="020B0306030504020204"/>
-            </a:endParaRPr>
-          </a:p>
-          <a:p>
-            <a:pPr marL="457200" lvl="0" indent="0" algn="l" rtl="0">
-              <a:spcBef>
-                <a:spcPts val="1600"/>
-              </a:spcBef>
-              <a:spcAft>
-                <a:spcPts val="0"/>
-              </a:spcAft>
-              <a:buNone/>
-            </a:pPr>
-            <a:r>
-              <a:rPr lang="en-GB" sz="1700"/>
-              <a:t> </a:t>
-            </a:r>
-            <a:r>
-              <a:rPr lang="en-GB" sz="1700" u="sng">
-                <a:solidFill>
-                  <a:schemeClr val="hlink"/>
-                </a:solidFill>
-                <a:hlinkClick r:id="rId1"/>
-              </a:rPr>
-              <a:t>IT Best Practices document</a:t>
-            </a:r>
-            <a:r>
-              <a:rPr lang="en-GB" sz="1700"/>
-              <a:t> lists Backup schedule requirements</a:t>
-            </a:r>
-            <a:endParaRPr sz="1700"/>
-          </a:p>
-          <a:p>
-            <a:pPr marL="457200" lvl="0" indent="0" algn="l" rtl="0">
-              <a:lnSpc>
-                <a:spcPct val="100000"/>
-              </a:lnSpc>
-              <a:spcBef>
-                <a:spcPts val="1600"/>
-              </a:spcBef>
-              <a:spcAft>
-                <a:spcPts val="0"/>
-              </a:spcAft>
-              <a:buNone/>
-            </a:pPr>
             <a:endParaRPr sz="1700"/>
           </a:p>
           <a:p>
@@ -38213,6 +38504,144 @@
           </a:p>
         </p:txBody>
       </p:sp>
+      <p:graphicFrame>
+        <p:nvGraphicFramePr>
+          <p:cNvPr id="2" name="Table 1"/>
+          <p:cNvGraphicFramePr/>
+          <p:nvPr/>
+        </p:nvGraphicFramePr>
+        <p:xfrm>
+          <a:off x="789940" y="3661410"/>
+          <a:ext cx="5991860" cy="1442085"/>
+        </p:xfrm>
+        <a:graphic>
+          <a:graphicData uri="http://schemas.openxmlformats.org/drawingml/2006/table">
+            <a:tbl>
+              <a:tblPr firstRow="1" bandRow="1">
+                <a:tableStyleId>{5C22544A-7EE6-4342-B048-85BDC9FD1C3A}</a:tableStyleId>
+              </a:tblPr>
+              <a:tblGrid>
+                <a:gridCol w="2995930"/>
+                <a:gridCol w="2995930"/>
+              </a:tblGrid>
+              <a:tr h="387350">
+                <a:tc>
+                  <a:txBody>
+                    <a:bodyPr/>
+                    <a:p>
+                      <a:pPr>
+                        <a:buNone/>
+                      </a:pPr>
+                      <a:r>
+                        <a:rPr lang="en-US"/>
+                        <a:t>User</a:t>
+                      </a:r>
+                      <a:endParaRPr lang="en-US"/>
+                    </a:p>
+                  </a:txBody>
+                  <a:tcPr/>
+                </a:tc>
+                <a:tc>
+                  <a:txBody>
+                    <a:bodyPr/>
+                    <a:p>
+                      <a:pPr>
+                        <a:buNone/>
+                      </a:pPr>
+                      <a:r>
+                        <a:rPr lang="en-US"/>
+                        <a:t>Database Access Right</a:t>
+                      </a:r>
+                      <a:endParaRPr lang="en-US"/>
+                    </a:p>
+                  </a:txBody>
+                  <a:tcPr/>
+                </a:tc>
+              </a:tr>
+              <a:tr h="527685">
+                <a:tc>
+                  <a:txBody>
+                    <a:bodyPr/>
+                    <a:p>
+                      <a:pPr>
+                        <a:buNone/>
+                      </a:pPr>
+                      <a:r>
+                        <a:rPr lang="en-US"/>
+                        <a:t>General employees</a:t>
+                      </a:r>
+                      <a:endParaRPr lang="en-US"/>
+                    </a:p>
+                  </a:txBody>
+                  <a:tcPr/>
+                </a:tc>
+                <a:tc>
+                  <a:txBody>
+                    <a:bodyPr/>
+                    <a:p>
+                      <a:pPr>
+                        <a:buNone/>
+                      </a:pPr>
+                      <a:r>
+                        <a:rPr lang="en-US"/>
+                        <a:t>Read only acess</a:t>
+                      </a:r>
+                      <a:endParaRPr lang="en-US"/>
+                    </a:p>
+                    <a:p>
+                      <a:pPr>
+                        <a:buNone/>
+                      </a:pPr>
+                      <a:r>
+                        <a:rPr lang="en-US"/>
+                        <a:t>Restricted to salary infomation</a:t>
+                      </a:r>
+                      <a:endParaRPr lang="en-US"/>
+                    </a:p>
+                  </a:txBody>
+                  <a:tcPr/>
+                </a:tc>
+              </a:tr>
+              <a:tr h="527050">
+                <a:tc>
+                  <a:txBody>
+                    <a:bodyPr/>
+                    <a:p>
+                      <a:pPr>
+                        <a:buNone/>
+                      </a:pPr>
+                      <a:r>
+                        <a:rPr lang="en-US"/>
+                        <a:t>HR and Managment level employees</a:t>
+                      </a:r>
+                      <a:endParaRPr lang="en-US"/>
+                    </a:p>
+                  </a:txBody>
+                  <a:tcPr/>
+                </a:tc>
+                <a:tc>
+                  <a:txBody>
+                    <a:bodyPr/>
+                    <a:p>
+                      <a:pPr>
+                        <a:buNone/>
+                      </a:pPr>
+                      <a:r>
+                        <a:rPr lang="en-US" sz="1400">
+                          <a:sym typeface="+mn-ea"/>
+                        </a:rPr>
+                        <a:t>Read and Write acess</a:t>
+                      </a:r>
+                      <a:endParaRPr lang="en-US"/>
+                    </a:p>
+                  </a:txBody>
+                  <a:tcPr/>
+                </a:tc>
+              </a:tr>
+            </a:tbl>
+          </a:graphicData>
+        </a:graphic>
+      </p:graphicFrame>
     </p:spTree>
   </p:cSld>
   <p:clrMapOvr>

--- a/1- Designing an HR Database/proposal.pptx
+++ b/1- Designing an HR Database/proposal.pptx
@@ -27472,6 +27472,7 @@
               <a:rPr lang="en-US" sz="1800"/>
               <a:t>- The current required was not involve to higher level computations so that databases are stored on disk will be approriately with acceptable performance and costing.</a:t>
             </a:r>
+            <a:endParaRPr lang="en-US" sz="1800"/>
           </a:p>
           <a:p>
             <a:pPr marL="457200" lvl="0" algn="l" rtl="0">
@@ -28498,91 +28499,9 @@
               </a:spcAft>
               <a:buNone/>
             </a:pPr>
-            <a:r>
-              <a:rPr lang="en-GB" sz="1200">
-                <a:solidFill>
-                  <a:srgbClr val="525C65"/>
-                </a:solidFill>
-                <a:highlight>
-                  <a:srgbClr val="FFFFFF"/>
-                </a:highlight>
-                <a:latin typeface="Open Sans" panose="020B0306030504020204"/>
-                <a:ea typeface="Open Sans" panose="020B0306030504020204"/>
-                <a:cs typeface="Open Sans" panose="020B0306030504020204"/>
-                <a:sym typeface="Open Sans" panose="020B0306030504020204"/>
-              </a:rPr>
-              <a:t>Use Lucidchart’s built-in template for DBMS ER Diagram UML.</a:t>
-            </a:r>
             <a:endParaRPr sz="1200">
               <a:solidFill>
                 <a:srgbClr val="525C65"/>
-              </a:solidFill>
-              <a:highlight>
-                <a:srgbClr val="FFFFFF"/>
-              </a:highlight>
-              <a:latin typeface="Open Sans" panose="020B0306030504020204"/>
-              <a:ea typeface="Open Sans" panose="020B0306030504020204"/>
-              <a:cs typeface="Open Sans" panose="020B0306030504020204"/>
-              <a:sym typeface="Open Sans" panose="020B0306030504020204"/>
-            </a:endParaRPr>
-          </a:p>
-          <a:p>
-            <a:pPr marL="0" lvl="0" indent="0" algn="l" rtl="0">
-              <a:lnSpc>
-                <a:spcPct val="170000"/>
-              </a:lnSpc>
-              <a:spcBef>
-                <a:spcPts val="0"/>
-              </a:spcBef>
-              <a:spcAft>
-                <a:spcPts val="0"/>
-              </a:spcAft>
-              <a:buNone/>
-            </a:pPr>
-            <a:endParaRPr sz="1200">
-              <a:solidFill>
-                <a:srgbClr val="525C65"/>
-              </a:solidFill>
-              <a:highlight>
-                <a:srgbClr val="FFFFFF"/>
-              </a:highlight>
-              <a:latin typeface="Open Sans" panose="020B0306030504020204"/>
-              <a:ea typeface="Open Sans" panose="020B0306030504020204"/>
-              <a:cs typeface="Open Sans" panose="020B0306030504020204"/>
-              <a:sym typeface="Open Sans" panose="020B0306030504020204"/>
-            </a:endParaRPr>
-          </a:p>
-          <a:p>
-            <a:pPr marL="0" lvl="0" indent="0" algn="l" rtl="0">
-              <a:lnSpc>
-                <a:spcPct val="170000"/>
-              </a:lnSpc>
-              <a:spcBef>
-                <a:spcPts val="0"/>
-              </a:spcBef>
-              <a:spcAft>
-                <a:spcPts val="0"/>
-              </a:spcAft>
-              <a:buNone/>
-            </a:pPr>
-            <a:r>
-              <a:rPr lang="en-GB" sz="1200">
-                <a:solidFill>
-                  <a:srgbClr val="FF0000"/>
-                </a:solidFill>
-                <a:highlight>
-                  <a:srgbClr val="FFFFFF"/>
-                </a:highlight>
-                <a:latin typeface="Open Sans" panose="020B0306030504020204"/>
-                <a:ea typeface="Open Sans" panose="020B0306030504020204"/>
-                <a:cs typeface="Open Sans" panose="020B0306030504020204"/>
-                <a:sym typeface="Open Sans" panose="020B0306030504020204"/>
-              </a:rPr>
-              <a:t>** Replace example screenshot below with your response</a:t>
-            </a:r>
-            <a:endParaRPr sz="1200">
-              <a:solidFill>
-                <a:srgbClr val="FF0000"/>
               </a:solidFill>
               <a:highlight>
                 <a:srgbClr val="FFFFFF"/>
@@ -28640,8 +28559,10 @@
       </p:sp>
       <p:pic>
         <p:nvPicPr>
-          <p:cNvPr id="250" name="Google Shape;250;p62"/>
-          <p:cNvPicPr preferRelativeResize="0"/>
+          <p:cNvPr id="1" name="Picture 0" descr="Conceptual ERD"/>
+          <p:cNvPicPr>
+            <a:picLocks noChangeAspect="1"/>
+          </p:cNvPicPr>
           <p:nvPr/>
         </p:nvPicPr>
         <p:blipFill>
@@ -28652,22 +28573,12 @@
         </p:blipFill>
         <p:spPr>
           <a:xfrm>
-            <a:off x="755850" y="5786403"/>
-            <a:ext cx="6085425" cy="2570274"/>
+            <a:off x="374015" y="5029200"/>
+            <a:ext cx="6415405" cy="3179445"/>
           </a:xfrm>
           <a:prstGeom prst="rect">
             <a:avLst/>
           </a:prstGeom>
-          <a:noFill/>
-          <a:ln w="9525" cap="flat" cmpd="sng">
-            <a:solidFill>
-              <a:schemeClr val="dk2"/>
-            </a:solidFill>
-            <a:prstDash val="solid"/>
-            <a:round/>
-            <a:headEnd type="none" w="sm" len="sm"/>
-            <a:tailEnd type="none" w="sm" len="sm"/>
-          </a:ln>
         </p:spPr>
       </p:pic>
     </p:spTree>
@@ -28813,159 +28724,6 @@
               </a:rPr>
               <a:t>The logical model is the next level of refinement from the conceptual ERD. At this point, you should have normalized the data to the 3NF. Attributes should also be listed now in the ERD. You can still use human-friendly entity and attribute names in the logical model, and while relationship lines are required, Crow's foot notation is still not needed at this point.</a:t>
             </a:r>
-            <a:endParaRPr sz="1400">
-              <a:solidFill>
-                <a:srgbClr val="525C65"/>
-              </a:solidFill>
-              <a:highlight>
-                <a:srgbClr val="FFFFFF"/>
-              </a:highlight>
-              <a:latin typeface="Open Sans" panose="020B0306030504020204"/>
-              <a:ea typeface="Open Sans" panose="020B0306030504020204"/>
-              <a:cs typeface="Open Sans" panose="020B0306030504020204"/>
-              <a:sym typeface="Open Sans" panose="020B0306030504020204"/>
-            </a:endParaRPr>
-          </a:p>
-          <a:p>
-            <a:pPr marL="0" lvl="0" indent="0" algn="l" rtl="0">
-              <a:lnSpc>
-                <a:spcPct val="170000"/>
-              </a:lnSpc>
-              <a:spcBef>
-                <a:spcPts val="1100"/>
-              </a:spcBef>
-              <a:spcAft>
-                <a:spcPts val="0"/>
-              </a:spcAft>
-              <a:buNone/>
-            </a:pPr>
-            <a:r>
-              <a:rPr lang="en-GB" sz="1400">
-                <a:solidFill>
-                  <a:srgbClr val="525C65"/>
-                </a:solidFill>
-                <a:highlight>
-                  <a:srgbClr val="FFFFFF"/>
-                </a:highlight>
-                <a:latin typeface="Open Sans" panose="020B0306030504020204"/>
-                <a:ea typeface="Open Sans" panose="020B0306030504020204"/>
-                <a:cs typeface="Open Sans" panose="020B0306030504020204"/>
-                <a:sym typeface="Open Sans" panose="020B0306030504020204"/>
-              </a:rPr>
-              <a:t>Use Lucidchart’s built-in template for DBMS ER Diagram UML.</a:t>
-            </a:r>
-            <a:endParaRPr sz="1400">
-              <a:solidFill>
-                <a:srgbClr val="525C65"/>
-              </a:solidFill>
-              <a:highlight>
-                <a:srgbClr val="FFFFFF"/>
-              </a:highlight>
-              <a:latin typeface="Open Sans" panose="020B0306030504020204"/>
-              <a:ea typeface="Open Sans" panose="020B0306030504020204"/>
-              <a:cs typeface="Open Sans" panose="020B0306030504020204"/>
-              <a:sym typeface="Open Sans" panose="020B0306030504020204"/>
-            </a:endParaRPr>
-          </a:p>
-          <a:p>
-            <a:pPr marL="0" lvl="0" indent="0" algn="l" rtl="0">
-              <a:lnSpc>
-                <a:spcPct val="170000"/>
-              </a:lnSpc>
-              <a:spcBef>
-                <a:spcPts val="0"/>
-              </a:spcBef>
-              <a:spcAft>
-                <a:spcPts val="0"/>
-              </a:spcAft>
-              <a:buClr>
-                <a:schemeClr val="dk1"/>
-              </a:buClr>
-              <a:buSzPts val="1100"/>
-              <a:buFont typeface="Arial" panose="020B0604020202020204"/>
-              <a:buNone/>
-            </a:pPr>
-            <a:endParaRPr sz="1200">
-              <a:solidFill>
-                <a:srgbClr val="525C65"/>
-              </a:solidFill>
-              <a:highlight>
-                <a:schemeClr val="lt1"/>
-              </a:highlight>
-              <a:latin typeface="Open Sans" panose="020B0306030504020204"/>
-              <a:ea typeface="Open Sans" panose="020B0306030504020204"/>
-              <a:cs typeface="Open Sans" panose="020B0306030504020204"/>
-              <a:sym typeface="Open Sans" panose="020B0306030504020204"/>
-            </a:endParaRPr>
-          </a:p>
-          <a:p>
-            <a:pPr marL="0" lvl="0" indent="0" algn="l" rtl="0">
-              <a:lnSpc>
-                <a:spcPct val="170000"/>
-              </a:lnSpc>
-              <a:spcBef>
-                <a:spcPts val="0"/>
-              </a:spcBef>
-              <a:spcAft>
-                <a:spcPts val="0"/>
-              </a:spcAft>
-              <a:buClr>
-                <a:schemeClr val="dk1"/>
-              </a:buClr>
-              <a:buSzPts val="1100"/>
-              <a:buFont typeface="Arial" panose="020B0604020202020204"/>
-              <a:buNone/>
-            </a:pPr>
-            <a:r>
-              <a:rPr lang="en-GB" sz="1200">
-                <a:solidFill>
-                  <a:srgbClr val="FF0000"/>
-                </a:solidFill>
-                <a:highlight>
-                  <a:schemeClr val="lt1"/>
-                </a:highlight>
-                <a:latin typeface="Open Sans" panose="020B0306030504020204"/>
-                <a:ea typeface="Open Sans" panose="020B0306030504020204"/>
-                <a:cs typeface="Open Sans" panose="020B0306030504020204"/>
-                <a:sym typeface="Open Sans" panose="020B0306030504020204"/>
-              </a:rPr>
-              <a:t>** Replace example screenshot below with your response</a:t>
-            </a:r>
-            <a:endParaRPr sz="1400">
-              <a:solidFill>
-                <a:srgbClr val="525C65"/>
-              </a:solidFill>
-              <a:highlight>
-                <a:srgbClr val="FFFFFF"/>
-              </a:highlight>
-              <a:latin typeface="Open Sans" panose="020B0306030504020204"/>
-              <a:ea typeface="Open Sans" panose="020B0306030504020204"/>
-              <a:cs typeface="Open Sans" panose="020B0306030504020204"/>
-              <a:sym typeface="Open Sans" panose="020B0306030504020204"/>
-            </a:endParaRPr>
-          </a:p>
-          <a:p>
-            <a:pPr marL="457200" lvl="0" indent="0" algn="l" rtl="0">
-              <a:spcBef>
-                <a:spcPts val="0"/>
-              </a:spcBef>
-              <a:spcAft>
-                <a:spcPts val="0"/>
-              </a:spcAft>
-              <a:buNone/>
-            </a:pPr>
-            <a:endParaRPr sz="1900"/>
-          </a:p>
-          <a:p>
-            <a:pPr marL="0" lvl="0" indent="0" algn="l" rtl="0">
-              <a:spcBef>
-                <a:spcPts val="1600"/>
-              </a:spcBef>
-              <a:spcAft>
-                <a:spcPts val="0"/>
-              </a:spcAft>
-              <a:buNone/>
-            </a:pPr>
             <a:endParaRPr sz="1900"/>
           </a:p>
           <a:p>
@@ -29008,8 +28766,10 @@
       </p:sp>
       <p:pic>
         <p:nvPicPr>
-          <p:cNvPr id="257" name="Google Shape;257;p63"/>
-          <p:cNvPicPr preferRelativeResize="0"/>
+          <p:cNvPr id="2" name="Picture 1" descr="Logical ERD"/>
+          <p:cNvPicPr>
+            <a:picLocks noChangeAspect="1"/>
+          </p:cNvPicPr>
           <p:nvPr/>
         </p:nvPicPr>
         <p:blipFill>
@@ -29020,22 +28780,12 @@
         </p:blipFill>
         <p:spPr>
           <a:xfrm>
-            <a:off x="484950" y="5969175"/>
-            <a:ext cx="6802502" cy="3038826"/>
+            <a:off x="0" y="5101590"/>
+            <a:ext cx="7772400" cy="3780790"/>
           </a:xfrm>
           <a:prstGeom prst="rect">
             <a:avLst/>
           </a:prstGeom>
-          <a:noFill/>
-          <a:ln w="9525" cap="flat" cmpd="sng">
-            <a:solidFill>
-              <a:schemeClr val="dk2"/>
-            </a:solidFill>
-            <a:prstDash val="solid"/>
-            <a:round/>
-            <a:headEnd type="none" w="sm" len="sm"/>
-            <a:tailEnd type="none" w="sm" len="sm"/>
-          </a:ln>
         </p:spPr>
       </p:pic>
     </p:spTree>
@@ -29181,75 +28931,6 @@
               </a:rPr>
               <a:t>The physical model is what will be built in the database. Each entity should represent a database table, complete with column names and data types. Primary keys and foreign keys should also be represented here. Primary keys should be in bold type with the (PK) designation following the field name. Foreign keys should be in normal type face, but have the designation (FK) after the column name. Finally, in the physical model, Crow's foot notation is important.</a:t>
             </a:r>
-            <a:endParaRPr sz="1200">
-              <a:solidFill>
-                <a:srgbClr val="525C65"/>
-              </a:solidFill>
-              <a:highlight>
-                <a:schemeClr val="lt1"/>
-              </a:highlight>
-              <a:latin typeface="Open Sans" panose="020B0306030504020204"/>
-              <a:ea typeface="Open Sans" panose="020B0306030504020204"/>
-              <a:cs typeface="Open Sans" panose="020B0306030504020204"/>
-              <a:sym typeface="Open Sans" panose="020B0306030504020204"/>
-            </a:endParaRPr>
-          </a:p>
-          <a:p>
-            <a:pPr marL="0" lvl="0" indent="0" algn="l" rtl="0">
-              <a:lnSpc>
-                <a:spcPct val="170000"/>
-              </a:lnSpc>
-              <a:spcBef>
-                <a:spcPts val="1600"/>
-              </a:spcBef>
-              <a:spcAft>
-                <a:spcPts val="0"/>
-              </a:spcAft>
-              <a:buClr>
-                <a:schemeClr val="dk1"/>
-              </a:buClr>
-              <a:buSzPts val="1100"/>
-              <a:buFont typeface="Arial" panose="020B0604020202020204"/>
-              <a:buNone/>
-            </a:pPr>
-            <a:r>
-              <a:rPr lang="en-GB" sz="1200">
-                <a:solidFill>
-                  <a:srgbClr val="FF0000"/>
-                </a:solidFill>
-                <a:highlight>
-                  <a:schemeClr val="lt1"/>
-                </a:highlight>
-                <a:latin typeface="Open Sans" panose="020B0306030504020204"/>
-                <a:ea typeface="Open Sans" panose="020B0306030504020204"/>
-                <a:cs typeface="Open Sans" panose="020B0306030504020204"/>
-                <a:sym typeface="Open Sans" panose="020B0306030504020204"/>
-              </a:rPr>
-              <a:t>** Replace example screenshot below with your response</a:t>
-            </a:r>
-            <a:endParaRPr sz="1500">
-              <a:solidFill>
-                <a:srgbClr val="525C65"/>
-              </a:solidFill>
-              <a:highlight>
-                <a:srgbClr val="FFFFFF"/>
-              </a:highlight>
-              <a:latin typeface="Open Sans" panose="020B0306030504020204"/>
-              <a:ea typeface="Open Sans" panose="020B0306030504020204"/>
-              <a:cs typeface="Open Sans" panose="020B0306030504020204"/>
-              <a:sym typeface="Open Sans" panose="020B0306030504020204"/>
-            </a:endParaRPr>
-          </a:p>
-          <a:p>
-            <a:pPr marL="457200" lvl="0" indent="0" algn="l" rtl="0">
-              <a:spcBef>
-                <a:spcPts val="0"/>
-              </a:spcBef>
-              <a:spcAft>
-                <a:spcPts val="1600"/>
-              </a:spcAft>
-              <a:buNone/>
-            </a:pPr>
             <a:endParaRPr sz="1500">
               <a:solidFill>
                 <a:srgbClr val="525C65"/>
@@ -29267,8 +28948,10 @@
       </p:sp>
       <p:pic>
         <p:nvPicPr>
-          <p:cNvPr id="264" name="Google Shape;264;p64"/>
-          <p:cNvPicPr preferRelativeResize="0"/>
+          <p:cNvPr id="2" name="Picture 1" descr="Physical ERD"/>
+          <p:cNvPicPr>
+            <a:picLocks noChangeAspect="1"/>
+          </p:cNvPicPr>
           <p:nvPr/>
         </p:nvPicPr>
         <p:blipFill>
@@ -29279,22 +28962,12 @@
         </p:blipFill>
         <p:spPr>
           <a:xfrm>
-            <a:off x="832174" y="5859975"/>
-            <a:ext cx="6108049" cy="3630424"/>
+            <a:off x="0" y="4957445"/>
+            <a:ext cx="7772400" cy="3357880"/>
           </a:xfrm>
           <a:prstGeom prst="rect">
             <a:avLst/>
           </a:prstGeom>
-          <a:noFill/>
-          <a:ln w="9525" cap="flat" cmpd="sng">
-            <a:solidFill>
-              <a:schemeClr val="dk2"/>
-            </a:solidFill>
-            <a:prstDash val="solid"/>
-            <a:round/>
-            <a:headEnd type="none" w="sm" len="sm"/>
-            <a:tailEnd type="none" w="sm" len="sm"/>
-          </a:ln>
         </p:spPr>
       </p:pic>
     </p:spTree>

--- a/1- Designing an HR Database/proposal.pptx
+++ b/1- Designing an HR Database/proposal.pptx
@@ -29,42 +29,44 @@
     <p:sldId id="270" r:id="rId22"/>
     <p:sldId id="271" r:id="rId23"/>
     <p:sldId id="272" r:id="rId24"/>
-    <p:sldId id="273" r:id="rId25"/>
-    <p:sldId id="274" r:id="rId26"/>
-    <p:sldId id="275" r:id="rId27"/>
-    <p:sldId id="276" r:id="rId28"/>
-    <p:sldId id="277" r:id="rId29"/>
-    <p:sldId id="278" r:id="rId30"/>
-    <p:sldId id="279" r:id="rId31"/>
-    <p:sldId id="280" r:id="rId32"/>
-    <p:sldId id="281" r:id="rId33"/>
-    <p:sldId id="282" r:id="rId34"/>
-    <p:sldId id="283" r:id="rId35"/>
-    <p:sldId id="284" r:id="rId36"/>
-    <p:sldId id="285" r:id="rId37"/>
-    <p:sldId id="286" r:id="rId38"/>
+    <p:sldId id="336" r:id="rId25"/>
+    <p:sldId id="337" r:id="rId26"/>
+    <p:sldId id="273" r:id="rId27"/>
+    <p:sldId id="274" r:id="rId28"/>
+    <p:sldId id="275" r:id="rId29"/>
+    <p:sldId id="276" r:id="rId30"/>
+    <p:sldId id="277" r:id="rId31"/>
+    <p:sldId id="278" r:id="rId32"/>
+    <p:sldId id="279" r:id="rId33"/>
+    <p:sldId id="280" r:id="rId34"/>
+    <p:sldId id="281" r:id="rId35"/>
+    <p:sldId id="282" r:id="rId36"/>
+    <p:sldId id="283" r:id="rId37"/>
+    <p:sldId id="284" r:id="rId38"/>
+    <p:sldId id="285" r:id="rId39"/>
+    <p:sldId id="286" r:id="rId40"/>
   </p:sldIdLst>
   <p:sldSz cx="7772400" cy="10058400"/>
   <p:notesSz cx="6858000" cy="9144000"/>
   <p:embeddedFontLst>
     <p:embeddedFont>
       <p:font typeface="Open Sans" panose="020B0306030504020204"/>
-      <p:regular r:id="rId42"/>
+      <p:regular r:id="rId44"/>
     </p:embeddedFont>
     <p:embeddedFont>
       <p:font typeface="Helvetica Neue" panose="020B0604020202020204"/>
-      <p:regular r:id="rId43"/>
+      <p:regular r:id="rId45"/>
     </p:embeddedFont>
     <p:embeddedFont>
       <p:font typeface="Open Sans Light" panose="020B0306030504020204"/>
-      <p:regular r:id="rId44"/>
+      <p:regular r:id="rId46"/>
     </p:embeddedFont>
     <p:embeddedFont>
       <p:font typeface="Source Code Pro" panose="020B0509030403020204"/>
-      <p:regular r:id="rId45"/>
-      <p:bold r:id="rId46"/>
-      <p:italic r:id="rId47"/>
-      <p:boldItalic r:id="rId48"/>
+      <p:regular r:id="rId47"/>
+      <p:bold r:id="rId48"/>
+      <p:italic r:id="rId49"/>
+      <p:boldItalic r:id="rId50"/>
     </p:embeddedFont>
   </p:embeddedFontLst>
   <p:defaultTextStyle>
@@ -28559,7 +28561,7 @@
       </p:sp>
       <p:pic>
         <p:nvPicPr>
-          <p:cNvPr id="1" name="Picture 0" descr="Conceptual ERD"/>
+          <p:cNvPr id="3" name="Picture 2"/>
           <p:cNvPicPr>
             <a:picLocks noChangeAspect="1"/>
           </p:cNvPicPr>
@@ -28573,8 +28575,8 @@
         </p:blipFill>
         <p:spPr>
           <a:xfrm>
-            <a:off x="374015" y="5029200"/>
-            <a:ext cx="6415405" cy="3179445"/>
+            <a:off x="69850" y="4741545"/>
+            <a:ext cx="7593330" cy="1854200"/>
           </a:xfrm>
           <a:prstGeom prst="rect">
             <a:avLst/>
@@ -28766,7 +28768,7 @@
       </p:sp>
       <p:pic>
         <p:nvPicPr>
-          <p:cNvPr id="2" name="Picture 1" descr="Logical ERD"/>
+          <p:cNvPr id="4" name="Picture 3"/>
           <p:cNvPicPr>
             <a:picLocks noChangeAspect="1"/>
           </p:cNvPicPr>
@@ -28780,8 +28782,8 @@
         </p:blipFill>
         <p:spPr>
           <a:xfrm>
-            <a:off x="0" y="5101590"/>
-            <a:ext cx="7772400" cy="3780790"/>
+            <a:off x="-1905" y="4813300"/>
+            <a:ext cx="7757795" cy="2872105"/>
           </a:xfrm>
           <a:prstGeom prst="rect">
             <a:avLst/>
@@ -28948,7 +28950,7 @@
       </p:sp>
       <p:pic>
         <p:nvPicPr>
-          <p:cNvPr id="2" name="Picture 1" descr="Physical ERD"/>
+          <p:cNvPr id="3" name="Picture 2"/>
           <p:cNvPicPr>
             <a:picLocks noChangeAspect="1"/>
           </p:cNvPicPr>
@@ -28962,8 +28964,8 @@
         </p:blipFill>
         <p:spPr>
           <a:xfrm>
-            <a:off x="0" y="4957445"/>
-            <a:ext cx="7772400" cy="3357880"/>
+            <a:off x="71755" y="4237355"/>
+            <a:ext cx="7677785" cy="2038985"/>
           </a:xfrm>
           <a:prstGeom prst="rect">
             <a:avLst/>
@@ -30129,7 +30131,7 @@
         </p:nvSpPr>
         <p:spPr>
           <a:xfrm>
-            <a:off x="264950" y="2253724"/>
+            <a:off x="264950" y="2148949"/>
             <a:ext cx="7242600" cy="7731900"/>
           </a:xfrm>
           <a:prstGeom prst="rect">
@@ -30334,18 +30336,7 @@
               </a:spcAft>
               <a:buNone/>
             </a:pPr>
-            <a:endParaRPr sz="1350">
-              <a:solidFill>
-                <a:srgbClr val="2E3D49"/>
-              </a:solidFill>
-              <a:highlight>
-                <a:srgbClr val="FFFFFF"/>
-              </a:highlight>
-              <a:latin typeface="Open Sans" panose="020B0306030504020204"/>
-              <a:ea typeface="Open Sans" panose="020B0306030504020204"/>
-              <a:cs typeface="Open Sans" panose="020B0306030504020204"/>
-              <a:sym typeface="Open Sans" panose="020B0306030504020204"/>
-            </a:endParaRPr>
+            <a:endParaRPr sz="1900"/>
           </a:p>
           <a:p>
             <a:pPr marL="241300" marR="241300" lvl="0" indent="0" algn="l" rtl="0">
@@ -30358,43 +30349,19 @@
               <a:spcAft>
                 <a:spcPts val="0"/>
               </a:spcAft>
-              <a:buClr>
-                <a:schemeClr val="dk1"/>
-              </a:buClr>
-              <a:buSzPts val="1100"/>
-              <a:buFont typeface="Arial" panose="020B0604020202020204"/>
               <a:buNone/>
             </a:pPr>
             <a:r>
-              <a:rPr lang="en-GB" sz="1350">
-                <a:solidFill>
-                  <a:srgbClr val="FF0000"/>
-                </a:solidFill>
-                <a:highlight>
-                  <a:srgbClr val="FFFFFF"/>
-                </a:highlight>
-                <a:latin typeface="Open Sans" panose="020B0306030504020204"/>
-                <a:ea typeface="Open Sans" panose="020B0306030504020204"/>
-                <a:cs typeface="Open Sans" panose="020B0306030504020204"/>
-                <a:sym typeface="Open Sans" panose="020B0306030504020204"/>
-              </a:rPr>
-              <a:t>Remember to submit the related SQL file as well, not just a screenshot (replace the below screenshot).</a:t>
+              <a:rPr lang="en-US" sz="1900"/>
+              <a:t>1. EDUCATIONS Table:</a:t>
             </a:r>
-            <a:endParaRPr sz="1350">
-              <a:solidFill>
-                <a:srgbClr val="FF0000"/>
-              </a:solidFill>
-              <a:highlight>
-                <a:srgbClr val="FFFFFF"/>
-              </a:highlight>
-              <a:latin typeface="Open Sans" panose="020B0306030504020204"/>
-              <a:ea typeface="Open Sans" panose="020B0306030504020204"/>
-              <a:cs typeface="Open Sans" panose="020B0306030504020204"/>
-              <a:sym typeface="Open Sans" panose="020B0306030504020204"/>
-            </a:endParaRPr>
+            <a:endParaRPr lang="en-US" sz="1900"/>
           </a:p>
           <a:p>
-            <a:pPr marL="457200" lvl="0" indent="0" algn="l" rtl="0">
+            <a:pPr marL="241300" marR="241300" lvl="0" indent="0" algn="l" rtl="0">
+              <a:lnSpc>
+                <a:spcPct val="100000"/>
+              </a:lnSpc>
               <a:spcBef>
                 <a:spcPts val="0"/>
               </a:spcBef>
@@ -30403,77 +30370,313 @@
               </a:spcAft>
               <a:buNone/>
             </a:pPr>
-            <a:endParaRPr sz="1900"/>
+            <a:endParaRPr lang="en-US" sz="1900"/>
           </a:p>
           <a:p>
-            <a:pPr marL="457200" lvl="0" indent="0" algn="l" rtl="0">
-              <a:spcBef>
-                <a:spcPts val="1600"/>
+            <a:pPr marL="241300" marR="241300" lvl="0" indent="0" algn="l" rtl="0">
+              <a:lnSpc>
+                <a:spcPct val="100000"/>
+              </a:lnSpc>
+              <a:spcBef>
+                <a:spcPts val="0"/>
               </a:spcBef>
               <a:spcAft>
                 <a:spcPts val="0"/>
               </a:spcAft>
               <a:buNone/>
             </a:pPr>
-            <a:endParaRPr sz="1900"/>
+            <a:endParaRPr lang="en-US" sz="1900"/>
           </a:p>
           <a:p>
-            <a:pPr marL="457200" lvl="0" indent="0" algn="l" rtl="0">
-              <a:spcBef>
-                <a:spcPts val="1600"/>
+            <a:pPr marL="241300" marR="241300" lvl="0" indent="0" algn="l" rtl="0">
+              <a:lnSpc>
+                <a:spcPct val="100000"/>
+              </a:lnSpc>
+              <a:spcBef>
+                <a:spcPts val="0"/>
               </a:spcBef>
               <a:spcAft>
                 <a:spcPts val="0"/>
               </a:spcAft>
               <a:buNone/>
             </a:pPr>
-            <a:endParaRPr sz="1900"/>
+            <a:endParaRPr lang="en-US" sz="1900"/>
           </a:p>
           <a:p>
-            <a:pPr marL="457200" lvl="0" indent="0" algn="l" rtl="0">
-              <a:spcBef>
-                <a:spcPts val="1600"/>
-              </a:spcBef>
-              <a:spcAft>
-                <a:spcPts val="1600"/>
+            <a:pPr marL="241300" marR="241300" lvl="0" indent="0" algn="l" rtl="0">
+              <a:lnSpc>
+                <a:spcPct val="100000"/>
+              </a:lnSpc>
+              <a:spcBef>
+                <a:spcPts val="0"/>
+              </a:spcBef>
+              <a:spcAft>
+                <a:spcPts val="0"/>
               </a:spcAft>
               <a:buNone/>
             </a:pPr>
-            <a:endParaRPr sz="1900"/>
+            <a:endParaRPr lang="en-US" sz="1900"/>
+          </a:p>
+          <a:p>
+            <a:pPr marL="241300" marR="241300" lvl="0" indent="0" algn="l" rtl="0">
+              <a:lnSpc>
+                <a:spcPct val="100000"/>
+              </a:lnSpc>
+              <a:spcBef>
+                <a:spcPts val="0"/>
+              </a:spcBef>
+              <a:spcAft>
+                <a:spcPts val="0"/>
+              </a:spcAft>
+              <a:buNone/>
+            </a:pPr>
+            <a:endParaRPr lang="en-US" sz="1900"/>
+          </a:p>
+          <a:p>
+            <a:pPr marL="241300" marR="241300" lvl="0" indent="0" algn="l" rtl="0">
+              <a:lnSpc>
+                <a:spcPct val="100000"/>
+              </a:lnSpc>
+              <a:spcBef>
+                <a:spcPts val="0"/>
+              </a:spcBef>
+              <a:spcAft>
+                <a:spcPts val="0"/>
+              </a:spcAft>
+              <a:buNone/>
+            </a:pPr>
+            <a:r>
+              <a:rPr lang="en-US" sz="1900"/>
+              <a:t>2. JOBS Table:</a:t>
+            </a:r>
+            <a:endParaRPr lang="en-US" sz="1900"/>
+          </a:p>
+          <a:p>
+            <a:pPr marL="241300" marR="241300" lvl="0" indent="0" algn="l" rtl="0">
+              <a:lnSpc>
+                <a:spcPct val="100000"/>
+              </a:lnSpc>
+              <a:spcBef>
+                <a:spcPts val="0"/>
+              </a:spcBef>
+              <a:spcAft>
+                <a:spcPts val="0"/>
+              </a:spcAft>
+              <a:buNone/>
+            </a:pPr>
+            <a:endParaRPr lang="en-US" sz="1900"/>
+          </a:p>
+          <a:p>
+            <a:pPr marL="241300" marR="241300" lvl="0" indent="0" algn="l" rtl="0">
+              <a:lnSpc>
+                <a:spcPct val="100000"/>
+              </a:lnSpc>
+              <a:spcBef>
+                <a:spcPts val="0"/>
+              </a:spcBef>
+              <a:spcAft>
+                <a:spcPts val="0"/>
+              </a:spcAft>
+              <a:buNone/>
+            </a:pPr>
+            <a:endParaRPr lang="en-US" sz="1900"/>
+          </a:p>
+          <a:p>
+            <a:pPr marL="241300" marR="241300" lvl="0" indent="0" algn="l" rtl="0">
+              <a:lnSpc>
+                <a:spcPct val="100000"/>
+              </a:lnSpc>
+              <a:spcBef>
+                <a:spcPts val="0"/>
+              </a:spcBef>
+              <a:spcAft>
+                <a:spcPts val="0"/>
+              </a:spcAft>
+              <a:buNone/>
+            </a:pPr>
+            <a:endParaRPr lang="en-US" sz="1900"/>
+          </a:p>
+          <a:p>
+            <a:pPr marL="241300" marR="241300" lvl="0" indent="0" algn="l" rtl="0">
+              <a:lnSpc>
+                <a:spcPct val="100000"/>
+              </a:lnSpc>
+              <a:spcBef>
+                <a:spcPts val="0"/>
+              </a:spcBef>
+              <a:spcAft>
+                <a:spcPts val="0"/>
+              </a:spcAft>
+              <a:buNone/>
+            </a:pPr>
+            <a:endParaRPr lang="en-US" sz="1900"/>
+          </a:p>
+          <a:p>
+            <a:pPr marL="241300" marR="241300" lvl="0" indent="0" algn="l" rtl="0">
+              <a:lnSpc>
+                <a:spcPct val="100000"/>
+              </a:lnSpc>
+              <a:spcBef>
+                <a:spcPts val="0"/>
+              </a:spcBef>
+              <a:spcAft>
+                <a:spcPts val="0"/>
+              </a:spcAft>
+              <a:buNone/>
+            </a:pPr>
+            <a:endParaRPr lang="en-US" sz="1900"/>
+          </a:p>
+          <a:p>
+            <a:pPr marL="241300" marR="241300" lvl="0" indent="0" algn="l" rtl="0">
+              <a:lnSpc>
+                <a:spcPct val="100000"/>
+              </a:lnSpc>
+              <a:spcBef>
+                <a:spcPts val="0"/>
+              </a:spcBef>
+              <a:spcAft>
+                <a:spcPts val="0"/>
+              </a:spcAft>
+              <a:buNone/>
+            </a:pPr>
+            <a:r>
+              <a:rPr lang="en-US" sz="1900"/>
+              <a:t>3. STATES Table:</a:t>
+            </a:r>
+            <a:endParaRPr lang="en-US" sz="1900"/>
+          </a:p>
+          <a:p>
+            <a:pPr marL="241300" marR="241300" lvl="0" indent="0" algn="l" rtl="0">
+              <a:lnSpc>
+                <a:spcPct val="100000"/>
+              </a:lnSpc>
+              <a:spcBef>
+                <a:spcPts val="0"/>
+              </a:spcBef>
+              <a:spcAft>
+                <a:spcPts val="0"/>
+              </a:spcAft>
+              <a:buNone/>
+            </a:pPr>
+            <a:endParaRPr lang="en-US" sz="1900"/>
+          </a:p>
+          <a:p>
+            <a:pPr marL="241300" marR="241300" lvl="0" indent="0" algn="l" rtl="0">
+              <a:lnSpc>
+                <a:spcPct val="100000"/>
+              </a:lnSpc>
+              <a:spcBef>
+                <a:spcPts val="0"/>
+              </a:spcBef>
+              <a:spcAft>
+                <a:spcPts val="0"/>
+              </a:spcAft>
+              <a:buNone/>
+            </a:pPr>
+            <a:endParaRPr lang="en-US" sz="1900"/>
+          </a:p>
+          <a:p>
+            <a:pPr marL="241300" marR="241300" lvl="0" indent="0" algn="l" rtl="0">
+              <a:lnSpc>
+                <a:spcPct val="100000"/>
+              </a:lnSpc>
+              <a:spcBef>
+                <a:spcPts val="0"/>
+              </a:spcBef>
+              <a:spcAft>
+                <a:spcPts val="0"/>
+              </a:spcAft>
+              <a:buNone/>
+            </a:pPr>
+            <a:endParaRPr lang="en-US" sz="1900"/>
+          </a:p>
+          <a:p>
+            <a:pPr marL="241300" marR="241300" lvl="0" indent="0" algn="l" rtl="0">
+              <a:lnSpc>
+                <a:spcPct val="100000"/>
+              </a:lnSpc>
+              <a:spcBef>
+                <a:spcPts val="0"/>
+              </a:spcBef>
+              <a:spcAft>
+                <a:spcPts val="0"/>
+              </a:spcAft>
+              <a:buNone/>
+            </a:pPr>
+            <a:endParaRPr lang="en-US" sz="1900"/>
           </a:p>
         </p:txBody>
       </p:sp>
       <p:pic>
         <p:nvPicPr>
-          <p:cNvPr id="283" name="Google Shape;283;p67"/>
-          <p:cNvPicPr preferRelativeResize="0"/>
+          <p:cNvPr id="1" name="Picture 0"/>
+          <p:cNvPicPr>
+            <a:picLocks noChangeAspect="1"/>
+          </p:cNvPicPr>
           <p:nvPr/>
         </p:nvPicPr>
-        <p:blipFill rotWithShape="1">
+        <p:blipFill>
           <a:blip r:embed="rId1"/>
-          <a:srcRect l="2818" t="2391"/>
           <a:stretch>
             <a:fillRect/>
           </a:stretch>
         </p:blipFill>
         <p:spPr>
           <a:xfrm>
-            <a:off x="1641775" y="5527975"/>
-            <a:ext cx="3823475" cy="3971125"/>
+            <a:off x="574040" y="5245100"/>
+            <a:ext cx="5133975" cy="1257300"/>
           </a:xfrm>
           <a:prstGeom prst="rect">
             <a:avLst/>
           </a:prstGeom>
-          <a:noFill/>
-          <a:ln w="9525" cap="flat" cmpd="sng">
-            <a:solidFill>
-              <a:schemeClr val="dk2"/>
-            </a:solidFill>
-            <a:prstDash val="solid"/>
-            <a:round/>
-            <a:headEnd type="none" w="sm" len="sm"/>
-            <a:tailEnd type="none" w="sm" len="sm"/>
-          </a:ln>
+        </p:spPr>
+      </p:pic>
+      <p:pic>
+        <p:nvPicPr>
+          <p:cNvPr id="2" name="Picture 1"/>
+          <p:cNvPicPr>
+            <a:picLocks noChangeAspect="1"/>
+          </p:cNvPicPr>
+          <p:nvPr/>
+        </p:nvPicPr>
+        <p:blipFill>
+          <a:blip r:embed="rId2"/>
+          <a:stretch>
+            <a:fillRect/>
+          </a:stretch>
+        </p:blipFill>
+        <p:spPr>
+          <a:xfrm>
+            <a:off x="501650" y="6973570"/>
+            <a:ext cx="4314825" cy="1228725"/>
+          </a:xfrm>
+          <a:prstGeom prst="rect">
+            <a:avLst/>
+          </a:prstGeom>
+        </p:spPr>
+      </p:pic>
+      <p:pic>
+        <p:nvPicPr>
+          <p:cNvPr id="3" name="Picture 2"/>
+          <p:cNvPicPr>
+            <a:picLocks noChangeAspect="1"/>
+          </p:cNvPicPr>
+          <p:nvPr/>
+        </p:nvPicPr>
+        <p:blipFill>
+          <a:blip r:embed="rId3"/>
+          <a:stretch>
+            <a:fillRect/>
+          </a:stretch>
+        </p:blipFill>
+        <p:spPr>
+          <a:xfrm>
+            <a:off x="501650" y="8629650"/>
+            <a:ext cx="4486275" cy="1304925"/>
+          </a:xfrm>
+          <a:prstGeom prst="rect">
+            <a:avLst/>
+          </a:prstGeom>
         </p:spPr>
       </p:pic>
     </p:spTree>
@@ -30489,61 +30692,14 @@
   <p:cSld>
     <p:spTree>
       <p:nvGrpSpPr>
-        <p:cNvPr id="287" name="Shape 287"/>
+        <p:cNvPr id="1" name=""/>
         <p:cNvGrpSpPr/>
         <p:nvPr/>
       </p:nvGrpSpPr>
-      <p:grpSpPr>
-        <a:xfrm>
-          <a:off x="0" y="0"/>
-          <a:ext cx="0" cy="0"/>
-          <a:chOff x="0" y="0"/>
-          <a:chExt cx="0" cy="0"/>
-        </a:xfrm>
-      </p:grpSpPr>
+      <p:grpSpPr/>
       <p:sp>
         <p:nvSpPr>
-          <p:cNvPr id="288" name="Google Shape;288;p68"/>
-          <p:cNvSpPr txBox="1"/>
-          <p:nvPr>
-            <p:ph type="title"/>
-          </p:nvPr>
-        </p:nvSpPr>
-        <p:spPr>
-          <a:xfrm>
-            <a:off x="264945" y="870271"/>
-            <a:ext cx="7242600" cy="1119900"/>
-          </a:xfrm>
-          <a:prstGeom prst="rect">
-            <a:avLst/>
-          </a:prstGeom>
-        </p:spPr>
-        <p:txBody>
-          <a:bodyPr spcFirstLastPara="1" wrap="square" lIns="91425" tIns="91425" rIns="91425" bIns="91425" anchor="ctr" anchorCtr="0">
-            <a:noAutofit/>
-          </a:bodyPr>
-          <a:lstStyle/>
-          <a:p>
-            <a:pPr marL="0" lvl="0" indent="0" algn="l" rtl="0">
-              <a:spcBef>
-                <a:spcPts val="0"/>
-              </a:spcBef>
-              <a:spcAft>
-                <a:spcPts val="0"/>
-              </a:spcAft>
-              <a:buNone/>
-            </a:pPr>
-            <a:r>
-              <a:rPr lang="en-GB"/>
-              <a:t>CRUD</a:t>
-            </a:r>
-            <a:endParaRPr lang="en-GB"/>
-          </a:p>
-        </p:txBody>
-      </p:sp>
-      <p:sp>
-        <p:nvSpPr>
-          <p:cNvPr id="289" name="Google Shape;289;p68"/>
+          <p:cNvPr id="282" name="Google Shape;282;p67"/>
           <p:cNvSpPr txBox="1"/>
           <p:nvPr>
             <p:ph type="body" idx="1"/>
@@ -30551,8 +30707,8 @@
         </p:nvSpPr>
         <p:spPr>
           <a:xfrm>
-            <a:off x="264950" y="2156849"/>
-            <a:ext cx="7242600" cy="7731900"/>
+            <a:off x="264795" y="226060"/>
+            <a:ext cx="7242810" cy="9654540"/>
           </a:xfrm>
           <a:prstGeom prst="rect">
             <a:avLst/>
@@ -30562,9 +30718,11 @@
           <a:bodyPr spcFirstLastPara="1" wrap="square" lIns="91425" tIns="91425" rIns="91425" bIns="91425" anchor="t" anchorCtr="0">
             <a:noAutofit/>
           </a:bodyPr>
-          <a:lstStyle/>
           <a:p>
-            <a:pPr marL="0" lvl="0" indent="0" algn="l" rtl="0">
+            <a:pPr marL="241300" marR="241300" lvl="0" indent="0" algn="l" rtl="0">
+              <a:lnSpc>
+                <a:spcPct val="100000"/>
+              </a:lnSpc>
               <a:spcBef>
                 <a:spcPts val="0"/>
               </a:spcBef>
@@ -30573,110 +30731,388 @@
               </a:spcAft>
               <a:buNone/>
             </a:pPr>
-            <a:endParaRPr sz="1900"/>
+            <a:r>
+              <a:rPr lang="en-US" sz="1900"/>
+              <a:t>4. CITIES Table:</a:t>
+            </a:r>
+            <a:endParaRPr lang="en-US" sz="1900"/>
           </a:p>
           <a:p>
-            <a:pPr marL="457200" lvl="0" indent="-349250" algn="l" rtl="0">
-              <a:spcBef>
-                <a:spcPts val="1600"/>
-              </a:spcBef>
-              <a:spcAft>
-                <a:spcPts val="0"/>
-              </a:spcAft>
-              <a:buSzPts val="1900"/>
-              <a:buFont typeface="Open Sans" panose="020B0306030504020204"/>
-              <a:buChar char="●"/>
+            <a:pPr marL="241300" marR="241300" lvl="0" indent="0" algn="l" rtl="0">
+              <a:lnSpc>
+                <a:spcPct val="100000"/>
+              </a:lnSpc>
+              <a:spcBef>
+                <a:spcPts val="0"/>
+              </a:spcBef>
+              <a:spcAft>
+                <a:spcPts val="0"/>
+              </a:spcAft>
+              <a:buNone/>
+            </a:pPr>
+            <a:endParaRPr lang="en-US" sz="1900"/>
+          </a:p>
+          <a:p>
+            <a:pPr marL="241300" marR="241300" lvl="0" indent="0" algn="l" rtl="0">
+              <a:lnSpc>
+                <a:spcPct val="100000"/>
+              </a:lnSpc>
+              <a:spcBef>
+                <a:spcPts val="0"/>
+              </a:spcBef>
+              <a:spcAft>
+                <a:spcPts val="0"/>
+              </a:spcAft>
+              <a:buNone/>
+            </a:pPr>
+            <a:endParaRPr lang="en-US" sz="1900"/>
+          </a:p>
+          <a:p>
+            <a:pPr marL="241300" marR="241300" lvl="0" indent="0" algn="l" rtl="0">
+              <a:lnSpc>
+                <a:spcPct val="100000"/>
+              </a:lnSpc>
+              <a:spcBef>
+                <a:spcPts val="0"/>
+              </a:spcBef>
+              <a:spcAft>
+                <a:spcPts val="0"/>
+              </a:spcAft>
+              <a:buNone/>
+            </a:pPr>
+            <a:endParaRPr lang="en-US" sz="1900"/>
+          </a:p>
+          <a:p>
+            <a:pPr marL="241300" marR="241300" lvl="0" indent="0" algn="l" rtl="0">
+              <a:lnSpc>
+                <a:spcPct val="100000"/>
+              </a:lnSpc>
+              <a:spcBef>
+                <a:spcPts val="0"/>
+              </a:spcBef>
+              <a:spcAft>
+                <a:spcPts val="0"/>
+              </a:spcAft>
+              <a:buNone/>
+            </a:pPr>
+            <a:endParaRPr lang="en-US" sz="1900"/>
+          </a:p>
+          <a:p>
+            <a:pPr marL="241300" marR="241300" lvl="0" indent="0" algn="l" rtl="0">
+              <a:lnSpc>
+                <a:spcPct val="100000"/>
+              </a:lnSpc>
+              <a:spcBef>
+                <a:spcPts val="0"/>
+              </a:spcBef>
+              <a:spcAft>
+                <a:spcPts val="0"/>
+              </a:spcAft>
+              <a:buNone/>
+            </a:pPr>
+            <a:endParaRPr lang="en-US" sz="1900"/>
+          </a:p>
+          <a:p>
+            <a:pPr marL="241300" marR="241300" lvl="0" indent="0" algn="l" rtl="0">
+              <a:lnSpc>
+                <a:spcPct val="100000"/>
+              </a:lnSpc>
+              <a:spcBef>
+                <a:spcPts val="0"/>
+              </a:spcBef>
+              <a:spcAft>
+                <a:spcPts val="0"/>
+              </a:spcAft>
+              <a:buNone/>
+            </a:pPr>
+            <a:endParaRPr lang="en-US" sz="1900"/>
+          </a:p>
+          <a:p>
+            <a:pPr marL="241300" marR="241300" lvl="0" indent="0" algn="l" rtl="0">
+              <a:lnSpc>
+                <a:spcPct val="100000"/>
+              </a:lnSpc>
+              <a:spcBef>
+                <a:spcPts val="0"/>
+              </a:spcBef>
+              <a:spcAft>
+                <a:spcPts val="0"/>
+              </a:spcAft>
+              <a:buNone/>
             </a:pPr>
             <a:r>
-              <a:rPr lang="en-GB" sz="1900" b="1">
-                <a:latin typeface="Open Sans" panose="020B0306030504020204"/>
-                <a:ea typeface="Open Sans" panose="020B0306030504020204"/>
-                <a:cs typeface="Open Sans" panose="020B0306030504020204"/>
-                <a:sym typeface="Open Sans" panose="020B0306030504020204"/>
+              <a:rPr lang="en-US" sz="1900"/>
+              <a:t>5. LOCATIONS Table:</a:t>
+            </a:r>
+            <a:endParaRPr lang="en-US" sz="1900"/>
+          </a:p>
+          <a:p>
+            <a:pPr marL="241300" marR="241300" lvl="0" indent="0" algn="l" rtl="0">
+              <a:lnSpc>
+                <a:spcPct val="100000"/>
+              </a:lnSpc>
+              <a:spcBef>
+                <a:spcPts val="0"/>
+              </a:spcBef>
+              <a:spcAft>
+                <a:spcPts val="0"/>
+              </a:spcAft>
+              <a:buNone/>
+            </a:pPr>
+            <a:endParaRPr lang="en-US" sz="1900"/>
+          </a:p>
+          <a:p>
+            <a:pPr marL="241300" marR="241300" lvl="0" indent="0" algn="l" rtl="0">
+              <a:lnSpc>
+                <a:spcPct val="100000"/>
+              </a:lnSpc>
+              <a:spcBef>
+                <a:spcPts val="0"/>
+              </a:spcBef>
+              <a:spcAft>
+                <a:spcPts val="0"/>
+              </a:spcAft>
+              <a:buNone/>
+            </a:pPr>
+            <a:endParaRPr lang="en-US" sz="1900"/>
+          </a:p>
+          <a:p>
+            <a:pPr marL="241300" marR="241300" lvl="0" indent="0" algn="l" rtl="0">
+              <a:lnSpc>
+                <a:spcPct val="100000"/>
+              </a:lnSpc>
+              <a:spcBef>
+                <a:spcPts val="0"/>
+              </a:spcBef>
+              <a:spcAft>
+                <a:spcPts val="0"/>
+              </a:spcAft>
+              <a:buNone/>
+            </a:pPr>
+            <a:endParaRPr lang="en-US" sz="1900"/>
+          </a:p>
+          <a:p>
+            <a:pPr marL="241300" marR="241300" lvl="0" indent="0" algn="l" rtl="0">
+              <a:lnSpc>
+                <a:spcPct val="100000"/>
+              </a:lnSpc>
+              <a:spcBef>
+                <a:spcPts val="0"/>
+              </a:spcBef>
+              <a:spcAft>
+                <a:spcPts val="0"/>
+              </a:spcAft>
+              <a:buNone/>
+            </a:pPr>
+            <a:endParaRPr lang="en-US" sz="1900"/>
+          </a:p>
+          <a:p>
+            <a:pPr marL="241300" marR="241300" lvl="0" indent="0" algn="l" rtl="0">
+              <a:lnSpc>
+                <a:spcPct val="100000"/>
+              </a:lnSpc>
+              <a:spcBef>
+                <a:spcPts val="0"/>
+              </a:spcBef>
+              <a:spcAft>
+                <a:spcPts val="0"/>
+              </a:spcAft>
+              <a:buNone/>
+            </a:pPr>
+            <a:endParaRPr lang="en-US" sz="1900"/>
+          </a:p>
+          <a:p>
+            <a:pPr marL="241300" marR="241300" lvl="0" indent="0" algn="l" rtl="0">
+              <a:lnSpc>
+                <a:spcPct val="100000"/>
+              </a:lnSpc>
+              <a:spcBef>
+                <a:spcPts val="0"/>
+              </a:spcBef>
+              <a:spcAft>
+                <a:spcPts val="0"/>
+              </a:spcAft>
+              <a:buNone/>
+            </a:pPr>
+            <a:endParaRPr lang="en-US" sz="1900"/>
+          </a:p>
+          <a:p>
+            <a:pPr marL="241300" marR="241300" lvl="0" indent="0" algn="l" rtl="0">
+              <a:lnSpc>
+                <a:spcPct val="100000"/>
+              </a:lnSpc>
+              <a:spcBef>
+                <a:spcPts val="0"/>
+              </a:spcBef>
+              <a:spcAft>
+                <a:spcPts val="0"/>
+              </a:spcAft>
+              <a:buNone/>
+            </a:pPr>
+            <a:endParaRPr lang="en-US" sz="1900"/>
+          </a:p>
+          <a:p>
+            <a:pPr marL="241300" marR="241300" lvl="0" indent="0" algn="l" rtl="0">
+              <a:lnSpc>
+                <a:spcPct val="100000"/>
+              </a:lnSpc>
+              <a:spcBef>
+                <a:spcPts val="0"/>
+              </a:spcBef>
+              <a:spcAft>
+                <a:spcPts val="0"/>
+              </a:spcAft>
+              <a:buNone/>
+            </a:pPr>
+            <a:r>
+              <a:rPr lang="en-US" sz="1900"/>
+              <a:t>6. DEPARTMENTS Table:</a:t>
+            </a:r>
+            <a:endParaRPr lang="en-US" sz="1900"/>
+          </a:p>
+          <a:p>
+            <a:pPr marL="241300" marR="241300" lvl="0" indent="0" algn="l" rtl="0">
+              <a:lnSpc>
+                <a:spcPct val="100000"/>
+              </a:lnSpc>
+              <a:spcBef>
+                <a:spcPts val="0"/>
+              </a:spcBef>
+              <a:spcAft>
+                <a:spcPts val="0"/>
+              </a:spcAft>
+              <a:buNone/>
+            </a:pPr>
+            <a:endParaRPr lang="en-US" sz="1900"/>
+          </a:p>
+          <a:p>
+            <a:pPr marL="241300" marR="241300" lvl="0" indent="0" algn="l" rtl="0">
+              <a:lnSpc>
+                <a:spcPct val="100000"/>
+              </a:lnSpc>
+              <a:spcBef>
+                <a:spcPts val="0"/>
+              </a:spcBef>
+              <a:spcAft>
+                <a:spcPts val="0"/>
+              </a:spcAft>
+              <a:buNone/>
+            </a:pPr>
+            <a:endParaRPr lang="en-US" sz="1900"/>
+          </a:p>
+          <a:p>
+            <a:pPr marL="241300" marR="241300" lvl="0" indent="0" algn="l" rtl="0">
+              <a:lnSpc>
+                <a:spcPct val="100000"/>
+              </a:lnSpc>
+              <a:spcBef>
+                <a:spcPts val="0"/>
+              </a:spcBef>
+              <a:spcAft>
+                <a:spcPts val="0"/>
+              </a:spcAft>
+              <a:buNone/>
+            </a:pPr>
+            <a:endParaRPr lang="en-US" sz="1900"/>
+          </a:p>
+          <a:p>
+            <a:pPr marL="241300" marR="241300" lvl="0" indent="0" algn="l" rtl="0">
+              <a:lnSpc>
+                <a:spcPct val="100000"/>
+              </a:lnSpc>
+              <a:spcBef>
+                <a:spcPts val="0"/>
+              </a:spcBef>
+              <a:spcAft>
+                <a:spcPts val="0"/>
+              </a:spcAft>
+              <a:buNone/>
+            </a:pPr>
+            <a:endParaRPr lang="en-US" sz="1900"/>
+          </a:p>
+          <a:p>
+            <a:pPr marL="241300" marR="241300" lvl="0" indent="0" algn="l" rtl="0">
+              <a:lnSpc>
+                <a:spcPct val="100000"/>
+              </a:lnSpc>
+              <a:spcBef>
+                <a:spcPts val="0"/>
+              </a:spcBef>
+              <a:spcAft>
+                <a:spcPts val="0"/>
+              </a:spcAft>
+              <a:buNone/>
+            </a:pPr>
+            <a:endParaRPr lang="en-US" sz="1900"/>
+          </a:p>
+          <a:p>
+            <a:pPr marL="241300" marR="241300" lvl="0" indent="0" algn="l" rtl="0">
+              <a:lnSpc>
+                <a:spcPct val="100000"/>
+              </a:lnSpc>
+              <a:spcBef>
+                <a:spcPts val="0"/>
+              </a:spcBef>
+              <a:spcAft>
+                <a:spcPts val="0"/>
+              </a:spcAft>
+              <a:buNone/>
+            </a:pPr>
+            <a:r>
+              <a:rPr lang="en-US" sz="1900"/>
+              <a:t>7. </a:t>
+            </a:r>
+            <a:r>
+              <a:rPr lang="en-US" sz="1900">
+                <a:sym typeface="+mn-ea"/>
               </a:rPr>
-              <a:t>Question 1: Return a list of employees with Job Titles and Department Names</a:t>
+              <a:t>EMPLOYEES </a:t>
             </a:r>
-            <a:endParaRPr sz="1900" b="1">
-              <a:latin typeface="Open Sans" panose="020B0306030504020204"/>
-              <a:ea typeface="Open Sans" panose="020B0306030504020204"/>
-              <a:cs typeface="Open Sans" panose="020B0306030504020204"/>
-              <a:sym typeface="Open Sans" panose="020B0306030504020204"/>
+            <a:r>
+              <a:rPr lang="en-US" sz="1900">
+                <a:sym typeface="+mn-ea"/>
+              </a:rPr>
+              <a:t>Table:</a:t>
+            </a:r>
+            <a:endParaRPr lang="en-US" sz="1900">
+              <a:sym typeface="+mn-ea"/>
             </a:endParaRPr>
           </a:p>
           <a:p>
-            <a:pPr marL="0" lvl="0" indent="0" algn="l" rtl="0">
-              <a:spcBef>
-                <a:spcPts val="1600"/>
+            <a:pPr marL="241300" marR="241300" lvl="0" indent="0" algn="l" rtl="0">
+              <a:lnSpc>
+                <a:spcPct val="100000"/>
+              </a:lnSpc>
+              <a:spcBef>
+                <a:spcPts val="0"/>
               </a:spcBef>
               <a:spcAft>
                 <a:spcPts val="0"/>
               </a:spcAft>
               <a:buNone/>
             </a:pPr>
-            <a:endParaRPr sz="1900" b="1">
-              <a:latin typeface="Open Sans" panose="020B0306030504020204"/>
-              <a:ea typeface="Open Sans" panose="020B0306030504020204"/>
-              <a:cs typeface="Open Sans" panose="020B0306030504020204"/>
-              <a:sym typeface="Open Sans" panose="020B0306030504020204"/>
-            </a:endParaRPr>
+            <a:endParaRPr lang="en-US" sz="1900"/>
           </a:p>
           <a:p>
-            <a:pPr marL="0" lvl="0" indent="0" algn="l" rtl="0">
-              <a:lnSpc>
-                <a:spcPct val="170000"/>
-              </a:lnSpc>
-              <a:spcBef>
-                <a:spcPts val="1600"/>
-              </a:spcBef>
-              <a:spcAft>
-                <a:spcPts val="0"/>
-              </a:spcAft>
-              <a:buClr>
-                <a:schemeClr val="dk1"/>
-              </a:buClr>
-              <a:buSzPts val="1100"/>
-              <a:buFont typeface="Arial" panose="020B0604020202020204"/>
+            <a:pPr marL="241300" marR="241300" lvl="0" indent="0" algn="l" rtl="0">
+              <a:lnSpc>
+                <a:spcPct val="100000"/>
+              </a:lnSpc>
+              <a:spcBef>
+                <a:spcPts val="0"/>
+              </a:spcBef>
+              <a:spcAft>
+                <a:spcPts val="0"/>
+              </a:spcAft>
               <a:buNone/>
             </a:pPr>
-            <a:r>
-              <a:rPr lang="en-GB" sz="1200">
-                <a:solidFill>
-                  <a:srgbClr val="525C65"/>
-                </a:solidFill>
-                <a:highlight>
-                  <a:schemeClr val="lt1"/>
-                </a:highlight>
-                <a:latin typeface="Open Sans" panose="020B0306030504020204"/>
-                <a:ea typeface="Open Sans" panose="020B0306030504020204"/>
-                <a:cs typeface="Open Sans" panose="020B0306030504020204"/>
-                <a:sym typeface="Open Sans" panose="020B0306030504020204"/>
-              </a:rPr>
-              <a:t>     </a:t>
-            </a:r>
-            <a:r>
-              <a:rPr lang="en-GB" sz="1200">
-                <a:solidFill>
-                  <a:srgbClr val="FF0000"/>
-                </a:solidFill>
-                <a:highlight>
-                  <a:schemeClr val="lt1"/>
-                </a:highlight>
-                <a:latin typeface="Open Sans" panose="020B0306030504020204"/>
-                <a:ea typeface="Open Sans" panose="020B0306030504020204"/>
-                <a:cs typeface="Open Sans" panose="020B0306030504020204"/>
-                <a:sym typeface="Open Sans" panose="020B0306030504020204"/>
-              </a:rPr>
-              <a:t>** Replace example screenshot below with your response, and include the query in a SQL file</a:t>
-            </a:r>
-            <a:endParaRPr sz="1900" b="1">
-              <a:latin typeface="Open Sans" panose="020B0306030504020204"/>
-              <a:ea typeface="Open Sans" panose="020B0306030504020204"/>
-              <a:cs typeface="Open Sans" panose="020B0306030504020204"/>
-              <a:sym typeface="Open Sans" panose="020B0306030504020204"/>
-            </a:endParaRPr>
+            <a:endParaRPr lang="en-US" sz="1900"/>
           </a:p>
           <a:p>
-            <a:pPr marL="0" lvl="0" indent="0" algn="l" rtl="0">
+            <a:pPr marL="241300" marR="241300" lvl="0" indent="0" algn="l" rtl="0">
+              <a:lnSpc>
+                <a:spcPct val="100000"/>
+              </a:lnSpc>
               <a:spcBef>
                 <a:spcPts val="0"/>
               </a:spcBef>
@@ -30685,135 +31121,136 @@
               </a:spcAft>
               <a:buNone/>
             </a:pPr>
-            <a:endParaRPr sz="1900" b="1">
-              <a:latin typeface="Open Sans" panose="020B0306030504020204"/>
-              <a:ea typeface="Open Sans" panose="020B0306030504020204"/>
-              <a:cs typeface="Open Sans" panose="020B0306030504020204"/>
-              <a:sym typeface="Open Sans" panose="020B0306030504020204"/>
-            </a:endParaRPr>
+            <a:endParaRPr lang="en-US" sz="1900"/>
           </a:p>
           <a:p>
-            <a:pPr marL="0" lvl="0" indent="0" algn="l" rtl="0">
-              <a:spcBef>
-                <a:spcPts val="1600"/>
+            <a:pPr marL="241300" marR="241300" lvl="0" indent="0" algn="l" rtl="0">
+              <a:lnSpc>
+                <a:spcPct val="100000"/>
+              </a:lnSpc>
+              <a:spcBef>
+                <a:spcPts val="0"/>
               </a:spcBef>
               <a:spcAft>
                 <a:spcPts val="0"/>
               </a:spcAft>
               <a:buNone/>
             </a:pPr>
-            <a:endParaRPr sz="1900" b="1">
-              <a:latin typeface="Open Sans" panose="020B0306030504020204"/>
-              <a:ea typeface="Open Sans" panose="020B0306030504020204"/>
-              <a:cs typeface="Open Sans" panose="020B0306030504020204"/>
-              <a:sym typeface="Open Sans" panose="020B0306030504020204"/>
-            </a:endParaRPr>
+            <a:endParaRPr lang="en-US" sz="1900"/>
           </a:p>
           <a:p>
-            <a:pPr marL="457200" lvl="0" indent="0" algn="l" rtl="0">
-              <a:spcBef>
-                <a:spcPts val="1600"/>
+            <a:pPr marL="241300" marR="241300" lvl="0" indent="0" algn="l" rtl="0">
+              <a:lnSpc>
+                <a:spcPct val="100000"/>
+              </a:lnSpc>
+              <a:spcBef>
+                <a:spcPts val="0"/>
               </a:spcBef>
               <a:spcAft>
                 <a:spcPts val="0"/>
               </a:spcAft>
               <a:buNone/>
             </a:pPr>
-            <a:endParaRPr sz="1900" b="1">
-              <a:latin typeface="Open Sans" panose="020B0306030504020204"/>
-              <a:ea typeface="Open Sans" panose="020B0306030504020204"/>
-              <a:cs typeface="Open Sans" panose="020B0306030504020204"/>
-              <a:sym typeface="Open Sans" panose="020B0306030504020204"/>
-            </a:endParaRPr>
+            <a:endParaRPr lang="en-US" sz="1900"/>
           </a:p>
           <a:p>
-            <a:pPr marL="0" lvl="0" indent="0" algn="l" rtl="0">
-              <a:spcBef>
-                <a:spcPts val="1600"/>
+            <a:pPr marL="241300" marR="241300" lvl="0" indent="0" algn="l" rtl="0">
+              <a:lnSpc>
+                <a:spcPct val="100000"/>
+              </a:lnSpc>
+              <a:spcBef>
+                <a:spcPts val="0"/>
               </a:spcBef>
               <a:spcAft>
                 <a:spcPts val="0"/>
               </a:spcAft>
               <a:buNone/>
             </a:pPr>
-            <a:endParaRPr sz="1900" b="1">
-              <a:latin typeface="Open Sans" panose="020B0306030504020204"/>
-              <a:ea typeface="Open Sans" panose="020B0306030504020204"/>
-              <a:cs typeface="Open Sans" panose="020B0306030504020204"/>
-              <a:sym typeface="Open Sans" panose="020B0306030504020204"/>
-            </a:endParaRPr>
+            <a:endParaRPr lang="en-US" sz="1900"/>
           </a:p>
           <a:p>
-            <a:pPr marL="0" lvl="0" indent="0" algn="l" rtl="0">
-              <a:spcBef>
-                <a:spcPts val="1600"/>
+            <a:pPr marL="241300" marR="241300" lvl="0" indent="0" algn="l" rtl="0">
+              <a:lnSpc>
+                <a:spcPct val="100000"/>
+              </a:lnSpc>
+              <a:spcBef>
+                <a:spcPts val="0"/>
               </a:spcBef>
               <a:spcAft>
                 <a:spcPts val="0"/>
               </a:spcAft>
               <a:buNone/>
             </a:pPr>
-            <a:endParaRPr sz="1900" b="1">
-              <a:latin typeface="Open Sans" panose="020B0306030504020204"/>
-              <a:ea typeface="Open Sans" panose="020B0306030504020204"/>
-              <a:cs typeface="Open Sans" panose="020B0306030504020204"/>
-              <a:sym typeface="Open Sans" panose="020B0306030504020204"/>
-            </a:endParaRPr>
+            <a:endParaRPr lang="en-US" sz="1900"/>
           </a:p>
           <a:p>
-            <a:pPr marL="0" lvl="0" indent="0" algn="l" rtl="0">
-              <a:spcBef>
-                <a:spcPts val="1600"/>
+            <a:pPr marL="241300" marR="241300" lvl="0" indent="0" algn="l" rtl="0">
+              <a:lnSpc>
+                <a:spcPct val="100000"/>
+              </a:lnSpc>
+              <a:spcBef>
+                <a:spcPts val="0"/>
               </a:spcBef>
               <a:spcAft>
                 <a:spcPts val="0"/>
               </a:spcAft>
               <a:buNone/>
             </a:pPr>
-            <a:endParaRPr sz="1900"/>
+            <a:endParaRPr lang="en-US" sz="1900"/>
           </a:p>
           <a:p>
-            <a:pPr marL="457200" lvl="0" indent="0" algn="l" rtl="0">
-              <a:spcBef>
-                <a:spcPts val="1600"/>
+            <a:pPr marL="241300" marR="241300" lvl="0" indent="0" algn="l" rtl="0">
+              <a:lnSpc>
+                <a:spcPct val="100000"/>
+              </a:lnSpc>
+              <a:spcBef>
+                <a:spcPts val="0"/>
               </a:spcBef>
               <a:spcAft>
                 <a:spcPts val="0"/>
               </a:spcAft>
               <a:buNone/>
             </a:pPr>
-            <a:endParaRPr sz="1900"/>
+            <a:endParaRPr lang="en-US" sz="1900"/>
           </a:p>
           <a:p>
-            <a:pPr marL="457200" lvl="0" indent="0" algn="l" rtl="0">
-              <a:spcBef>
-                <a:spcPts val="1600"/>
+            <a:pPr marL="241300" marR="241300" lvl="0" indent="0" algn="l" rtl="0">
+              <a:lnSpc>
+                <a:spcPct val="100000"/>
+              </a:lnSpc>
+              <a:spcBef>
+                <a:spcPts val="0"/>
               </a:spcBef>
               <a:spcAft>
                 <a:spcPts val="0"/>
               </a:spcAft>
               <a:buNone/>
             </a:pPr>
-            <a:endParaRPr sz="1900"/>
+            <a:endParaRPr lang="en-US" sz="1900"/>
           </a:p>
           <a:p>
-            <a:pPr marL="457200" lvl="0" indent="0" algn="l" rtl="0">
-              <a:spcBef>
-                <a:spcPts val="1600"/>
-              </a:spcBef>
-              <a:spcAft>
-                <a:spcPts val="1600"/>
+            <a:pPr marL="241300" marR="241300" lvl="0" indent="0" algn="l" rtl="0">
+              <a:lnSpc>
+                <a:spcPct val="100000"/>
+              </a:lnSpc>
+              <a:spcBef>
+                <a:spcPts val="0"/>
+              </a:spcBef>
+              <a:spcAft>
+                <a:spcPts val="0"/>
               </a:spcAft>
               <a:buNone/>
             </a:pPr>
-            <a:endParaRPr sz="1900"/>
+            <a:endParaRPr lang="en-US" sz="1900"/>
           </a:p>
         </p:txBody>
       </p:sp>
       <p:pic>
         <p:nvPicPr>
-          <p:cNvPr id="290" name="Google Shape;290;p68"/>
-          <p:cNvPicPr preferRelativeResize="0"/>
+          <p:cNvPr id="4" name="Picture 3"/>
+          <p:cNvPicPr>
+            <a:picLocks noChangeAspect="1"/>
+          </p:cNvPicPr>
           <p:nvPr/>
         </p:nvPicPr>
         <p:blipFill>
@@ -30824,22 +31261,84 @@
         </p:blipFill>
         <p:spPr>
           <a:xfrm>
-            <a:off x="1088175" y="4781750"/>
-            <a:ext cx="5036025" cy="3241700"/>
+            <a:off x="429895" y="636905"/>
+            <a:ext cx="5038725" cy="1581150"/>
           </a:xfrm>
           <a:prstGeom prst="rect">
             <a:avLst/>
           </a:prstGeom>
-          <a:noFill/>
-          <a:ln w="9525" cap="flat" cmpd="sng">
-            <a:solidFill>
-              <a:schemeClr val="dk2"/>
-            </a:solidFill>
-            <a:prstDash val="solid"/>
-            <a:round/>
-            <a:headEnd type="none" w="sm" len="sm"/>
-            <a:tailEnd type="none" w="sm" len="sm"/>
-          </a:ln>
+        </p:spPr>
+      </p:pic>
+      <p:pic>
+        <p:nvPicPr>
+          <p:cNvPr id="5" name="Picture 4"/>
+          <p:cNvPicPr>
+            <a:picLocks noChangeAspect="1"/>
+          </p:cNvPicPr>
+          <p:nvPr/>
+        </p:nvPicPr>
+        <p:blipFill>
+          <a:blip r:embed="rId2"/>
+          <a:stretch>
+            <a:fillRect/>
+          </a:stretch>
+        </p:blipFill>
+        <p:spPr>
+          <a:xfrm>
+            <a:off x="572770" y="2725420"/>
+            <a:ext cx="4895850" cy="1876425"/>
+          </a:xfrm>
+          <a:prstGeom prst="rect">
+            <a:avLst/>
+          </a:prstGeom>
+        </p:spPr>
+      </p:pic>
+      <p:pic>
+        <p:nvPicPr>
+          <p:cNvPr id="8" name="Picture 7"/>
+          <p:cNvPicPr>
+            <a:picLocks noChangeAspect="1"/>
+          </p:cNvPicPr>
+          <p:nvPr/>
+        </p:nvPicPr>
+        <p:blipFill>
+          <a:blip r:embed="rId3"/>
+          <a:stretch>
+            <a:fillRect/>
+          </a:stretch>
+        </p:blipFill>
+        <p:spPr>
+          <a:xfrm>
+            <a:off x="573405" y="6757670"/>
+            <a:ext cx="5934075" cy="2181225"/>
+          </a:xfrm>
+          <a:prstGeom prst="rect">
+            <a:avLst/>
+          </a:prstGeom>
+        </p:spPr>
+      </p:pic>
+      <p:pic>
+        <p:nvPicPr>
+          <p:cNvPr id="9" name="Picture 8"/>
+          <p:cNvPicPr>
+            <a:picLocks noChangeAspect="1"/>
+          </p:cNvPicPr>
+          <p:nvPr/>
+        </p:nvPicPr>
+        <p:blipFill>
+          <a:blip r:embed="rId4"/>
+          <a:stretch>
+            <a:fillRect/>
+          </a:stretch>
+        </p:blipFill>
+        <p:spPr>
+          <a:xfrm>
+            <a:off x="572135" y="4957445"/>
+            <a:ext cx="5067300" cy="1228725"/>
+          </a:xfrm>
+          <a:prstGeom prst="rect">
+            <a:avLst/>
+          </a:prstGeom>
         </p:spPr>
       </p:pic>
     </p:spTree>
@@ -31463,6 +31962,895 @@
   <p:cSld>
     <p:spTree>
       <p:nvGrpSpPr>
+        <p:cNvPr id="1" name=""/>
+        <p:cNvGrpSpPr/>
+        <p:nvPr/>
+      </p:nvGrpSpPr>
+      <p:grpSpPr/>
+      <p:sp>
+        <p:nvSpPr>
+          <p:cNvPr id="282" name="Google Shape;282;p67"/>
+          <p:cNvSpPr txBox="1"/>
+          <p:nvPr/>
+        </p:nvSpPr>
+        <p:spPr>
+          <a:xfrm>
+            <a:off x="213360" y="205105"/>
+            <a:ext cx="7242810" cy="9654540"/>
+          </a:xfrm>
+          <a:prstGeom prst="rect">
+            <a:avLst/>
+          </a:prstGeom>
+          <a:noFill/>
+          <a:ln>
+            <a:noFill/>
+          </a:ln>
+        </p:spPr>
+        <p:txBody>
+          <a:bodyPr wrap="square" lIns="91425" tIns="91425" rIns="91425" bIns="91425" anchor="t" anchorCtr="0">
+            <a:noAutofit/>
+          </a:bodyPr>
+          <a:lstStyle>
+            <a:defPPr marR="0" lvl="0" algn="l" rtl="0">
+              <a:lnSpc>
+                <a:spcPct val="100000"/>
+              </a:lnSpc>
+              <a:spcBef>
+                <a:spcPts val="0"/>
+              </a:spcBef>
+              <a:spcAft>
+                <a:spcPts val="0"/>
+              </a:spcAft>
+            </a:defPPr>
+            <a:lvl1pPr marL="457200" marR="0" lvl="0" indent="-419100" algn="l" rtl="0">
+              <a:lnSpc>
+                <a:spcPct val="115000"/>
+              </a:lnSpc>
+              <a:spcBef>
+                <a:spcPts val="0"/>
+              </a:spcBef>
+              <a:spcAft>
+                <a:spcPts val="0"/>
+              </a:spcAft>
+              <a:buClr>
+                <a:schemeClr val="dk2"/>
+              </a:buClr>
+              <a:buSzPts val="3000"/>
+              <a:buFont typeface="Open Sans Light" panose="020B0306030504020204"/>
+              <a:buChar char="●"/>
+              <a:defRPr sz="3000" b="0" i="0" u="none" strike="noStrike" cap="none">
+                <a:solidFill>
+                  <a:schemeClr val="dk2"/>
+                </a:solidFill>
+                <a:latin typeface="Open Sans Light" panose="020B0306030504020204"/>
+                <a:ea typeface="Open Sans Light" panose="020B0306030504020204"/>
+                <a:cs typeface="Open Sans Light" panose="020B0306030504020204"/>
+                <a:sym typeface="Open Sans Light" panose="020B0306030504020204"/>
+              </a:defRPr>
+            </a:lvl1pPr>
+            <a:lvl2pPr marL="914400" marR="0" lvl="1" indent="-381000" algn="l" rtl="0">
+              <a:lnSpc>
+                <a:spcPct val="115000"/>
+              </a:lnSpc>
+              <a:spcBef>
+                <a:spcPts val="1600"/>
+              </a:spcBef>
+              <a:spcAft>
+                <a:spcPts val="0"/>
+              </a:spcAft>
+              <a:buClr>
+                <a:schemeClr val="dk2"/>
+              </a:buClr>
+              <a:buSzPts val="2400"/>
+              <a:buFont typeface="Open Sans Light" panose="020B0306030504020204"/>
+              <a:buChar char="○"/>
+              <a:defRPr sz="2400" b="0" i="0" u="none" strike="noStrike" cap="none">
+                <a:solidFill>
+                  <a:schemeClr val="dk2"/>
+                </a:solidFill>
+                <a:latin typeface="Open Sans Light" panose="020B0306030504020204"/>
+                <a:ea typeface="Open Sans Light" panose="020B0306030504020204"/>
+                <a:cs typeface="Open Sans Light" panose="020B0306030504020204"/>
+                <a:sym typeface="Open Sans Light" panose="020B0306030504020204"/>
+              </a:defRPr>
+            </a:lvl2pPr>
+            <a:lvl3pPr marL="1371600" marR="0" lvl="2" indent="-342900" algn="l" rtl="0">
+              <a:lnSpc>
+                <a:spcPct val="115000"/>
+              </a:lnSpc>
+              <a:spcBef>
+                <a:spcPts val="1600"/>
+              </a:spcBef>
+              <a:spcAft>
+                <a:spcPts val="0"/>
+              </a:spcAft>
+              <a:buClr>
+                <a:schemeClr val="dk2"/>
+              </a:buClr>
+              <a:buSzPts val="1800"/>
+              <a:buFont typeface="Open Sans Light" panose="020B0306030504020204"/>
+              <a:buChar char="■"/>
+              <a:defRPr sz="1800" b="0" i="0" u="none" strike="noStrike" cap="none">
+                <a:solidFill>
+                  <a:schemeClr val="dk2"/>
+                </a:solidFill>
+                <a:latin typeface="Open Sans Light" panose="020B0306030504020204"/>
+                <a:ea typeface="Open Sans Light" panose="020B0306030504020204"/>
+                <a:cs typeface="Open Sans Light" panose="020B0306030504020204"/>
+                <a:sym typeface="Open Sans Light" panose="020B0306030504020204"/>
+              </a:defRPr>
+            </a:lvl3pPr>
+            <a:lvl4pPr marL="1828800" marR="0" lvl="3" indent="-317500" algn="l" rtl="0">
+              <a:lnSpc>
+                <a:spcPct val="115000"/>
+              </a:lnSpc>
+              <a:spcBef>
+                <a:spcPts val="1600"/>
+              </a:spcBef>
+              <a:spcAft>
+                <a:spcPts val="0"/>
+              </a:spcAft>
+              <a:buClr>
+                <a:schemeClr val="dk2"/>
+              </a:buClr>
+              <a:buSzPts val="1400"/>
+              <a:buFont typeface="Open Sans Light" panose="020B0306030504020204"/>
+              <a:buChar char="●"/>
+              <a:defRPr sz="1400" b="0" i="0" u="none" strike="noStrike" cap="none">
+                <a:solidFill>
+                  <a:schemeClr val="dk2"/>
+                </a:solidFill>
+                <a:latin typeface="Open Sans Light" panose="020B0306030504020204"/>
+                <a:ea typeface="Open Sans Light" panose="020B0306030504020204"/>
+                <a:cs typeface="Open Sans Light" panose="020B0306030504020204"/>
+                <a:sym typeface="Open Sans Light" panose="020B0306030504020204"/>
+              </a:defRPr>
+            </a:lvl4pPr>
+            <a:lvl5pPr marL="2286000" marR="0" lvl="4" indent="-317500" algn="l" rtl="0">
+              <a:lnSpc>
+                <a:spcPct val="115000"/>
+              </a:lnSpc>
+              <a:spcBef>
+                <a:spcPts val="1600"/>
+              </a:spcBef>
+              <a:spcAft>
+                <a:spcPts val="0"/>
+              </a:spcAft>
+              <a:buClr>
+                <a:schemeClr val="dk2"/>
+              </a:buClr>
+              <a:buSzPts val="1400"/>
+              <a:buFont typeface="Open Sans Light" panose="020B0306030504020204"/>
+              <a:buChar char="○"/>
+              <a:defRPr sz="1400" b="0" i="0" u="none" strike="noStrike" cap="none">
+                <a:solidFill>
+                  <a:schemeClr val="dk2"/>
+                </a:solidFill>
+                <a:latin typeface="Open Sans Light" panose="020B0306030504020204"/>
+                <a:ea typeface="Open Sans Light" panose="020B0306030504020204"/>
+                <a:cs typeface="Open Sans Light" panose="020B0306030504020204"/>
+                <a:sym typeface="Open Sans Light" panose="020B0306030504020204"/>
+              </a:defRPr>
+            </a:lvl5pPr>
+            <a:lvl6pPr marL="2743200" marR="0" lvl="5" indent="-317500" algn="l" rtl="0">
+              <a:lnSpc>
+                <a:spcPct val="115000"/>
+              </a:lnSpc>
+              <a:spcBef>
+                <a:spcPts val="1600"/>
+              </a:spcBef>
+              <a:spcAft>
+                <a:spcPts val="0"/>
+              </a:spcAft>
+              <a:buClr>
+                <a:schemeClr val="dk2"/>
+              </a:buClr>
+              <a:buSzPts val="1400"/>
+              <a:buFont typeface="Open Sans Light" panose="020B0306030504020204"/>
+              <a:buChar char="■"/>
+              <a:defRPr sz="1400" b="0" i="0" u="none" strike="noStrike" cap="none">
+                <a:solidFill>
+                  <a:schemeClr val="dk2"/>
+                </a:solidFill>
+                <a:latin typeface="Open Sans Light" panose="020B0306030504020204"/>
+                <a:ea typeface="Open Sans Light" panose="020B0306030504020204"/>
+                <a:cs typeface="Open Sans Light" panose="020B0306030504020204"/>
+                <a:sym typeface="Open Sans Light" panose="020B0306030504020204"/>
+              </a:defRPr>
+            </a:lvl6pPr>
+            <a:lvl7pPr marL="3200400" marR="0" lvl="6" indent="-317500" algn="l" rtl="0">
+              <a:lnSpc>
+                <a:spcPct val="115000"/>
+              </a:lnSpc>
+              <a:spcBef>
+                <a:spcPts val="1600"/>
+              </a:spcBef>
+              <a:spcAft>
+                <a:spcPts val="0"/>
+              </a:spcAft>
+              <a:buClr>
+                <a:schemeClr val="dk2"/>
+              </a:buClr>
+              <a:buSzPts val="1400"/>
+              <a:buFont typeface="Open Sans Light" panose="020B0306030504020204"/>
+              <a:buChar char="●"/>
+              <a:defRPr sz="1400" b="0" i="0" u="none" strike="noStrike" cap="none">
+                <a:solidFill>
+                  <a:schemeClr val="dk2"/>
+                </a:solidFill>
+                <a:latin typeface="Open Sans Light" panose="020B0306030504020204"/>
+                <a:ea typeface="Open Sans Light" panose="020B0306030504020204"/>
+                <a:cs typeface="Open Sans Light" panose="020B0306030504020204"/>
+                <a:sym typeface="Open Sans Light" panose="020B0306030504020204"/>
+              </a:defRPr>
+            </a:lvl7pPr>
+            <a:lvl8pPr marL="3657600" marR="0" lvl="7" indent="-317500" algn="l" rtl="0">
+              <a:lnSpc>
+                <a:spcPct val="115000"/>
+              </a:lnSpc>
+              <a:spcBef>
+                <a:spcPts val="1600"/>
+              </a:spcBef>
+              <a:spcAft>
+                <a:spcPts val="0"/>
+              </a:spcAft>
+              <a:buClr>
+                <a:schemeClr val="dk2"/>
+              </a:buClr>
+              <a:buSzPts val="1400"/>
+              <a:buFont typeface="Open Sans Light" panose="020B0306030504020204"/>
+              <a:buChar char="○"/>
+              <a:defRPr sz="1400" b="0" i="0" u="none" strike="noStrike" cap="none">
+                <a:solidFill>
+                  <a:schemeClr val="dk2"/>
+                </a:solidFill>
+                <a:latin typeface="Open Sans Light" panose="020B0306030504020204"/>
+                <a:ea typeface="Open Sans Light" panose="020B0306030504020204"/>
+                <a:cs typeface="Open Sans Light" panose="020B0306030504020204"/>
+                <a:sym typeface="Open Sans Light" panose="020B0306030504020204"/>
+              </a:defRPr>
+            </a:lvl8pPr>
+            <a:lvl9pPr marL="4114800" marR="0" lvl="8" indent="-317500" algn="l" rtl="0">
+              <a:lnSpc>
+                <a:spcPct val="115000"/>
+              </a:lnSpc>
+              <a:spcBef>
+                <a:spcPts val="1600"/>
+              </a:spcBef>
+              <a:spcAft>
+                <a:spcPts val="1600"/>
+              </a:spcAft>
+              <a:buClr>
+                <a:schemeClr val="dk2"/>
+              </a:buClr>
+              <a:buSzPts val="1400"/>
+              <a:buFont typeface="Open Sans Light" panose="020B0306030504020204"/>
+              <a:buChar char="■"/>
+              <a:defRPr sz="1400" b="0" i="0" u="none" strike="noStrike" cap="none">
+                <a:solidFill>
+                  <a:schemeClr val="dk2"/>
+                </a:solidFill>
+                <a:latin typeface="Open Sans Light" panose="020B0306030504020204"/>
+                <a:ea typeface="Open Sans Light" panose="020B0306030504020204"/>
+                <a:cs typeface="Open Sans Light" panose="020B0306030504020204"/>
+                <a:sym typeface="Open Sans Light" panose="020B0306030504020204"/>
+              </a:defRPr>
+            </a:lvl9pPr>
+          </a:lstStyle>
+          <a:p>
+            <a:pPr marL="241300" marR="241300" lvl="0" indent="0" algn="l" rtl="0">
+              <a:lnSpc>
+                <a:spcPct val="100000"/>
+              </a:lnSpc>
+              <a:spcBef>
+                <a:spcPts val="0"/>
+              </a:spcBef>
+              <a:spcAft>
+                <a:spcPts val="0"/>
+              </a:spcAft>
+              <a:buNone/>
+            </a:pPr>
+            <a:r>
+              <a:rPr lang="en-US" sz="1900"/>
+              <a:t>8. </a:t>
+            </a:r>
+            <a:r>
+              <a:rPr lang="en-US" sz="1900">
+                <a:sym typeface="+mn-ea"/>
+              </a:rPr>
+              <a:t>EMP_ASSIGNMENTS</a:t>
+            </a:r>
+            <a:endParaRPr lang="en-US" sz="1900">
+              <a:sym typeface="+mn-ea"/>
+            </a:endParaRPr>
+          </a:p>
+          <a:p>
+            <a:pPr marL="241300" marR="241300" lvl="0" indent="0" algn="l" rtl="0">
+              <a:lnSpc>
+                <a:spcPct val="100000"/>
+              </a:lnSpc>
+              <a:spcBef>
+                <a:spcPts val="0"/>
+              </a:spcBef>
+              <a:spcAft>
+                <a:spcPts val="0"/>
+              </a:spcAft>
+              <a:buNone/>
+            </a:pPr>
+            <a:endParaRPr lang="en-US" sz="1900">
+              <a:sym typeface="+mn-ea"/>
+            </a:endParaRPr>
+          </a:p>
+          <a:p>
+            <a:pPr marL="241300" marR="241300" lvl="0" indent="0" algn="l" rtl="0">
+              <a:lnSpc>
+                <a:spcPct val="100000"/>
+              </a:lnSpc>
+              <a:spcBef>
+                <a:spcPts val="0"/>
+              </a:spcBef>
+              <a:spcAft>
+                <a:spcPts val="0"/>
+              </a:spcAft>
+              <a:buNone/>
+            </a:pPr>
+            <a:endParaRPr lang="en-US" sz="1900">
+              <a:sym typeface="+mn-ea"/>
+            </a:endParaRPr>
+          </a:p>
+          <a:p>
+            <a:pPr marL="241300" marR="241300" lvl="0" indent="0" algn="l" rtl="0">
+              <a:lnSpc>
+                <a:spcPct val="100000"/>
+              </a:lnSpc>
+              <a:spcBef>
+                <a:spcPts val="0"/>
+              </a:spcBef>
+              <a:spcAft>
+                <a:spcPts val="0"/>
+              </a:spcAft>
+              <a:buNone/>
+            </a:pPr>
+            <a:endParaRPr lang="en-US" sz="1900">
+              <a:sym typeface="+mn-ea"/>
+            </a:endParaRPr>
+          </a:p>
+          <a:p>
+            <a:pPr marL="241300" marR="241300" lvl="0" indent="0" algn="l" rtl="0">
+              <a:lnSpc>
+                <a:spcPct val="100000"/>
+              </a:lnSpc>
+              <a:spcBef>
+                <a:spcPts val="0"/>
+              </a:spcBef>
+              <a:spcAft>
+                <a:spcPts val="0"/>
+              </a:spcAft>
+              <a:buNone/>
+            </a:pPr>
+            <a:endParaRPr lang="en-US" sz="1900">
+              <a:sym typeface="+mn-ea"/>
+            </a:endParaRPr>
+          </a:p>
+          <a:p>
+            <a:pPr marL="241300" marR="241300" lvl="0" indent="0" algn="l" rtl="0">
+              <a:lnSpc>
+                <a:spcPct val="100000"/>
+              </a:lnSpc>
+              <a:spcBef>
+                <a:spcPts val="0"/>
+              </a:spcBef>
+              <a:spcAft>
+                <a:spcPts val="0"/>
+              </a:spcAft>
+              <a:buNone/>
+            </a:pPr>
+            <a:endParaRPr lang="en-US" sz="1900">
+              <a:sym typeface="+mn-ea"/>
+            </a:endParaRPr>
+          </a:p>
+          <a:p>
+            <a:pPr marL="241300" marR="241300" lvl="0" indent="0" algn="l" rtl="0">
+              <a:lnSpc>
+                <a:spcPct val="100000"/>
+              </a:lnSpc>
+              <a:spcBef>
+                <a:spcPts val="0"/>
+              </a:spcBef>
+              <a:spcAft>
+                <a:spcPts val="0"/>
+              </a:spcAft>
+              <a:buNone/>
+            </a:pPr>
+            <a:endParaRPr lang="en-US" sz="1900">
+              <a:sym typeface="+mn-ea"/>
+            </a:endParaRPr>
+          </a:p>
+          <a:p>
+            <a:pPr marL="241300" marR="241300" lvl="0" indent="0" algn="l" rtl="0">
+              <a:lnSpc>
+                <a:spcPct val="100000"/>
+              </a:lnSpc>
+              <a:spcBef>
+                <a:spcPts val="0"/>
+              </a:spcBef>
+              <a:spcAft>
+                <a:spcPts val="0"/>
+              </a:spcAft>
+              <a:buNone/>
+            </a:pPr>
+            <a:endParaRPr lang="en-US" sz="1900">
+              <a:sym typeface="+mn-ea"/>
+            </a:endParaRPr>
+          </a:p>
+          <a:p>
+            <a:pPr marL="241300" marR="241300" lvl="0" indent="0" algn="l" rtl="0">
+              <a:lnSpc>
+                <a:spcPct val="100000"/>
+              </a:lnSpc>
+              <a:spcBef>
+                <a:spcPts val="0"/>
+              </a:spcBef>
+              <a:spcAft>
+                <a:spcPts val="0"/>
+              </a:spcAft>
+              <a:buNone/>
+            </a:pPr>
+            <a:endParaRPr lang="en-US" sz="1900">
+              <a:sym typeface="+mn-ea"/>
+            </a:endParaRPr>
+          </a:p>
+          <a:p>
+            <a:pPr marL="241300" marR="241300" lvl="0" indent="0" algn="l" rtl="0">
+              <a:lnSpc>
+                <a:spcPct val="100000"/>
+              </a:lnSpc>
+              <a:spcBef>
+                <a:spcPts val="0"/>
+              </a:spcBef>
+              <a:spcAft>
+                <a:spcPts val="0"/>
+              </a:spcAft>
+              <a:buNone/>
+            </a:pPr>
+            <a:endParaRPr lang="en-US" sz="1900">
+              <a:sym typeface="+mn-ea"/>
+            </a:endParaRPr>
+          </a:p>
+          <a:p>
+            <a:pPr marL="241300" marR="241300" lvl="0" indent="0" algn="l" rtl="0">
+              <a:lnSpc>
+                <a:spcPct val="100000"/>
+              </a:lnSpc>
+              <a:spcBef>
+                <a:spcPts val="0"/>
+              </a:spcBef>
+              <a:spcAft>
+                <a:spcPts val="0"/>
+              </a:spcAft>
+              <a:buNone/>
+            </a:pPr>
+            <a:endParaRPr lang="en-US" sz="1900">
+              <a:sym typeface="+mn-ea"/>
+            </a:endParaRPr>
+          </a:p>
+          <a:p>
+            <a:pPr marL="241300" marR="241300" lvl="0" indent="0" algn="l" rtl="0">
+              <a:lnSpc>
+                <a:spcPct val="100000"/>
+              </a:lnSpc>
+              <a:spcBef>
+                <a:spcPts val="0"/>
+              </a:spcBef>
+              <a:spcAft>
+                <a:spcPts val="0"/>
+              </a:spcAft>
+              <a:buNone/>
+            </a:pPr>
+            <a:endParaRPr lang="en-US" sz="1900">
+              <a:sym typeface="+mn-ea"/>
+            </a:endParaRPr>
+          </a:p>
+          <a:p>
+            <a:pPr marL="241300" marR="241300" lvl="0" indent="0" algn="l" rtl="0">
+              <a:lnSpc>
+                <a:spcPct val="100000"/>
+              </a:lnSpc>
+              <a:spcBef>
+                <a:spcPts val="0"/>
+              </a:spcBef>
+              <a:spcAft>
+                <a:spcPts val="0"/>
+              </a:spcAft>
+              <a:buNone/>
+            </a:pPr>
+            <a:endParaRPr lang="en-US" sz="1900"/>
+          </a:p>
+          <a:p>
+            <a:pPr marL="241300" marR="241300" lvl="0" indent="0" algn="l" rtl="0">
+              <a:lnSpc>
+                <a:spcPct val="100000"/>
+              </a:lnSpc>
+              <a:spcBef>
+                <a:spcPts val="0"/>
+              </a:spcBef>
+              <a:spcAft>
+                <a:spcPts val="0"/>
+              </a:spcAft>
+              <a:buNone/>
+            </a:pPr>
+            <a:endParaRPr lang="en-US" sz="1900"/>
+          </a:p>
+          <a:p>
+            <a:pPr marL="241300" marR="241300" lvl="0" indent="0" algn="l" rtl="0">
+              <a:lnSpc>
+                <a:spcPct val="100000"/>
+              </a:lnSpc>
+              <a:spcBef>
+                <a:spcPts val="0"/>
+              </a:spcBef>
+              <a:spcAft>
+                <a:spcPts val="0"/>
+              </a:spcAft>
+              <a:buNone/>
+            </a:pPr>
+            <a:endParaRPr lang="en-US" sz="1900"/>
+          </a:p>
+          <a:p>
+            <a:pPr marL="241300" marR="241300" lvl="0" indent="0" algn="l" rtl="0">
+              <a:lnSpc>
+                <a:spcPct val="100000"/>
+              </a:lnSpc>
+              <a:spcBef>
+                <a:spcPts val="0"/>
+              </a:spcBef>
+              <a:spcAft>
+                <a:spcPts val="0"/>
+              </a:spcAft>
+              <a:buNone/>
+            </a:pPr>
+            <a:endParaRPr lang="en-US" sz="1900"/>
+          </a:p>
+          <a:p>
+            <a:pPr marL="241300" marR="241300" lvl="0" indent="0" algn="l" rtl="0">
+              <a:lnSpc>
+                <a:spcPct val="100000"/>
+              </a:lnSpc>
+              <a:spcBef>
+                <a:spcPts val="0"/>
+              </a:spcBef>
+              <a:spcAft>
+                <a:spcPts val="0"/>
+              </a:spcAft>
+              <a:buNone/>
+            </a:pPr>
+            <a:endParaRPr lang="en-US" sz="1900"/>
+          </a:p>
+        </p:txBody>
+      </p:sp>
+      <p:pic>
+        <p:nvPicPr>
+          <p:cNvPr id="6" name="Picture 5"/>
+          <p:cNvPicPr>
+            <a:picLocks noChangeAspect="1"/>
+          </p:cNvPicPr>
+          <p:nvPr/>
+        </p:nvPicPr>
+        <p:blipFill>
+          <a:blip r:embed="rId1"/>
+          <a:stretch>
+            <a:fillRect/>
+          </a:stretch>
+        </p:blipFill>
+        <p:spPr>
+          <a:xfrm>
+            <a:off x="501650" y="636905"/>
+            <a:ext cx="6810375" cy="3838575"/>
+          </a:xfrm>
+          <a:prstGeom prst="rect">
+            <a:avLst/>
+          </a:prstGeom>
+        </p:spPr>
+      </p:pic>
+    </p:spTree>
+  </p:cSld>
+  <p:clrMapOvr>
+    <a:masterClrMapping/>
+  </p:clrMapOvr>
+</p:sld>
+</file>
+
+<file path=ppt/slides/slide21.xml><?xml version="1.0" encoding="utf-8"?>
+<p:sld xmlns:a="http://schemas.openxmlformats.org/drawingml/2006/main" xmlns:r="http://schemas.openxmlformats.org/officeDocument/2006/relationships" xmlns:p="http://schemas.openxmlformats.org/presentationml/2006/main">
+  <p:cSld>
+    <p:spTree>
+      <p:nvGrpSpPr>
+        <p:cNvPr id="287" name="Shape 287"/>
+        <p:cNvGrpSpPr/>
+        <p:nvPr/>
+      </p:nvGrpSpPr>
+      <p:grpSpPr>
+        <a:xfrm>
+          <a:off x="0" y="0"/>
+          <a:ext cx="0" cy="0"/>
+          <a:chOff x="0" y="0"/>
+          <a:chExt cx="0" cy="0"/>
+        </a:xfrm>
+      </p:grpSpPr>
+      <p:sp>
+        <p:nvSpPr>
+          <p:cNvPr id="288" name="Google Shape;288;p68"/>
+          <p:cNvSpPr txBox="1"/>
+          <p:nvPr>
+            <p:ph type="title"/>
+          </p:nvPr>
+        </p:nvSpPr>
+        <p:spPr>
+          <a:xfrm>
+            <a:off x="264945" y="870271"/>
+            <a:ext cx="7242600" cy="1119900"/>
+          </a:xfrm>
+          <a:prstGeom prst="rect">
+            <a:avLst/>
+          </a:prstGeom>
+        </p:spPr>
+        <p:txBody>
+          <a:bodyPr spcFirstLastPara="1" wrap="square" lIns="91425" tIns="91425" rIns="91425" bIns="91425" anchor="ctr" anchorCtr="0">
+            <a:noAutofit/>
+          </a:bodyPr>
+          <a:lstStyle/>
+          <a:p>
+            <a:pPr marL="0" lvl="0" indent="0" algn="l" rtl="0">
+              <a:spcBef>
+                <a:spcPts val="0"/>
+              </a:spcBef>
+              <a:spcAft>
+                <a:spcPts val="0"/>
+              </a:spcAft>
+              <a:buNone/>
+            </a:pPr>
+            <a:r>
+              <a:rPr lang="en-GB"/>
+              <a:t>CRUD</a:t>
+            </a:r>
+            <a:endParaRPr lang="en-GB"/>
+          </a:p>
+        </p:txBody>
+      </p:sp>
+      <p:sp>
+        <p:nvSpPr>
+          <p:cNvPr id="289" name="Google Shape;289;p68"/>
+          <p:cNvSpPr txBox="1"/>
+          <p:nvPr>
+            <p:ph type="body" idx="1"/>
+          </p:nvPr>
+        </p:nvSpPr>
+        <p:spPr>
+          <a:xfrm>
+            <a:off x="264950" y="2156849"/>
+            <a:ext cx="7242600" cy="7731900"/>
+          </a:xfrm>
+          <a:prstGeom prst="rect">
+            <a:avLst/>
+          </a:prstGeom>
+        </p:spPr>
+        <p:txBody>
+          <a:bodyPr spcFirstLastPara="1" wrap="square" lIns="91425" tIns="91425" rIns="91425" bIns="91425" anchor="t" anchorCtr="0">
+            <a:noAutofit/>
+          </a:bodyPr>
+          <a:lstStyle/>
+          <a:p>
+            <a:pPr marL="0" lvl="0" indent="0" algn="l" rtl="0">
+              <a:spcBef>
+                <a:spcPts val="0"/>
+              </a:spcBef>
+              <a:spcAft>
+                <a:spcPts val="0"/>
+              </a:spcAft>
+              <a:buNone/>
+            </a:pPr>
+            <a:endParaRPr sz="1900"/>
+          </a:p>
+          <a:p>
+            <a:pPr marL="457200" lvl="0" indent="-349250" algn="l" rtl="0">
+              <a:spcBef>
+                <a:spcPts val="1600"/>
+              </a:spcBef>
+              <a:spcAft>
+                <a:spcPts val="0"/>
+              </a:spcAft>
+              <a:buSzPts val="1900"/>
+              <a:buFont typeface="Open Sans" panose="020B0306030504020204"/>
+              <a:buChar char="●"/>
+            </a:pPr>
+            <a:r>
+              <a:rPr lang="en-GB" sz="1900" b="1">
+                <a:latin typeface="Open Sans" panose="020B0306030504020204"/>
+                <a:ea typeface="Open Sans" panose="020B0306030504020204"/>
+                <a:cs typeface="Open Sans" panose="020B0306030504020204"/>
+                <a:sym typeface="Open Sans" panose="020B0306030504020204"/>
+              </a:rPr>
+              <a:t>Question 1: Return a list of employees with Job Titles and Department Names</a:t>
+            </a:r>
+            <a:endParaRPr sz="1900" b="1">
+              <a:latin typeface="Open Sans" panose="020B0306030504020204"/>
+              <a:ea typeface="Open Sans" panose="020B0306030504020204"/>
+              <a:cs typeface="Open Sans" panose="020B0306030504020204"/>
+              <a:sym typeface="Open Sans" panose="020B0306030504020204"/>
+            </a:endParaRPr>
+          </a:p>
+          <a:p>
+            <a:pPr marL="0" lvl="0" indent="0" algn="l" rtl="0">
+              <a:spcBef>
+                <a:spcPts val="1600"/>
+              </a:spcBef>
+              <a:spcAft>
+                <a:spcPts val="0"/>
+              </a:spcAft>
+              <a:buNone/>
+            </a:pPr>
+            <a:endParaRPr sz="1900" b="1">
+              <a:latin typeface="Open Sans" panose="020B0306030504020204"/>
+              <a:ea typeface="Open Sans" panose="020B0306030504020204"/>
+              <a:cs typeface="Open Sans" panose="020B0306030504020204"/>
+              <a:sym typeface="Open Sans" panose="020B0306030504020204"/>
+            </a:endParaRPr>
+          </a:p>
+          <a:p>
+            <a:pPr marL="0" lvl="0" indent="0" algn="l" rtl="0">
+              <a:spcBef>
+                <a:spcPts val="1600"/>
+              </a:spcBef>
+              <a:spcAft>
+                <a:spcPts val="0"/>
+              </a:spcAft>
+              <a:buNone/>
+            </a:pPr>
+            <a:endParaRPr sz="1900" b="1">
+              <a:latin typeface="Open Sans" panose="020B0306030504020204"/>
+              <a:ea typeface="Open Sans" panose="020B0306030504020204"/>
+              <a:cs typeface="Open Sans" panose="020B0306030504020204"/>
+              <a:sym typeface="Open Sans" panose="020B0306030504020204"/>
+            </a:endParaRPr>
+          </a:p>
+          <a:p>
+            <a:pPr marL="457200" lvl="0" indent="0" algn="l" rtl="0">
+              <a:spcBef>
+                <a:spcPts val="1600"/>
+              </a:spcBef>
+              <a:spcAft>
+                <a:spcPts val="0"/>
+              </a:spcAft>
+              <a:buNone/>
+            </a:pPr>
+            <a:endParaRPr sz="1900" b="1">
+              <a:latin typeface="Open Sans" panose="020B0306030504020204"/>
+              <a:ea typeface="Open Sans" panose="020B0306030504020204"/>
+              <a:cs typeface="Open Sans" panose="020B0306030504020204"/>
+              <a:sym typeface="Open Sans" panose="020B0306030504020204"/>
+            </a:endParaRPr>
+          </a:p>
+          <a:p>
+            <a:pPr marL="0" lvl="0" indent="0" algn="l" rtl="0">
+              <a:spcBef>
+                <a:spcPts val="1600"/>
+              </a:spcBef>
+              <a:spcAft>
+                <a:spcPts val="0"/>
+              </a:spcAft>
+              <a:buNone/>
+            </a:pPr>
+            <a:endParaRPr sz="1900" b="1">
+              <a:latin typeface="Open Sans" panose="020B0306030504020204"/>
+              <a:ea typeface="Open Sans" panose="020B0306030504020204"/>
+              <a:cs typeface="Open Sans" panose="020B0306030504020204"/>
+              <a:sym typeface="Open Sans" panose="020B0306030504020204"/>
+            </a:endParaRPr>
+          </a:p>
+          <a:p>
+            <a:pPr marL="0" lvl="0" indent="0" algn="l" rtl="0">
+              <a:spcBef>
+                <a:spcPts val="1600"/>
+              </a:spcBef>
+              <a:spcAft>
+                <a:spcPts val="0"/>
+              </a:spcAft>
+              <a:buNone/>
+            </a:pPr>
+            <a:endParaRPr sz="1900" b="1">
+              <a:latin typeface="Open Sans" panose="020B0306030504020204"/>
+              <a:ea typeface="Open Sans" panose="020B0306030504020204"/>
+              <a:cs typeface="Open Sans" panose="020B0306030504020204"/>
+              <a:sym typeface="Open Sans" panose="020B0306030504020204"/>
+            </a:endParaRPr>
+          </a:p>
+          <a:p>
+            <a:pPr marL="0" lvl="0" indent="0" algn="l" rtl="0">
+              <a:spcBef>
+                <a:spcPts val="1600"/>
+              </a:spcBef>
+              <a:spcAft>
+                <a:spcPts val="0"/>
+              </a:spcAft>
+              <a:buNone/>
+            </a:pPr>
+            <a:endParaRPr sz="1900"/>
+          </a:p>
+          <a:p>
+            <a:pPr marL="457200" lvl="0" indent="0" algn="l" rtl="0">
+              <a:spcBef>
+                <a:spcPts val="1600"/>
+              </a:spcBef>
+              <a:spcAft>
+                <a:spcPts val="0"/>
+              </a:spcAft>
+              <a:buNone/>
+            </a:pPr>
+            <a:endParaRPr sz="1900"/>
+          </a:p>
+          <a:p>
+            <a:pPr marL="457200" lvl="0" indent="0" algn="l" rtl="0">
+              <a:spcBef>
+                <a:spcPts val="1600"/>
+              </a:spcBef>
+              <a:spcAft>
+                <a:spcPts val="0"/>
+              </a:spcAft>
+              <a:buNone/>
+            </a:pPr>
+            <a:endParaRPr sz="1900"/>
+          </a:p>
+          <a:p>
+            <a:pPr marL="457200" lvl="0" indent="0" algn="l" rtl="0">
+              <a:spcBef>
+                <a:spcPts val="1600"/>
+              </a:spcBef>
+              <a:spcAft>
+                <a:spcPts val="1600"/>
+              </a:spcAft>
+              <a:buNone/>
+            </a:pPr>
+            <a:endParaRPr sz="1900"/>
+          </a:p>
+        </p:txBody>
+      </p:sp>
+      <p:pic>
+        <p:nvPicPr>
+          <p:cNvPr id="1" name="Picture 0"/>
+          <p:cNvPicPr>
+            <a:picLocks noChangeAspect="1"/>
+          </p:cNvPicPr>
+          <p:nvPr/>
+        </p:nvPicPr>
+        <p:blipFill>
+          <a:blip r:embed="rId1"/>
+          <a:stretch>
+            <a:fillRect/>
+          </a:stretch>
+        </p:blipFill>
+        <p:spPr>
+          <a:xfrm>
+            <a:off x="462915" y="3589020"/>
+            <a:ext cx="6846570" cy="5572125"/>
+          </a:xfrm>
+          <a:prstGeom prst="rect">
+            <a:avLst/>
+          </a:prstGeom>
+        </p:spPr>
+      </p:pic>
+    </p:spTree>
+  </p:cSld>
+  <p:clrMapOvr>
+    <a:masterClrMapping/>
+  </p:clrMapOvr>
+</p:sld>
+</file>
+
+<file path=ppt/slides/slide22.xml><?xml version="1.0" encoding="utf-8"?>
+<p:sld xmlns:a="http://schemas.openxmlformats.org/drawingml/2006/main" xmlns:r="http://schemas.openxmlformats.org/officeDocument/2006/relationships" xmlns:p="http://schemas.openxmlformats.org/presentationml/2006/main">
+  <p:cSld>
+    <p:spTree>
+      <p:nvGrpSpPr>
         <p:cNvPr id="294" name="Shape 294"/>
         <p:cNvGrpSpPr/>
         <p:nvPr/>
@@ -31580,7 +32968,7 @@
           <a:p>
             <a:pPr marL="0" lvl="0" indent="0" algn="l" rtl="0">
               <a:spcBef>
-                <a:spcPts val="1600"/>
+                <a:spcPts val="0"/>
               </a:spcBef>
               <a:spcAft>
                 <a:spcPts val="0"/>
@@ -31596,63 +32984,8 @@
           </a:p>
           <a:p>
             <a:pPr marL="0" lvl="0" indent="0" algn="l" rtl="0">
-              <a:lnSpc>
-                <a:spcPct val="170000"/>
-              </a:lnSpc>
               <a:spcBef>
                 <a:spcPts val="1600"/>
-              </a:spcBef>
-              <a:spcAft>
-                <a:spcPts val="0"/>
-              </a:spcAft>
-              <a:buClr>
-                <a:schemeClr val="dk1"/>
-              </a:buClr>
-              <a:buSzPts val="1100"/>
-              <a:buFont typeface="Arial" panose="020B0604020202020204"/>
-              <a:buNone/>
-            </a:pPr>
-            <a:r>
-              <a:rPr lang="en-GB" sz="1200">
-                <a:solidFill>
-                  <a:srgbClr val="525C65"/>
-                </a:solidFill>
-                <a:highlight>
-                  <a:schemeClr val="lt1"/>
-                </a:highlight>
-                <a:latin typeface="Open Sans" panose="020B0306030504020204"/>
-                <a:ea typeface="Open Sans" panose="020B0306030504020204"/>
-                <a:cs typeface="Open Sans" panose="020B0306030504020204"/>
-                <a:sym typeface="Open Sans" panose="020B0306030504020204"/>
-              </a:rPr>
-              <a:t>    </a:t>
-            </a:r>
-            <a:r>
-              <a:rPr lang="en-GB" sz="1200">
-                <a:solidFill>
-                  <a:srgbClr val="FF0000"/>
-                </a:solidFill>
-                <a:highlight>
-                  <a:schemeClr val="lt1"/>
-                </a:highlight>
-                <a:latin typeface="Open Sans" panose="020B0306030504020204"/>
-                <a:ea typeface="Open Sans" panose="020B0306030504020204"/>
-                <a:cs typeface="Open Sans" panose="020B0306030504020204"/>
-                <a:sym typeface="Open Sans" panose="020B0306030504020204"/>
-              </a:rPr>
-              <a:t>** Replace example screenshot below with your response, and include the query in a SQL file</a:t>
-            </a:r>
-            <a:endParaRPr sz="1900" b="1">
-              <a:latin typeface="Open Sans" panose="020B0306030504020204"/>
-              <a:ea typeface="Open Sans" panose="020B0306030504020204"/>
-              <a:cs typeface="Open Sans" panose="020B0306030504020204"/>
-              <a:sym typeface="Open Sans" panose="020B0306030504020204"/>
-            </a:endParaRPr>
-          </a:p>
-          <a:p>
-            <a:pPr marL="0" lvl="0" indent="0" algn="l" rtl="0">
-              <a:spcBef>
-                <a:spcPts val="0"/>
               </a:spcBef>
               <a:spcAft>
                 <a:spcPts val="0"/>
@@ -31701,23 +33034,6 @@
             </a:endParaRPr>
           </a:p>
           <a:p>
-            <a:pPr marL="0" lvl="0" indent="0" algn="l" rtl="0">
-              <a:spcBef>
-                <a:spcPts val="1600"/>
-              </a:spcBef>
-              <a:spcAft>
-                <a:spcPts val="0"/>
-              </a:spcAft>
-              <a:buNone/>
-            </a:pPr>
-            <a:endParaRPr sz="1900" b="1">
-              <a:latin typeface="Open Sans" panose="020B0306030504020204"/>
-              <a:ea typeface="Open Sans" panose="020B0306030504020204"/>
-              <a:cs typeface="Open Sans" panose="020B0306030504020204"/>
-              <a:sym typeface="Open Sans" panose="020B0306030504020204"/>
-            </a:endParaRPr>
-          </a:p>
-          <a:p>
             <a:pPr marL="457200" lvl="0" indent="0" algn="l" rtl="0">
               <a:spcBef>
                 <a:spcPts val="1600"/>
@@ -31820,8 +33136,10 @@
       </p:sp>
       <p:pic>
         <p:nvPicPr>
-          <p:cNvPr id="297" name="Google Shape;297;p69"/>
-          <p:cNvPicPr preferRelativeResize="0"/>
+          <p:cNvPr id="2" name="Picture 1"/>
+          <p:cNvPicPr>
+            <a:picLocks noChangeAspect="1"/>
+          </p:cNvPicPr>
           <p:nvPr/>
         </p:nvPicPr>
         <p:blipFill>
@@ -31832,22 +33150,12 @@
         </p:blipFill>
         <p:spPr>
           <a:xfrm>
-            <a:off x="1088175" y="4781750"/>
-            <a:ext cx="5036025" cy="3241700"/>
+            <a:off x="264160" y="3364865"/>
+            <a:ext cx="7059930" cy="4940935"/>
           </a:xfrm>
           <a:prstGeom prst="rect">
             <a:avLst/>
           </a:prstGeom>
-          <a:noFill/>
-          <a:ln w="9525" cap="flat" cmpd="sng">
-            <a:solidFill>
-              <a:schemeClr val="dk2"/>
-            </a:solidFill>
-            <a:prstDash val="solid"/>
-            <a:round/>
-            <a:headEnd type="none" w="sm" len="sm"/>
-            <a:tailEnd type="none" w="sm" len="sm"/>
-          </a:ln>
         </p:spPr>
       </p:pic>
     </p:spTree>
@@ -31858,7 +33166,7 @@
 </p:sld>
 </file>
 
-<file path=ppt/slides/slide21.xml><?xml version="1.0" encoding="utf-8"?>
+<file path=ppt/slides/slide23.xml><?xml version="1.0" encoding="utf-8"?>
 <p:sld xmlns:a="http://schemas.openxmlformats.org/drawingml/2006/main" xmlns:r="http://schemas.openxmlformats.org/officeDocument/2006/relationships" xmlns:p="http://schemas.openxmlformats.org/presentationml/2006/main">
   <p:cSld>
     <p:spTree>
@@ -31979,112 +33287,6 @@
           </a:p>
           <a:p>
             <a:pPr marL="0" lvl="0" indent="0" algn="l" rtl="0">
-              <a:lnSpc>
-                <a:spcPct val="170000"/>
-              </a:lnSpc>
-              <a:spcBef>
-                <a:spcPts val="1600"/>
-              </a:spcBef>
-              <a:spcAft>
-                <a:spcPts val="0"/>
-              </a:spcAft>
-              <a:buNone/>
-            </a:pPr>
-            <a:r>
-              <a:rPr lang="en-GB" sz="1200">
-                <a:solidFill>
-                  <a:srgbClr val="525C65"/>
-                </a:solidFill>
-                <a:highlight>
-                  <a:schemeClr val="lt1"/>
-                </a:highlight>
-                <a:latin typeface="Open Sans" panose="020B0306030504020204"/>
-                <a:ea typeface="Open Sans" panose="020B0306030504020204"/>
-                <a:cs typeface="Open Sans" panose="020B0306030504020204"/>
-                <a:sym typeface="Open Sans" panose="020B0306030504020204"/>
-              </a:rPr>
-              <a:t>     </a:t>
-            </a:r>
-            <a:endParaRPr sz="1200">
-              <a:solidFill>
-                <a:srgbClr val="525C65"/>
-              </a:solidFill>
-              <a:highlight>
-                <a:schemeClr val="lt1"/>
-              </a:highlight>
-              <a:latin typeface="Open Sans" panose="020B0306030504020204"/>
-              <a:ea typeface="Open Sans" panose="020B0306030504020204"/>
-              <a:cs typeface="Open Sans" panose="020B0306030504020204"/>
-              <a:sym typeface="Open Sans" panose="020B0306030504020204"/>
-            </a:endParaRPr>
-          </a:p>
-          <a:p>
-            <a:pPr marL="0" lvl="0" indent="0" algn="l" rtl="0">
-              <a:lnSpc>
-                <a:spcPct val="170000"/>
-              </a:lnSpc>
-              <a:spcBef>
-                <a:spcPts val="0"/>
-              </a:spcBef>
-              <a:spcAft>
-                <a:spcPts val="0"/>
-              </a:spcAft>
-              <a:buNone/>
-            </a:pPr>
-            <a:r>
-              <a:rPr lang="en-GB" sz="1200">
-                <a:solidFill>
-                  <a:srgbClr val="525C65"/>
-                </a:solidFill>
-                <a:highlight>
-                  <a:schemeClr val="lt1"/>
-                </a:highlight>
-                <a:latin typeface="Open Sans" panose="020B0306030504020204"/>
-                <a:ea typeface="Open Sans" panose="020B0306030504020204"/>
-                <a:cs typeface="Open Sans" panose="020B0306030504020204"/>
-                <a:sym typeface="Open Sans" panose="020B0306030504020204"/>
-              </a:rPr>
-              <a:t> </a:t>
-            </a:r>
-            <a:r>
-              <a:rPr lang="en-GB" sz="1200">
-                <a:solidFill>
-                  <a:srgbClr val="525C65"/>
-                </a:solidFill>
-                <a:highlight>
-                  <a:schemeClr val="lt1"/>
-                </a:highlight>
-                <a:latin typeface="Open Sans" panose="020B0306030504020204"/>
-                <a:ea typeface="Open Sans" panose="020B0306030504020204"/>
-                <a:cs typeface="Open Sans" panose="020B0306030504020204"/>
-                <a:sym typeface="Open Sans" panose="020B0306030504020204"/>
-              </a:rPr>
-              <a:t> </a:t>
-            </a:r>
-            <a:r>
-              <a:rPr lang="en-GB" sz="1200">
-                <a:solidFill>
-                  <a:srgbClr val="FF0000"/>
-                </a:solidFill>
-                <a:highlight>
-                  <a:schemeClr val="lt1"/>
-                </a:highlight>
-                <a:latin typeface="Open Sans" panose="020B0306030504020204"/>
-                <a:ea typeface="Open Sans" panose="020B0306030504020204"/>
-                <a:cs typeface="Open Sans" panose="020B0306030504020204"/>
-                <a:sym typeface="Open Sans" panose="020B0306030504020204"/>
-              </a:rPr>
-              <a:t>** Replace example screenshot below with your response, and include the query in a SQL file</a:t>
-            </a:r>
-            <a:endParaRPr sz="1900" b="1">
-              <a:latin typeface="Open Sans" panose="020B0306030504020204"/>
-              <a:ea typeface="Open Sans" panose="020B0306030504020204"/>
-              <a:cs typeface="Open Sans" panose="020B0306030504020204"/>
-              <a:sym typeface="Open Sans" panose="020B0306030504020204"/>
-            </a:endParaRPr>
-          </a:p>
-          <a:p>
-            <a:pPr marL="0" lvl="0" indent="0" algn="l" rtl="0">
               <a:spcBef>
                 <a:spcPts val="0"/>
               </a:spcBef>
@@ -32254,8 +33456,10 @@
       </p:sp>
       <p:pic>
         <p:nvPicPr>
-          <p:cNvPr id="304" name="Google Shape;304;p70"/>
-          <p:cNvPicPr preferRelativeResize="0"/>
+          <p:cNvPr id="1" name="Picture 0"/>
+          <p:cNvPicPr>
+            <a:picLocks noChangeAspect="1"/>
+          </p:cNvPicPr>
           <p:nvPr/>
         </p:nvPicPr>
         <p:blipFill>
@@ -32266,22 +33470,12 @@
         </p:blipFill>
         <p:spPr>
           <a:xfrm>
-            <a:off x="1088175" y="4781750"/>
-            <a:ext cx="5036025" cy="3241700"/>
+            <a:off x="213995" y="3661410"/>
+            <a:ext cx="7486650" cy="4935220"/>
           </a:xfrm>
           <a:prstGeom prst="rect">
             <a:avLst/>
           </a:prstGeom>
-          <a:noFill/>
-          <a:ln w="9525" cap="flat" cmpd="sng">
-            <a:solidFill>
-              <a:schemeClr val="dk2"/>
-            </a:solidFill>
-            <a:prstDash val="solid"/>
-            <a:round/>
-            <a:headEnd type="none" w="sm" len="sm"/>
-            <a:tailEnd type="none" w="sm" len="sm"/>
-          </a:ln>
         </p:spPr>
       </p:pic>
     </p:spTree>
@@ -32292,7 +33486,7 @@
 </p:sld>
 </file>
 
-<file path=ppt/slides/slide22.xml><?xml version="1.0" encoding="utf-8"?>
+<file path=ppt/slides/slide24.xml><?xml version="1.0" encoding="utf-8"?>
 <p:sld xmlns:a="http://schemas.openxmlformats.org/drawingml/2006/main" xmlns:r="http://schemas.openxmlformats.org/officeDocument/2006/relationships" xmlns:p="http://schemas.openxmlformats.org/presentationml/2006/main">
   <p:cSld>
     <p:spTree>
@@ -32359,7 +33553,7 @@
         </p:nvSpPr>
         <p:spPr>
           <a:xfrm>
-            <a:off x="264950" y="2118049"/>
+            <a:off x="285905" y="2118049"/>
             <a:ext cx="7242600" cy="7731900"/>
           </a:xfrm>
           <a:prstGeom prst="rect">
@@ -32413,114 +33607,8 @@
           </a:p>
           <a:p>
             <a:pPr marL="0" lvl="0" indent="0" algn="l" rtl="0">
-              <a:lnSpc>
-                <a:spcPct val="170000"/>
-              </a:lnSpc>
               <a:spcBef>
                 <a:spcPts val="1600"/>
-              </a:spcBef>
-              <a:spcAft>
-                <a:spcPts val="0"/>
-              </a:spcAft>
-              <a:buNone/>
-            </a:pPr>
-            <a:r>
-              <a:rPr lang="en-GB" sz="1200">
-                <a:solidFill>
-                  <a:srgbClr val="525C65"/>
-                </a:solidFill>
-                <a:highlight>
-                  <a:schemeClr val="lt1"/>
-                </a:highlight>
-                <a:latin typeface="Open Sans" panose="020B0306030504020204"/>
-                <a:ea typeface="Open Sans" panose="020B0306030504020204"/>
-                <a:cs typeface="Open Sans" panose="020B0306030504020204"/>
-                <a:sym typeface="Open Sans" panose="020B0306030504020204"/>
-              </a:rPr>
-              <a:t>     </a:t>
-            </a:r>
-            <a:r>
-              <a:rPr lang="en-GB" sz="1200">
-                <a:solidFill>
-                  <a:srgbClr val="525C65"/>
-                </a:solidFill>
-                <a:highlight>
-                  <a:schemeClr val="lt1"/>
-                </a:highlight>
-                <a:latin typeface="Open Sans" panose="020B0306030504020204"/>
-                <a:ea typeface="Open Sans" panose="020B0306030504020204"/>
-                <a:cs typeface="Open Sans" panose="020B0306030504020204"/>
-                <a:sym typeface="Open Sans" panose="020B0306030504020204"/>
-              </a:rPr>
-              <a:t>    </a:t>
-            </a:r>
-            <a:endParaRPr sz="1200">
-              <a:solidFill>
-                <a:srgbClr val="525C65"/>
-              </a:solidFill>
-              <a:highlight>
-                <a:schemeClr val="lt1"/>
-              </a:highlight>
-              <a:latin typeface="Open Sans" panose="020B0306030504020204"/>
-              <a:ea typeface="Open Sans" panose="020B0306030504020204"/>
-              <a:cs typeface="Open Sans" panose="020B0306030504020204"/>
-              <a:sym typeface="Open Sans" panose="020B0306030504020204"/>
-            </a:endParaRPr>
-          </a:p>
-          <a:p>
-            <a:pPr marL="0" lvl="0" indent="0" algn="l" rtl="0">
-              <a:lnSpc>
-                <a:spcPct val="170000"/>
-              </a:lnSpc>
-              <a:spcBef>
-                <a:spcPts val="0"/>
-              </a:spcBef>
-              <a:spcAft>
-                <a:spcPts val="0"/>
-              </a:spcAft>
-              <a:buNone/>
-            </a:pPr>
-            <a:r>
-              <a:rPr lang="en-GB" sz="1200">
-                <a:solidFill>
-                  <a:srgbClr val="525C65"/>
-                </a:solidFill>
-                <a:highlight>
-                  <a:schemeClr val="lt1"/>
-                </a:highlight>
-                <a:latin typeface="Open Sans" panose="020B0306030504020204"/>
-                <a:ea typeface="Open Sans" panose="020B0306030504020204"/>
-                <a:cs typeface="Open Sans" panose="020B0306030504020204"/>
-                <a:sym typeface="Open Sans" panose="020B0306030504020204"/>
-              </a:rPr>
-              <a:t> </a:t>
-            </a:r>
-            <a:r>
-              <a:rPr lang="en-GB" sz="1200">
-                <a:solidFill>
-                  <a:srgbClr val="FF0000"/>
-                </a:solidFill>
-                <a:highlight>
-                  <a:schemeClr val="lt1"/>
-                </a:highlight>
-                <a:latin typeface="Open Sans" panose="020B0306030504020204"/>
-                <a:ea typeface="Open Sans" panose="020B0306030504020204"/>
-                <a:cs typeface="Open Sans" panose="020B0306030504020204"/>
-                <a:sym typeface="Open Sans" panose="020B0306030504020204"/>
-              </a:rPr>
-              <a:t>** Replace example screenshot below with your response, and include the query in a SQL file</a:t>
-            </a:r>
-            <a:endParaRPr sz="1900" b="1">
-              <a:latin typeface="Open Sans" panose="020B0306030504020204"/>
-              <a:ea typeface="Open Sans" panose="020B0306030504020204"/>
-              <a:cs typeface="Open Sans" panose="020B0306030504020204"/>
-              <a:sym typeface="Open Sans" panose="020B0306030504020204"/>
-            </a:endParaRPr>
-          </a:p>
-          <a:p>
-            <a:pPr marL="0" lvl="0" indent="0" algn="l" rtl="0">
-              <a:spcBef>
-                <a:spcPts val="0"/>
               </a:spcBef>
               <a:spcAft>
                 <a:spcPts val="0"/>
@@ -32569,23 +33657,6 @@
             </a:endParaRPr>
           </a:p>
           <a:p>
-            <a:pPr marL="0" lvl="0" indent="0" algn="l" rtl="0">
-              <a:spcBef>
-                <a:spcPts val="1600"/>
-              </a:spcBef>
-              <a:spcAft>
-                <a:spcPts val="0"/>
-              </a:spcAft>
-              <a:buNone/>
-            </a:pPr>
-            <a:endParaRPr sz="1900" b="1">
-              <a:latin typeface="Open Sans" panose="020B0306030504020204"/>
-              <a:ea typeface="Open Sans" panose="020B0306030504020204"/>
-              <a:cs typeface="Open Sans" panose="020B0306030504020204"/>
-              <a:sym typeface="Open Sans" panose="020B0306030504020204"/>
-            </a:endParaRPr>
-          </a:p>
-          <a:p>
             <a:pPr marL="457200" lvl="0" indent="0" algn="l" rtl="0">
               <a:spcBef>
                 <a:spcPts val="1600"/>
@@ -32688,8 +33759,10 @@
       </p:sp>
       <p:pic>
         <p:nvPicPr>
-          <p:cNvPr id="311" name="Google Shape;311;p71"/>
-          <p:cNvPicPr preferRelativeResize="0"/>
+          <p:cNvPr id="1" name="Picture 0"/>
+          <p:cNvPicPr>
+            <a:picLocks noChangeAspect="1"/>
+          </p:cNvPicPr>
           <p:nvPr/>
         </p:nvPicPr>
         <p:blipFill>
@@ -32700,22 +33773,12 @@
         </p:blipFill>
         <p:spPr>
           <a:xfrm>
-            <a:off x="1088175" y="4781750"/>
-            <a:ext cx="5036025" cy="3241700"/>
+            <a:off x="264795" y="3661410"/>
+            <a:ext cx="7105015" cy="4721860"/>
           </a:xfrm>
           <a:prstGeom prst="rect">
             <a:avLst/>
           </a:prstGeom>
-          <a:noFill/>
-          <a:ln w="9525" cap="flat" cmpd="sng">
-            <a:solidFill>
-              <a:schemeClr val="dk2"/>
-            </a:solidFill>
-            <a:prstDash val="solid"/>
-            <a:round/>
-            <a:headEnd type="none" w="sm" len="sm"/>
-            <a:tailEnd type="none" w="sm" len="sm"/>
-          </a:ln>
         </p:spPr>
       </p:pic>
     </p:spTree>
@@ -32726,7 +33789,7 @@
 </p:sld>
 </file>
 
-<file path=ppt/slides/slide23.xml><?xml version="1.0" encoding="utf-8"?>
+<file path=ppt/slides/slide25.xml><?xml version="1.0" encoding="utf-8"?>
 <p:sld xmlns:a="http://schemas.openxmlformats.org/drawingml/2006/main" xmlns:r="http://schemas.openxmlformats.org/officeDocument/2006/relationships" xmlns:p="http://schemas.openxmlformats.org/presentationml/2006/main">
   <p:cSld>
     <p:spTree>
@@ -32846,9 +33909,9 @@
             </a:endParaRPr>
           </a:p>
           <a:p>
-            <a:pPr marL="457200" lvl="0" indent="0" algn="l" rtl="0">
-              <a:spcBef>
-                <a:spcPts val="1600"/>
+            <a:pPr marL="0" lvl="0" indent="0" algn="l" rtl="0">
+              <a:spcBef>
+                <a:spcPts val="0"/>
               </a:spcBef>
               <a:spcAft>
                 <a:spcPts val="0"/>
@@ -32864,58 +33927,8 @@
           </a:p>
           <a:p>
             <a:pPr marL="0" lvl="0" indent="0" algn="l" rtl="0">
-              <a:lnSpc>
-                <a:spcPct val="170000"/>
-              </a:lnSpc>
               <a:spcBef>
                 <a:spcPts val="1600"/>
-              </a:spcBef>
-              <a:spcAft>
-                <a:spcPts val="0"/>
-              </a:spcAft>
-              <a:buNone/>
-            </a:pPr>
-            <a:r>
-              <a:rPr lang="en-GB" sz="1200">
-                <a:solidFill>
-                  <a:srgbClr val="525C65"/>
-                </a:solidFill>
-                <a:highlight>
-                  <a:schemeClr val="lt1"/>
-                </a:highlight>
-                <a:latin typeface="Open Sans" panose="020B0306030504020204"/>
-                <a:ea typeface="Open Sans" panose="020B0306030504020204"/>
-                <a:cs typeface="Open Sans" panose="020B0306030504020204"/>
-                <a:sym typeface="Open Sans" panose="020B0306030504020204"/>
-              </a:rPr>
-              <a:t>      </a:t>
-            </a:r>
-            <a:r>
-              <a:rPr lang="en-GB" sz="1200">
-                <a:solidFill>
-                  <a:srgbClr val="FF0000"/>
-                </a:solidFill>
-                <a:highlight>
-                  <a:schemeClr val="lt1"/>
-                </a:highlight>
-                <a:latin typeface="Open Sans" panose="020B0306030504020204"/>
-                <a:ea typeface="Open Sans" panose="020B0306030504020204"/>
-                <a:cs typeface="Open Sans" panose="020B0306030504020204"/>
-                <a:sym typeface="Open Sans" panose="020B0306030504020204"/>
-              </a:rPr>
-              <a:t>** Replace example screenshot below with your response, and include the query in a SQL file</a:t>
-            </a:r>
-            <a:endParaRPr sz="1900" b="1">
-              <a:latin typeface="Open Sans" panose="020B0306030504020204"/>
-              <a:ea typeface="Open Sans" panose="020B0306030504020204"/>
-              <a:cs typeface="Open Sans" panose="020B0306030504020204"/>
-              <a:sym typeface="Open Sans" panose="020B0306030504020204"/>
-            </a:endParaRPr>
-          </a:p>
-          <a:p>
-            <a:pPr marL="0" lvl="0" indent="0" algn="l" rtl="0">
-              <a:spcBef>
-                <a:spcPts val="0"/>
               </a:spcBef>
               <a:spcAft>
                 <a:spcPts val="0"/>
@@ -32964,23 +33977,6 @@
             </a:endParaRPr>
           </a:p>
           <a:p>
-            <a:pPr marL="0" lvl="0" indent="0" algn="l" rtl="0">
-              <a:spcBef>
-                <a:spcPts val="1600"/>
-              </a:spcBef>
-              <a:spcAft>
-                <a:spcPts val="0"/>
-              </a:spcAft>
-              <a:buNone/>
-            </a:pPr>
-            <a:endParaRPr sz="1900" b="1">
-              <a:latin typeface="Open Sans" panose="020B0306030504020204"/>
-              <a:ea typeface="Open Sans" panose="020B0306030504020204"/>
-              <a:cs typeface="Open Sans" panose="020B0306030504020204"/>
-              <a:sym typeface="Open Sans" panose="020B0306030504020204"/>
-            </a:endParaRPr>
-          </a:p>
-          <a:p>
             <a:pPr marL="457200" lvl="0" indent="0" algn="l" rtl="0">
               <a:spcBef>
                 <a:spcPts val="1600"/>
@@ -33083,8 +34079,10 @@
       </p:sp>
       <p:pic>
         <p:nvPicPr>
-          <p:cNvPr id="318" name="Google Shape;318;p72"/>
-          <p:cNvPicPr preferRelativeResize="0"/>
+          <p:cNvPr id="1" name="Picture 0"/>
+          <p:cNvPicPr>
+            <a:picLocks noChangeAspect="1"/>
+          </p:cNvPicPr>
           <p:nvPr/>
         </p:nvPicPr>
         <p:blipFill>
@@ -33095,22 +34093,12 @@
         </p:blipFill>
         <p:spPr>
           <a:xfrm>
-            <a:off x="1088175" y="4781750"/>
-            <a:ext cx="5036025" cy="3241700"/>
+            <a:off x="69850" y="3157220"/>
+            <a:ext cx="7618730" cy="3844925"/>
           </a:xfrm>
           <a:prstGeom prst="rect">
             <a:avLst/>
           </a:prstGeom>
-          <a:noFill/>
-          <a:ln w="9525" cap="flat" cmpd="sng">
-            <a:solidFill>
-              <a:schemeClr val="dk2"/>
-            </a:solidFill>
-            <a:prstDash val="solid"/>
-            <a:round/>
-            <a:headEnd type="none" w="sm" len="sm"/>
-            <a:tailEnd type="none" w="sm" len="sm"/>
-          </a:ln>
         </p:spPr>
       </p:pic>
     </p:spTree>
@@ -33121,7 +34109,7 @@
 </p:sld>
 </file>
 
-<file path=ppt/slides/slide24.xml><?xml version="1.0" encoding="utf-8"?>
+<file path=ppt/slides/slide26.xml><?xml version="1.0" encoding="utf-8"?>
 <p:sld xmlns:a="http://schemas.openxmlformats.org/drawingml/2006/main" xmlns:r="http://schemas.openxmlformats.org/officeDocument/2006/relationships" xmlns:p="http://schemas.openxmlformats.org/presentationml/2006/main">
   <p:cSld>
     <p:spTree>
@@ -33266,37 +34254,7 @@
                 <a:cs typeface="Open Sans" panose="020B0306030504020204"/>
                 <a:sym typeface="Open Sans" panose="020B0306030504020204"/>
               </a:rPr>
-              <a:t>     </a:t>
-            </a:r>
-            <a:r>
-              <a:rPr lang="en-GB" sz="1200">
-                <a:solidFill>
-                  <a:srgbClr val="525C65"/>
-                </a:solidFill>
-                <a:highlight>
-                  <a:schemeClr val="lt1"/>
-                </a:highlight>
-                <a:latin typeface="Open Sans" panose="020B0306030504020204"/>
-                <a:ea typeface="Open Sans" panose="020B0306030504020204"/>
-                <a:cs typeface="Open Sans" panose="020B0306030504020204"/>
-                <a:sym typeface="Open Sans" panose="020B0306030504020204"/>
-              </a:rPr>
-              <a:t>     </a:t>
-            </a:r>
-            <a:r>
-              <a:rPr lang="en-GB" sz="1200">
-                <a:solidFill>
-                  <a:srgbClr val="FF0000"/>
-                </a:solidFill>
-                <a:highlight>
-                  <a:schemeClr val="lt1"/>
-                </a:highlight>
-                <a:latin typeface="Open Sans" panose="020B0306030504020204"/>
-                <a:ea typeface="Open Sans" panose="020B0306030504020204"/>
-                <a:cs typeface="Open Sans" panose="020B0306030504020204"/>
-                <a:sym typeface="Open Sans" panose="020B0306030504020204"/>
-              </a:rPr>
-              <a:t>** Replace example screenshot below with your response, and include the query in a SQL file</a:t>
+              <a:t>  </a:t>
             </a:r>
             <a:endParaRPr sz="1900" b="1">
               <a:latin typeface="Open Sans" panose="020B0306030504020204"/>
@@ -33308,7 +34266,7 @@
           <a:p>
             <a:pPr marL="0" lvl="0" indent="0" algn="l" rtl="0">
               <a:spcBef>
-                <a:spcPts val="0"/>
+                <a:spcPts val="1600"/>
               </a:spcBef>
               <a:spcAft>
                 <a:spcPts val="0"/>
@@ -33357,23 +34315,6 @@
             </a:endParaRPr>
           </a:p>
           <a:p>
-            <a:pPr marL="0" lvl="0" indent="0" algn="l" rtl="0">
-              <a:spcBef>
-                <a:spcPts val="1600"/>
-              </a:spcBef>
-              <a:spcAft>
-                <a:spcPts val="0"/>
-              </a:spcAft>
-              <a:buNone/>
-            </a:pPr>
-            <a:endParaRPr sz="1900" b="1">
-              <a:latin typeface="Open Sans" panose="020B0306030504020204"/>
-              <a:ea typeface="Open Sans" panose="020B0306030504020204"/>
-              <a:cs typeface="Open Sans" panose="020B0306030504020204"/>
-              <a:sym typeface="Open Sans" panose="020B0306030504020204"/>
-            </a:endParaRPr>
-          </a:p>
-          <a:p>
             <a:pPr marL="457200" lvl="0" indent="0" algn="l" rtl="0">
               <a:spcBef>
                 <a:spcPts val="1600"/>
@@ -33476,8 +34417,10 @@
       </p:sp>
       <p:pic>
         <p:nvPicPr>
-          <p:cNvPr id="325" name="Google Shape;325;p73"/>
-          <p:cNvPicPr preferRelativeResize="0"/>
+          <p:cNvPr id="1" name="Picture 0"/>
+          <p:cNvPicPr>
+            <a:picLocks noChangeAspect="1"/>
+          </p:cNvPicPr>
           <p:nvPr/>
         </p:nvPicPr>
         <p:blipFill>
@@ -33488,22 +34431,12 @@
         </p:blipFill>
         <p:spPr>
           <a:xfrm>
-            <a:off x="1088175" y="4781750"/>
-            <a:ext cx="5036025" cy="3241700"/>
+            <a:off x="-1905" y="4164965"/>
+            <a:ext cx="7724775" cy="2856230"/>
           </a:xfrm>
           <a:prstGeom prst="rect">
             <a:avLst/>
           </a:prstGeom>
-          <a:noFill/>
-          <a:ln w="9525" cap="flat" cmpd="sng">
-            <a:solidFill>
-              <a:schemeClr val="dk2"/>
-            </a:solidFill>
-            <a:prstDash val="solid"/>
-            <a:round/>
-            <a:headEnd type="none" w="sm" len="sm"/>
-            <a:tailEnd type="none" w="sm" len="sm"/>
-          </a:ln>
         </p:spPr>
       </p:pic>
     </p:spTree>
@@ -33514,7 +34447,7 @@
 </p:sld>
 </file>
 
-<file path=ppt/slides/slide25.xml><?xml version="1.0" encoding="utf-8"?>
+<file path=ppt/slides/slide27.xml><?xml version="1.0" encoding="utf-8"?>
 <p:sld xmlns:a="http://schemas.openxmlformats.org/drawingml/2006/main" xmlns:r="http://schemas.openxmlformats.org/officeDocument/2006/relationships" xmlns:p="http://schemas.openxmlformats.org/presentationml/2006/main">
   <p:cSld>
     <p:spTree>
@@ -33641,38 +34574,15 @@
               <a:buNone/>
             </a:pPr>
             <a:r>
-              <a:rPr lang="en-GB" sz="1900" b="1">
-                <a:solidFill>
-                  <a:srgbClr val="FF0000"/>
-                </a:solidFill>
+              <a:rPr lang="en-US" sz="1900" b="1">
                 <a:latin typeface="Open Sans" panose="020B0306030504020204"/>
                 <a:ea typeface="Open Sans" panose="020B0306030504020204"/>
                 <a:cs typeface="Open Sans" panose="020B0306030504020204"/>
                 <a:sym typeface="Open Sans" panose="020B0306030504020204"/>
               </a:rPr>
-              <a:t>** answer in a short paragraph, how you would apply table security to restrict access to employee salaries</a:t>
+              <a:t>Each employee in the company has a domain authenticated username that they will use to access any database they have been authorized username access to. We have two step.</a:t>
             </a:r>
-            <a:endParaRPr sz="1900" b="1">
-              <a:solidFill>
-                <a:srgbClr val="FF0000"/>
-              </a:solidFill>
-              <a:latin typeface="Open Sans" panose="020B0306030504020204"/>
-              <a:ea typeface="Open Sans" panose="020B0306030504020204"/>
-              <a:cs typeface="Open Sans" panose="020B0306030504020204"/>
-              <a:sym typeface="Open Sans" panose="020B0306030504020204"/>
-            </a:endParaRPr>
-          </a:p>
-          <a:p>
-            <a:pPr marL="457200" lvl="0" indent="0" algn="l" rtl="0">
-              <a:spcBef>
-                <a:spcPts val="1600"/>
-              </a:spcBef>
-              <a:spcAft>
-                <a:spcPts val="0"/>
-              </a:spcAft>
-              <a:buNone/>
-            </a:pPr>
-            <a:endParaRPr sz="1900" b="1">
+            <a:endParaRPr lang="en-US" sz="1900" b="1">
               <a:latin typeface="Open Sans" panose="020B0306030504020204"/>
               <a:ea typeface="Open Sans" panose="020B0306030504020204"/>
               <a:cs typeface="Open Sans" panose="020B0306030504020204"/>
@@ -33689,10 +34599,24 @@
               </a:spcAft>
               <a:buNone/>
             </a:pPr>
-            <a:endParaRPr sz="1900"/>
+            <a:r>
+              <a:rPr lang="en-US" sz="1900" b="1">
+                <a:latin typeface="Open Sans" panose="020B0306030504020204"/>
+                <a:ea typeface="Open Sans" panose="020B0306030504020204"/>
+                <a:cs typeface="Open Sans" panose="020B0306030504020204"/>
+                <a:sym typeface="Open Sans" panose="020B0306030504020204"/>
+              </a:rPr>
+              <a:t>1. Grant user access to all tables in the database, then revoke access to EMP_ASSIGMENTS that contain salary information.</a:t>
+            </a:r>
+            <a:endParaRPr lang="en-US" sz="1900" b="1">
+              <a:latin typeface="Open Sans" panose="020B0306030504020204"/>
+              <a:ea typeface="Open Sans" panose="020B0306030504020204"/>
+              <a:cs typeface="Open Sans" panose="020B0306030504020204"/>
+              <a:sym typeface="Open Sans" panose="020B0306030504020204"/>
+            </a:endParaRPr>
           </a:p>
           <a:p>
-            <a:pPr marL="457200" lvl="0" indent="0" algn="l" rtl="0">
+            <a:pPr marL="0" lvl="0" indent="0" algn="l" rtl="0">
               <a:spcBef>
                 <a:spcPts val="1600"/>
               </a:spcBef>
@@ -33701,30 +34625,15 @@
               </a:spcAft>
               <a:buNone/>
             </a:pPr>
-            <a:endParaRPr sz="1900"/>
-          </a:p>
-          <a:p>
-            <a:pPr marL="457200" lvl="0" indent="0" algn="l" rtl="0">
-              <a:spcBef>
-                <a:spcPts val="1600"/>
-              </a:spcBef>
-              <a:spcAft>
-                <a:spcPts val="0"/>
-              </a:spcAft>
-              <a:buNone/>
-            </a:pPr>
-            <a:endParaRPr sz="1900"/>
-          </a:p>
-          <a:p>
-            <a:pPr marL="457200" lvl="0" indent="0" algn="l" rtl="0">
-              <a:spcBef>
-                <a:spcPts val="1600"/>
-              </a:spcBef>
-              <a:spcAft>
-                <a:spcPts val="1600"/>
-              </a:spcAft>
-              <a:buNone/>
-            </a:pPr>
+            <a:r>
+              <a:rPr lang="en-US" sz="1900" b="1">
+                <a:latin typeface="Open Sans" panose="020B0306030504020204"/>
+                <a:ea typeface="Open Sans" panose="020B0306030504020204"/>
+                <a:cs typeface="Open Sans" panose="020B0306030504020204"/>
+                <a:sym typeface="Open Sans" panose="020B0306030504020204"/>
+              </a:rPr>
+              <a:t>2. Create the specific Views that not contain Salary information to  restricted employees.</a:t>
+            </a:r>
             <a:endParaRPr sz="1900"/>
           </a:p>
         </p:txBody>
@@ -33737,7 +34646,7 @@
 </p:sld>
 </file>
 
-<file path=ppt/slides/slide26.xml><?xml version="1.0" encoding="utf-8"?>
+<file path=ppt/slides/slide28.xml><?xml version="1.0" encoding="utf-8"?>
 <p:sld xmlns:a="http://schemas.openxmlformats.org/drawingml/2006/main" xmlns:r="http://schemas.openxmlformats.org/officeDocument/2006/relationships" xmlns:p="http://schemas.openxmlformats.org/presentationml/2006/main">
   <p:cSld>
     <p:bg>
@@ -33929,7 +34838,7 @@
 </p:sld>
 </file>
 
-<file path=ppt/slides/slide27.xml><?xml version="1.0" encoding="utf-8"?>
+<file path=ppt/slides/slide29.xml><?xml version="1.0" encoding="utf-8"?>
 <p:sld xmlns:a="http://schemas.openxmlformats.org/drawingml/2006/main" xmlns:r="http://schemas.openxmlformats.org/officeDocument/2006/relationships" xmlns:p="http://schemas.openxmlformats.org/presentationml/2006/main">
   <p:cSld>
     <p:spTree>
@@ -34082,332 +34991,6 @@
               <a:buNone/>
             </a:pPr>
             <a:endParaRPr sz="2200"/>
-          </a:p>
-        </p:txBody>
-      </p:sp>
-    </p:spTree>
-  </p:cSld>
-  <p:clrMapOvr>
-    <a:masterClrMapping/>
-  </p:clrMapOvr>
-</p:sld>
-</file>
-
-<file path=ppt/slides/slide28.xml><?xml version="1.0" encoding="utf-8"?>
-<p:sld xmlns:a="http://schemas.openxmlformats.org/drawingml/2006/main" xmlns:r="http://schemas.openxmlformats.org/officeDocument/2006/relationships" xmlns:p="http://schemas.openxmlformats.org/presentationml/2006/main">
-  <p:cSld>
-    <p:spTree>
-      <p:nvGrpSpPr>
-        <p:cNvPr id="347" name="Shape 347"/>
-        <p:cNvGrpSpPr/>
-        <p:nvPr/>
-      </p:nvGrpSpPr>
-      <p:grpSpPr>
-        <a:xfrm>
-          <a:off x="0" y="0"/>
-          <a:ext cx="0" cy="0"/>
-          <a:chOff x="0" y="0"/>
-          <a:chExt cx="0" cy="0"/>
-        </a:xfrm>
-      </p:grpSpPr>
-      <p:sp>
-        <p:nvSpPr>
-          <p:cNvPr id="348" name="Google Shape;348;p77"/>
-          <p:cNvSpPr txBox="1"/>
-          <p:nvPr>
-            <p:ph type="title"/>
-          </p:nvPr>
-        </p:nvSpPr>
-        <p:spPr>
-          <a:xfrm>
-            <a:off x="264945" y="870271"/>
-            <a:ext cx="7242600" cy="1119900"/>
-          </a:xfrm>
-          <a:prstGeom prst="rect">
-            <a:avLst/>
-          </a:prstGeom>
-        </p:spPr>
-        <p:txBody>
-          <a:bodyPr spcFirstLastPara="1" wrap="square" lIns="91425" tIns="91425" rIns="91425" bIns="91425" anchor="ctr" anchorCtr="0">
-            <a:noAutofit/>
-          </a:bodyPr>
-          <a:lstStyle/>
-          <a:p>
-            <a:pPr marL="0" lvl="0" indent="0" algn="l" rtl="0">
-              <a:spcBef>
-                <a:spcPts val="0"/>
-              </a:spcBef>
-              <a:spcAft>
-                <a:spcPts val="0"/>
-              </a:spcAft>
-              <a:buNone/>
-            </a:pPr>
-            <a:r>
-              <a:rPr lang="en-GB"/>
-              <a:t>Standout Suggestion 1</a:t>
-            </a:r>
-            <a:endParaRPr lang="en-GB"/>
-          </a:p>
-        </p:txBody>
-      </p:sp>
-      <p:sp>
-        <p:nvSpPr>
-          <p:cNvPr id="349" name="Google Shape;349;p77"/>
-          <p:cNvSpPr txBox="1"/>
-          <p:nvPr>
-            <p:ph type="body" idx="1"/>
-          </p:nvPr>
-        </p:nvSpPr>
-        <p:spPr>
-          <a:xfrm>
-            <a:off x="264950" y="2253724"/>
-            <a:ext cx="7242600" cy="7731900"/>
-          </a:xfrm>
-          <a:prstGeom prst="rect">
-            <a:avLst/>
-          </a:prstGeom>
-        </p:spPr>
-        <p:txBody>
-          <a:bodyPr spcFirstLastPara="1" wrap="square" lIns="91425" tIns="91425" rIns="91425" bIns="91425" anchor="t" anchorCtr="0">
-            <a:noAutofit/>
-          </a:bodyPr>
-          <a:lstStyle/>
-          <a:p>
-            <a:pPr marL="0" lvl="0" indent="0" algn="l" rtl="0">
-              <a:spcBef>
-                <a:spcPts val="0"/>
-              </a:spcBef>
-              <a:spcAft>
-                <a:spcPts val="0"/>
-              </a:spcAft>
-              <a:buNone/>
-            </a:pPr>
-            <a:r>
-              <a:rPr lang="en-GB" sz="2000" b="1">
-                <a:latin typeface="Open Sans" panose="020B0306030504020204"/>
-                <a:ea typeface="Open Sans" panose="020B0306030504020204"/>
-                <a:cs typeface="Open Sans" panose="020B0306030504020204"/>
-                <a:sym typeface="Open Sans" panose="020B0306030504020204"/>
-              </a:rPr>
-              <a:t>Create a view that returns all employee attributes; results should resemble initial Excel file</a:t>
-            </a:r>
-            <a:endParaRPr sz="2000" b="1">
-              <a:latin typeface="Open Sans" panose="020B0306030504020204"/>
-              <a:ea typeface="Open Sans" panose="020B0306030504020204"/>
-              <a:cs typeface="Open Sans" panose="020B0306030504020204"/>
-              <a:sym typeface="Open Sans" panose="020B0306030504020204"/>
-            </a:endParaRPr>
-          </a:p>
-          <a:p>
-            <a:pPr marL="0" lvl="0" indent="0" algn="l" rtl="0">
-              <a:spcBef>
-                <a:spcPts val="1600"/>
-              </a:spcBef>
-              <a:spcAft>
-                <a:spcPts val="0"/>
-              </a:spcAft>
-              <a:buNone/>
-            </a:pPr>
-            <a:r>
-              <a:rPr lang="en-GB" sz="1900">
-                <a:solidFill>
-                  <a:srgbClr val="FF0000"/>
-                </a:solidFill>
-              </a:rPr>
-              <a:t>** return a screenshot of the view create code, along with the results of a select all on the view </a:t>
-            </a:r>
-            <a:endParaRPr sz="1900">
-              <a:solidFill>
-                <a:srgbClr val="FF0000"/>
-              </a:solidFill>
-            </a:endParaRPr>
-          </a:p>
-          <a:p>
-            <a:pPr marL="457200" lvl="0" indent="0" algn="l" rtl="0">
-              <a:spcBef>
-                <a:spcPts val="1600"/>
-              </a:spcBef>
-              <a:spcAft>
-                <a:spcPts val="0"/>
-              </a:spcAft>
-              <a:buNone/>
-            </a:pPr>
-            <a:endParaRPr sz="1900"/>
-          </a:p>
-          <a:p>
-            <a:pPr marL="457200" lvl="0" indent="0" algn="l" rtl="0">
-              <a:spcBef>
-                <a:spcPts val="1600"/>
-              </a:spcBef>
-              <a:spcAft>
-                <a:spcPts val="1600"/>
-              </a:spcAft>
-              <a:buNone/>
-            </a:pPr>
-            <a:endParaRPr sz="1900"/>
-          </a:p>
-        </p:txBody>
-      </p:sp>
-    </p:spTree>
-  </p:cSld>
-  <p:clrMapOvr>
-    <a:masterClrMapping/>
-  </p:clrMapOvr>
-</p:sld>
-</file>
-
-<file path=ppt/slides/slide29.xml><?xml version="1.0" encoding="utf-8"?>
-<p:sld xmlns:a="http://schemas.openxmlformats.org/drawingml/2006/main" xmlns:r="http://schemas.openxmlformats.org/officeDocument/2006/relationships" xmlns:p="http://schemas.openxmlformats.org/presentationml/2006/main">
-  <p:cSld>
-    <p:spTree>
-      <p:nvGrpSpPr>
-        <p:cNvPr id="353" name="Shape 353"/>
-        <p:cNvGrpSpPr/>
-        <p:nvPr/>
-      </p:nvGrpSpPr>
-      <p:grpSpPr>
-        <a:xfrm>
-          <a:off x="0" y="0"/>
-          <a:ext cx="0" cy="0"/>
-          <a:chOff x="0" y="0"/>
-          <a:chExt cx="0" cy="0"/>
-        </a:xfrm>
-      </p:grpSpPr>
-      <p:sp>
-        <p:nvSpPr>
-          <p:cNvPr id="354" name="Google Shape;354;p78"/>
-          <p:cNvSpPr txBox="1"/>
-          <p:nvPr>
-            <p:ph type="title"/>
-          </p:nvPr>
-        </p:nvSpPr>
-        <p:spPr>
-          <a:xfrm>
-            <a:off x="264945" y="870271"/>
-            <a:ext cx="7242600" cy="1119900"/>
-          </a:xfrm>
-          <a:prstGeom prst="rect">
-            <a:avLst/>
-          </a:prstGeom>
-        </p:spPr>
-        <p:txBody>
-          <a:bodyPr spcFirstLastPara="1" wrap="square" lIns="91425" tIns="91425" rIns="91425" bIns="91425" anchor="ctr" anchorCtr="0">
-            <a:noAutofit/>
-          </a:bodyPr>
-          <a:lstStyle/>
-          <a:p>
-            <a:pPr marL="0" lvl="0" indent="0" algn="l" rtl="0">
-              <a:spcBef>
-                <a:spcPts val="0"/>
-              </a:spcBef>
-              <a:spcAft>
-                <a:spcPts val="0"/>
-              </a:spcAft>
-              <a:buNone/>
-            </a:pPr>
-            <a:r>
-              <a:rPr lang="en-GB"/>
-              <a:t>Standout Suggestion 2</a:t>
-            </a:r>
-            <a:endParaRPr lang="en-GB"/>
-          </a:p>
-        </p:txBody>
-      </p:sp>
-      <p:sp>
-        <p:nvSpPr>
-          <p:cNvPr id="355" name="Google Shape;355;p78"/>
-          <p:cNvSpPr txBox="1"/>
-          <p:nvPr>
-            <p:ph type="body" idx="1"/>
-          </p:nvPr>
-        </p:nvSpPr>
-        <p:spPr>
-          <a:xfrm>
-            <a:off x="264950" y="2253724"/>
-            <a:ext cx="7242600" cy="7731900"/>
-          </a:xfrm>
-          <a:prstGeom prst="rect">
-            <a:avLst/>
-          </a:prstGeom>
-        </p:spPr>
-        <p:txBody>
-          <a:bodyPr spcFirstLastPara="1" wrap="square" lIns="91425" tIns="91425" rIns="91425" bIns="91425" anchor="t" anchorCtr="0">
-            <a:noAutofit/>
-          </a:bodyPr>
-          <a:lstStyle/>
-          <a:p>
-            <a:pPr marL="0" lvl="0" indent="0" algn="l" rtl="0">
-              <a:spcBef>
-                <a:spcPts val="0"/>
-              </a:spcBef>
-              <a:spcAft>
-                <a:spcPts val="0"/>
-              </a:spcAft>
-              <a:buNone/>
-            </a:pPr>
-            <a:r>
-              <a:rPr lang="en-GB" sz="2000" b="1">
-                <a:latin typeface="Open Sans" panose="020B0306030504020204"/>
-                <a:ea typeface="Open Sans" panose="020B0306030504020204"/>
-                <a:cs typeface="Open Sans" panose="020B0306030504020204"/>
-                <a:sym typeface="Open Sans" panose="020B0306030504020204"/>
-              </a:rPr>
-              <a:t>Create a stored procedure with parameters that returns current and past jobs (include employee name, job title, department, manager name, start and end date for position) when given an employee name.</a:t>
-            </a:r>
-            <a:endParaRPr sz="2000" b="1">
-              <a:latin typeface="Open Sans" panose="020B0306030504020204"/>
-              <a:ea typeface="Open Sans" panose="020B0306030504020204"/>
-              <a:cs typeface="Open Sans" panose="020B0306030504020204"/>
-              <a:sym typeface="Open Sans" panose="020B0306030504020204"/>
-            </a:endParaRPr>
-          </a:p>
-          <a:p>
-            <a:pPr marL="0" lvl="0" indent="0" algn="l" rtl="0">
-              <a:spcBef>
-                <a:spcPts val="1600"/>
-              </a:spcBef>
-              <a:spcAft>
-                <a:spcPts val="0"/>
-              </a:spcAft>
-              <a:buNone/>
-            </a:pPr>
-            <a:r>
-              <a:rPr lang="en-GB" sz="1900">
-                <a:solidFill>
-                  <a:srgbClr val="FF0000"/>
-                </a:solidFill>
-              </a:rPr>
-              <a:t>** submit screenshot of stored procedure creation code, along with a screenshot of the stored procedure executed using Toni Lembeck as the parameter value</a:t>
-            </a:r>
-            <a:endParaRPr sz="1900">
-              <a:solidFill>
-                <a:srgbClr val="FF0000"/>
-              </a:solidFill>
-            </a:endParaRPr>
-          </a:p>
-          <a:p>
-            <a:pPr marL="457200" lvl="0" indent="0" algn="l" rtl="0">
-              <a:spcBef>
-                <a:spcPts val="1600"/>
-              </a:spcBef>
-              <a:spcAft>
-                <a:spcPts val="0"/>
-              </a:spcAft>
-              <a:buNone/>
-            </a:pPr>
-            <a:endParaRPr sz="1900"/>
-          </a:p>
-          <a:p>
-            <a:pPr marL="457200" lvl="0" indent="0" algn="l" rtl="0">
-              <a:spcBef>
-                <a:spcPts val="1600"/>
-              </a:spcBef>
-              <a:spcAft>
-                <a:spcPts val="1600"/>
-              </a:spcAft>
-              <a:buNone/>
-            </a:pPr>
-            <a:endParaRPr sz="1900"/>
           </a:p>
         </p:txBody>
       </p:sp>
@@ -34671,6 +35254,349 @@
   <p:cSld>
     <p:spTree>
       <p:nvGrpSpPr>
+        <p:cNvPr id="347" name="Shape 347"/>
+        <p:cNvGrpSpPr/>
+        <p:nvPr/>
+      </p:nvGrpSpPr>
+      <p:grpSpPr>
+        <a:xfrm>
+          <a:off x="0" y="0"/>
+          <a:ext cx="0" cy="0"/>
+          <a:chOff x="0" y="0"/>
+          <a:chExt cx="0" cy="0"/>
+        </a:xfrm>
+      </p:grpSpPr>
+      <p:sp>
+        <p:nvSpPr>
+          <p:cNvPr id="348" name="Google Shape;348;p77"/>
+          <p:cNvSpPr txBox="1"/>
+          <p:nvPr>
+            <p:ph type="title"/>
+          </p:nvPr>
+        </p:nvSpPr>
+        <p:spPr>
+          <a:xfrm>
+            <a:off x="264945" y="870271"/>
+            <a:ext cx="7242600" cy="1119900"/>
+          </a:xfrm>
+          <a:prstGeom prst="rect">
+            <a:avLst/>
+          </a:prstGeom>
+        </p:spPr>
+        <p:txBody>
+          <a:bodyPr spcFirstLastPara="1" wrap="square" lIns="91425" tIns="91425" rIns="91425" bIns="91425" anchor="ctr" anchorCtr="0">
+            <a:noAutofit/>
+          </a:bodyPr>
+          <a:lstStyle/>
+          <a:p>
+            <a:pPr marL="0" lvl="0" indent="0" algn="l" rtl="0">
+              <a:spcBef>
+                <a:spcPts val="0"/>
+              </a:spcBef>
+              <a:spcAft>
+                <a:spcPts val="0"/>
+              </a:spcAft>
+              <a:buNone/>
+            </a:pPr>
+            <a:r>
+              <a:rPr lang="en-GB"/>
+              <a:t>Standout Suggestion 1</a:t>
+            </a:r>
+            <a:endParaRPr lang="en-GB"/>
+          </a:p>
+        </p:txBody>
+      </p:sp>
+      <p:sp>
+        <p:nvSpPr>
+          <p:cNvPr id="349" name="Google Shape;349;p77"/>
+          <p:cNvSpPr txBox="1"/>
+          <p:nvPr>
+            <p:ph type="body" idx="1"/>
+          </p:nvPr>
+        </p:nvSpPr>
+        <p:spPr>
+          <a:xfrm>
+            <a:off x="264950" y="2253724"/>
+            <a:ext cx="7242600" cy="7731900"/>
+          </a:xfrm>
+          <a:prstGeom prst="rect">
+            <a:avLst/>
+          </a:prstGeom>
+        </p:spPr>
+        <p:txBody>
+          <a:bodyPr spcFirstLastPara="1" wrap="square" lIns="91425" tIns="91425" rIns="91425" bIns="91425" anchor="t" anchorCtr="0">
+            <a:noAutofit/>
+          </a:bodyPr>
+          <a:lstStyle/>
+          <a:p>
+            <a:pPr marL="0" lvl="0" indent="0" algn="l" rtl="0">
+              <a:spcBef>
+                <a:spcPts val="0"/>
+              </a:spcBef>
+              <a:spcAft>
+                <a:spcPts val="0"/>
+              </a:spcAft>
+              <a:buNone/>
+            </a:pPr>
+            <a:r>
+              <a:rPr lang="en-GB" sz="2000" b="1">
+                <a:latin typeface="Open Sans" panose="020B0306030504020204"/>
+                <a:ea typeface="Open Sans" panose="020B0306030504020204"/>
+                <a:cs typeface="Open Sans" panose="020B0306030504020204"/>
+                <a:sym typeface="Open Sans" panose="020B0306030504020204"/>
+              </a:rPr>
+              <a:t>Create a view that returns all employee attributes; results should resemble initial Excel file</a:t>
+            </a:r>
+            <a:endParaRPr lang="en-GB" sz="2000" b="1">
+              <a:latin typeface="Open Sans" panose="020B0306030504020204"/>
+              <a:ea typeface="Open Sans" panose="020B0306030504020204"/>
+              <a:cs typeface="Open Sans" panose="020B0306030504020204"/>
+              <a:sym typeface="Open Sans" panose="020B0306030504020204"/>
+            </a:endParaRPr>
+          </a:p>
+          <a:p>
+            <a:pPr marL="0" lvl="0" indent="0" algn="l" rtl="0">
+              <a:spcBef>
+                <a:spcPts val="0"/>
+              </a:spcBef>
+              <a:spcAft>
+                <a:spcPts val="0"/>
+              </a:spcAft>
+              <a:buNone/>
+            </a:pPr>
+            <a:endParaRPr lang="en-GB" sz="2000" b="1">
+              <a:latin typeface="Open Sans" panose="020B0306030504020204"/>
+              <a:ea typeface="Open Sans" panose="020B0306030504020204"/>
+              <a:cs typeface="Open Sans" panose="020B0306030504020204"/>
+              <a:sym typeface="Open Sans" panose="020B0306030504020204"/>
+            </a:endParaRPr>
+          </a:p>
+          <a:p>
+            <a:pPr marL="0" lvl="0" indent="0" algn="l" rtl="0">
+              <a:spcBef>
+                <a:spcPts val="0"/>
+              </a:spcBef>
+              <a:spcAft>
+                <a:spcPts val="0"/>
+              </a:spcAft>
+              <a:buNone/>
+            </a:pPr>
+            <a:endParaRPr sz="1900"/>
+          </a:p>
+          <a:p>
+            <a:pPr marL="457200" lvl="0" indent="0" algn="l" rtl="0">
+              <a:spcBef>
+                <a:spcPts val="1600"/>
+              </a:spcBef>
+              <a:spcAft>
+                <a:spcPts val="1600"/>
+              </a:spcAft>
+              <a:buNone/>
+            </a:pPr>
+            <a:endParaRPr sz="1900"/>
+          </a:p>
+        </p:txBody>
+      </p:sp>
+      <p:pic>
+        <p:nvPicPr>
+          <p:cNvPr id="1" name="Picture 0"/>
+          <p:cNvPicPr>
+            <a:picLocks noChangeAspect="1"/>
+          </p:cNvPicPr>
+          <p:nvPr/>
+        </p:nvPicPr>
+        <p:blipFill>
+          <a:blip r:embed="rId1"/>
+          <a:stretch>
+            <a:fillRect/>
+          </a:stretch>
+        </p:blipFill>
+        <p:spPr>
+          <a:xfrm>
+            <a:off x="285750" y="3301365"/>
+            <a:ext cx="7285355" cy="5909310"/>
+          </a:xfrm>
+          <a:prstGeom prst="rect">
+            <a:avLst/>
+          </a:prstGeom>
+        </p:spPr>
+      </p:pic>
+    </p:spTree>
+  </p:cSld>
+  <p:clrMapOvr>
+    <a:masterClrMapping/>
+  </p:clrMapOvr>
+</p:sld>
+</file>
+
+<file path=ppt/slides/slide31.xml><?xml version="1.0" encoding="utf-8"?>
+<p:sld xmlns:a="http://schemas.openxmlformats.org/drawingml/2006/main" xmlns:r="http://schemas.openxmlformats.org/officeDocument/2006/relationships" xmlns:p="http://schemas.openxmlformats.org/presentationml/2006/main">
+  <p:cSld>
+    <p:spTree>
+      <p:nvGrpSpPr>
+        <p:cNvPr id="353" name="Shape 353"/>
+        <p:cNvGrpSpPr/>
+        <p:nvPr/>
+      </p:nvGrpSpPr>
+      <p:grpSpPr>
+        <a:xfrm>
+          <a:off x="0" y="0"/>
+          <a:ext cx="0" cy="0"/>
+          <a:chOff x="0" y="0"/>
+          <a:chExt cx="0" cy="0"/>
+        </a:xfrm>
+      </p:grpSpPr>
+      <p:sp>
+        <p:nvSpPr>
+          <p:cNvPr id="354" name="Google Shape;354;p78"/>
+          <p:cNvSpPr txBox="1"/>
+          <p:nvPr>
+            <p:ph type="title"/>
+          </p:nvPr>
+        </p:nvSpPr>
+        <p:spPr>
+          <a:xfrm>
+            <a:off x="264945" y="870271"/>
+            <a:ext cx="7242600" cy="1119900"/>
+          </a:xfrm>
+          <a:prstGeom prst="rect">
+            <a:avLst/>
+          </a:prstGeom>
+        </p:spPr>
+        <p:txBody>
+          <a:bodyPr spcFirstLastPara="1" wrap="square" lIns="91425" tIns="91425" rIns="91425" bIns="91425" anchor="ctr" anchorCtr="0">
+            <a:noAutofit/>
+          </a:bodyPr>
+          <a:lstStyle/>
+          <a:p>
+            <a:pPr marL="0" lvl="0" indent="0" algn="l" rtl="0">
+              <a:spcBef>
+                <a:spcPts val="0"/>
+              </a:spcBef>
+              <a:spcAft>
+                <a:spcPts val="0"/>
+              </a:spcAft>
+              <a:buNone/>
+            </a:pPr>
+            <a:r>
+              <a:rPr lang="en-GB"/>
+              <a:t>Standout Suggestion 2</a:t>
+            </a:r>
+            <a:endParaRPr lang="en-GB"/>
+          </a:p>
+        </p:txBody>
+      </p:sp>
+      <p:sp>
+        <p:nvSpPr>
+          <p:cNvPr id="355" name="Google Shape;355;p78"/>
+          <p:cNvSpPr txBox="1"/>
+          <p:nvPr>
+            <p:ph type="body" idx="1"/>
+          </p:nvPr>
+        </p:nvSpPr>
+        <p:spPr>
+          <a:xfrm>
+            <a:off x="264950" y="2253724"/>
+            <a:ext cx="7242600" cy="7731900"/>
+          </a:xfrm>
+          <a:prstGeom prst="rect">
+            <a:avLst/>
+          </a:prstGeom>
+        </p:spPr>
+        <p:txBody>
+          <a:bodyPr spcFirstLastPara="1" wrap="square" lIns="91425" tIns="91425" rIns="91425" bIns="91425" anchor="t" anchorCtr="0">
+            <a:noAutofit/>
+          </a:bodyPr>
+          <a:lstStyle/>
+          <a:p>
+            <a:pPr marL="0" lvl="0" indent="0" algn="l" rtl="0">
+              <a:spcBef>
+                <a:spcPts val="0"/>
+              </a:spcBef>
+              <a:spcAft>
+                <a:spcPts val="0"/>
+              </a:spcAft>
+              <a:buNone/>
+            </a:pPr>
+            <a:r>
+              <a:rPr lang="en-GB" sz="2000" b="1">
+                <a:latin typeface="Open Sans" panose="020B0306030504020204"/>
+                <a:ea typeface="Open Sans" panose="020B0306030504020204"/>
+                <a:cs typeface="Open Sans" panose="020B0306030504020204"/>
+                <a:sym typeface="Open Sans" panose="020B0306030504020204"/>
+              </a:rPr>
+              <a:t>Create a stored procedure with parameters that returns current and past jobs (include employee name, job title, department, manager name, start and end date for position) when given an employee name.</a:t>
+            </a:r>
+            <a:endParaRPr lang="en-GB" sz="2000" b="1">
+              <a:latin typeface="Open Sans" panose="020B0306030504020204"/>
+              <a:ea typeface="Open Sans" panose="020B0306030504020204"/>
+              <a:cs typeface="Open Sans" panose="020B0306030504020204"/>
+              <a:sym typeface="Open Sans" panose="020B0306030504020204"/>
+            </a:endParaRPr>
+          </a:p>
+          <a:p>
+            <a:pPr marL="0" lvl="0" indent="0" algn="l" rtl="0">
+              <a:spcBef>
+                <a:spcPts val="0"/>
+              </a:spcBef>
+              <a:spcAft>
+                <a:spcPts val="0"/>
+              </a:spcAft>
+              <a:buNone/>
+            </a:pPr>
+            <a:endParaRPr sz="1900"/>
+          </a:p>
+          <a:p>
+            <a:pPr marL="0" lvl="0" indent="0" algn="l" rtl="0">
+              <a:spcBef>
+                <a:spcPts val="0"/>
+              </a:spcBef>
+              <a:spcAft>
+                <a:spcPts val="0"/>
+              </a:spcAft>
+              <a:buNone/>
+            </a:pPr>
+            <a:endParaRPr sz="1900"/>
+          </a:p>
+        </p:txBody>
+      </p:sp>
+      <p:pic>
+        <p:nvPicPr>
+          <p:cNvPr id="1" name="Picture 0"/>
+          <p:cNvPicPr>
+            <a:picLocks noChangeAspect="1"/>
+          </p:cNvPicPr>
+          <p:nvPr/>
+        </p:nvPicPr>
+        <p:blipFill>
+          <a:blip r:embed="rId1"/>
+          <a:stretch>
+            <a:fillRect/>
+          </a:stretch>
+        </p:blipFill>
+        <p:spPr>
+          <a:xfrm>
+            <a:off x="285750" y="3949065"/>
+            <a:ext cx="7253605" cy="4012565"/>
+          </a:xfrm>
+          <a:prstGeom prst="rect">
+            <a:avLst/>
+          </a:prstGeom>
+        </p:spPr>
+      </p:pic>
+    </p:spTree>
+  </p:cSld>
+  <p:clrMapOvr>
+    <a:masterClrMapping/>
+  </p:clrMapOvr>
+</p:sld>
+</file>
+
+<file path=ppt/slides/slide32.xml><?xml version="1.0" encoding="utf-8"?>
+<p:sld xmlns:a="http://schemas.openxmlformats.org/drawingml/2006/main" xmlns:r="http://schemas.openxmlformats.org/officeDocument/2006/relationships" xmlns:p="http://schemas.openxmlformats.org/presentationml/2006/main">
+  <p:cSld>
+    <p:spTree>
+      <p:nvGrpSpPr>
         <p:cNvPr id="359" name="Shape 359"/>
         <p:cNvGrpSpPr/>
         <p:nvPr/>
@@ -34764,107 +35690,34 @@
               </a:rPr>
               <a:t>Implement user security on the restricted salary attribute.</a:t>
             </a:r>
-            <a:endParaRPr sz="2000" b="1">
-              <a:latin typeface="Open Sans" panose="020B0306030504020204"/>
-              <a:ea typeface="Open Sans" panose="020B0306030504020204"/>
-              <a:cs typeface="Open Sans" panose="020B0306030504020204"/>
-              <a:sym typeface="Open Sans" panose="020B0306030504020204"/>
-            </a:endParaRPr>
-          </a:p>
-          <a:p>
-            <a:pPr marL="0" lvl="0" indent="0" algn="l" rtl="0">
-              <a:spcBef>
-                <a:spcPts val="1600"/>
-              </a:spcBef>
-              <a:spcAft>
-                <a:spcPts val="0"/>
-              </a:spcAft>
-              <a:buNone/>
-            </a:pPr>
-            <a:r>
-              <a:rPr lang="en-GB" sz="1900">
-                <a:solidFill>
-                  <a:srgbClr val="FF0000"/>
-                </a:solidFill>
-              </a:rPr>
-              <a:t>Create a non-management user named </a:t>
-            </a:r>
-            <a:r>
-              <a:rPr lang="en-GB" sz="1900">
-                <a:solidFill>
-                  <a:srgbClr val="FF0000"/>
-                </a:solidFill>
-                <a:latin typeface="Source Code Pro" panose="020B0509030403020204"/>
-                <a:ea typeface="Source Code Pro" panose="020B0509030403020204"/>
-                <a:cs typeface="Source Code Pro" panose="020B0509030403020204"/>
-                <a:sym typeface="Source Code Pro" panose="020B0509030403020204"/>
-              </a:rPr>
-              <a:t>NoMgr</a:t>
-            </a:r>
-            <a:r>
-              <a:rPr lang="en-GB" sz="1900">
-                <a:solidFill>
-                  <a:srgbClr val="FF0000"/>
-                </a:solidFill>
-                <a:latin typeface="Open Sans" panose="020B0306030504020204"/>
-                <a:ea typeface="Open Sans" panose="020B0306030504020204"/>
-                <a:cs typeface="Open Sans" panose="020B0306030504020204"/>
-                <a:sym typeface="Open Sans" panose="020B0306030504020204"/>
-              </a:rPr>
-              <a:t>.</a:t>
-            </a:r>
-            <a:r>
-              <a:rPr lang="en-GB" sz="1900">
-                <a:solidFill>
-                  <a:srgbClr val="FF0000"/>
-                </a:solidFill>
-              </a:rPr>
-              <a:t> Show the code of how your would grant access to the database, but revoke access to the salary data.</a:t>
-            </a:r>
-            <a:endParaRPr sz="1900">
-              <a:solidFill>
-                <a:srgbClr val="FF0000"/>
-              </a:solidFill>
-            </a:endParaRPr>
-          </a:p>
-          <a:p>
-            <a:pPr marL="0" lvl="0" indent="0" algn="l" rtl="0">
-              <a:spcBef>
-                <a:spcPts val="1600"/>
-              </a:spcBef>
-              <a:spcAft>
-                <a:spcPts val="0"/>
-              </a:spcAft>
-              <a:buNone/>
-            </a:pPr>
-            <a:r>
-              <a:rPr lang="en-GB" sz="1900">
-                <a:solidFill>
-                  <a:srgbClr val="FF0000"/>
-                </a:solidFill>
-              </a:rPr>
-              <a:t>Submit screenshot of code</a:t>
-            </a:r>
-            <a:endParaRPr sz="1900">
-              <a:solidFill>
-                <a:srgbClr val="FF0000"/>
-              </a:solidFill>
-            </a:endParaRPr>
-          </a:p>
-          <a:p>
-            <a:pPr marL="457200" lvl="0" indent="0" algn="l" rtl="0">
-              <a:spcBef>
-                <a:spcPts val="1600"/>
-              </a:spcBef>
-              <a:spcAft>
-                <a:spcPts val="1600"/>
-              </a:spcAft>
-              <a:buNone/>
-            </a:pPr>
             <a:endParaRPr sz="1900"/>
           </a:p>
         </p:txBody>
       </p:sp>
+      <p:pic>
+        <p:nvPicPr>
+          <p:cNvPr id="1" name="Picture 0"/>
+          <p:cNvPicPr>
+            <a:picLocks noChangeAspect="1"/>
+          </p:cNvPicPr>
+          <p:nvPr/>
+        </p:nvPicPr>
+        <p:blipFill>
+          <a:blip r:embed="rId1"/>
+          <a:stretch>
+            <a:fillRect/>
+          </a:stretch>
+        </p:blipFill>
+        <p:spPr>
+          <a:xfrm>
+            <a:off x="264795" y="2941320"/>
+            <a:ext cx="7376795" cy="3578860"/>
+          </a:xfrm>
+          <a:prstGeom prst="rect">
+            <a:avLst/>
+          </a:prstGeom>
+        </p:spPr>
+      </p:pic>
     </p:spTree>
   </p:cSld>
   <p:clrMapOvr>
@@ -34873,7 +35726,7 @@
 </p:sld>
 </file>
 
-<file path=ppt/slides/slide31.xml><?xml version="1.0" encoding="utf-8"?>
+<file path=ppt/slides/slide33.xml><?xml version="1.0" encoding="utf-8"?>
 <p:sld xmlns:a="http://schemas.openxmlformats.org/drawingml/2006/main" xmlns:r="http://schemas.openxmlformats.org/officeDocument/2006/relationships" xmlns:p="http://schemas.openxmlformats.org/presentationml/2006/main">
   <p:cSld>
     <p:bg>
@@ -35053,7 +35906,7 @@
 </p:sld>
 </file>
 
-<file path=ppt/slides/slide32.xml><?xml version="1.0" encoding="utf-8"?>
+<file path=ppt/slides/slide34.xml><?xml version="1.0" encoding="utf-8"?>
 <p:sld xmlns:a="http://schemas.openxmlformats.org/drawingml/2006/main" xmlns:r="http://schemas.openxmlformats.org/officeDocument/2006/relationships" xmlns:p="http://schemas.openxmlformats.org/presentationml/2006/main">
   <p:cSld>
     <p:spTree>
@@ -37385,7 +38238,7 @@
         </p:nvGraphicFramePr>
         <p:xfrm>
           <a:off x="861695" y="4669155"/>
-          <a:ext cx="4288155" cy="2133600"/>
+          <a:ext cx="4288155" cy="2743200"/>
         </p:xfrm>
         <a:graphic>
           <a:graphicData uri="http://schemas.openxmlformats.org/drawingml/2006/table">
@@ -37559,7 +38412,7 @@
                       </a:pPr>
                       <a:r>
                         <a:rPr lang="en-US"/>
-                        <a:t>LOCATIONS</a:t>
+                        <a:t>STATES</a:t>
                       </a:r>
                       <a:endParaRPr lang="en-US"/>
                     </a:p>
@@ -37593,7 +38446,7 @@
                       </a:pPr>
                       <a:r>
                         <a:rPr lang="en-US"/>
-                        <a:t>JOBS</a:t>
+                        <a:t>CITIES</a:t>
                       </a:r>
                       <a:endParaRPr lang="en-US"/>
                     </a:p>
@@ -37627,7 +38480,75 @@
                       </a:pPr>
                       <a:r>
                         <a:rPr lang="en-US"/>
-                        <a:t>JOB_HISTORY</a:t>
+                        <a:t>LOCATIONS</a:t>
+                      </a:r>
+                      <a:endParaRPr lang="en-US"/>
+                    </a:p>
+                  </a:txBody>
+                  <a:tcPr/>
+                </a:tc>
+              </a:tr>
+              <a:tr h="295910">
+                <a:tc>
+                  <a:txBody>
+                    <a:bodyPr/>
+                    <a:p>
+                      <a:pPr>
+                        <a:buNone/>
+                      </a:pPr>
+                      <a:r>
+                        <a:rPr lang="en-US"/>
+                        <a:t>7</a:t>
+                      </a:r>
+                      <a:endParaRPr lang="en-US"/>
+                    </a:p>
+                  </a:txBody>
+                  <a:tcPr/>
+                </a:tc>
+                <a:tc>
+                  <a:txBody>
+                    <a:bodyPr/>
+                    <a:p>
+                      <a:pPr>
+                        <a:buNone/>
+                      </a:pPr>
+                      <a:r>
+                        <a:rPr lang="en-US"/>
+                        <a:t>JOBS</a:t>
+                      </a:r>
+                      <a:endParaRPr lang="en-US"/>
+                    </a:p>
+                  </a:txBody>
+                  <a:tcPr/>
+                </a:tc>
+              </a:tr>
+              <a:tr h="304800">
+                <a:tc>
+                  <a:txBody>
+                    <a:bodyPr/>
+                    <a:p>
+                      <a:pPr>
+                        <a:buNone/>
+                      </a:pPr>
+                      <a:r>
+                        <a:rPr lang="en-US"/>
+                        <a:t>8</a:t>
+                      </a:r>
+                      <a:endParaRPr lang="en-US"/>
+                    </a:p>
+                  </a:txBody>
+                  <a:tcPr/>
+                </a:tc>
+                <a:tc>
+                  <a:txBody>
+                    <a:bodyPr/>
+                    <a:p>
+                      <a:pPr>
+                        <a:buNone/>
+                      </a:pPr>
+                      <a:r>
+                        <a:rPr lang="en-US"/>
+                        <a:t>EMP_ASSIGNENTS</a:t>
                       </a:r>
                       <a:endParaRPr lang="en-US"/>
                     </a:p>
@@ -37646,7 +38567,7 @@
           <p:nvPr/>
         </p:nvGraphicFramePr>
         <p:xfrm>
-          <a:off x="887095" y="7045325"/>
+          <a:off x="861695" y="7549515"/>
           <a:ext cx="4262755" cy="2133600"/>
         </p:xfrm>
         <a:graphic>
@@ -37719,75 +38640,7 @@
                       </a:pPr>
                       <a:r>
                         <a:rPr lang="en-US"/>
-                        <a:t>HR</a:t>
-                      </a:r>
-                      <a:endParaRPr lang="en-US"/>
-                    </a:p>
-                  </a:txBody>
-                  <a:tcPr/>
-                </a:tc>
-              </a:tr>
-              <a:tr h="304800">
-                <a:tc>
-                  <a:txBody>
-                    <a:bodyPr/>
-                    <a:p>
-                      <a:pPr>
-                        <a:buNone/>
-                      </a:pPr>
-                      <a:r>
-                        <a:rPr lang="en-US"/>
-                        <a:t>2</a:t>
-                      </a:r>
-                      <a:endParaRPr lang="en-US"/>
-                    </a:p>
-                  </a:txBody>
-                  <a:tcPr/>
-                </a:tc>
-                <a:tc>
-                  <a:txBody>
-                    <a:bodyPr/>
-                    <a:p>
-                      <a:pPr>
-                        <a:buNone/>
-                      </a:pPr>
-                      <a:r>
-                        <a:rPr lang="en-US"/>
-                        <a:t>Managment</a:t>
-                      </a:r>
-                      <a:endParaRPr lang="en-US"/>
-                    </a:p>
-                  </a:txBody>
-                  <a:tcPr/>
-                </a:tc>
-              </a:tr>
-              <a:tr h="304800">
-                <a:tc>
-                  <a:txBody>
-                    <a:bodyPr/>
-                    <a:p>
-                      <a:pPr>
-                        <a:buNone/>
-                      </a:pPr>
-                      <a:r>
-                        <a:rPr lang="en-US"/>
-                        <a:t>3</a:t>
-                      </a:r>
-                      <a:endParaRPr lang="en-US"/>
-                    </a:p>
-                  </a:txBody>
-                  <a:tcPr/>
-                </a:tc>
-                <a:tc>
-                  <a:txBody>
-                    <a:bodyPr/>
-                    <a:p>
-                      <a:pPr>
-                        <a:buNone/>
-                      </a:pPr>
-                      <a:r>
-                        <a:rPr lang="en-US"/>
-                        <a:t>Staff</a:t>
+                        <a:t>EMP_ASSIGNMENTS_W</a:t>
                       </a:r>
                       <a:endParaRPr lang="en-US"/>
                     </a:p>
